--- a/Poster/Poster draft 1.pptx
+++ b/Poster/Poster draft 1.pptx
@@ -5,8 +5,7 @@
     <p:sldMasterId id="2147483648" r:id="rId1"/>
   </p:sldMasterIdLst>
   <p:sldIdLst>
-    <p:sldId id="256" r:id="rId2"/>
-    <p:sldId id="257" r:id="rId3"/>
+    <p:sldId id="257" r:id="rId2"/>
   </p:sldIdLst>
   <p:sldSz cx="12192000" cy="6858000"/>
   <p:notesSz cx="6858000" cy="9144000"/>
@@ -105,6 +104,22 @@
       </a:defRPr>
     </a:lvl9pPr>
   </p:defaultTextStyle>
+  <p:extLst>
+    <p:ext uri="{EFAFB233-063F-42B5-8137-9DF3F51BA10A}">
+      <p15:sldGuideLst xmlns:p15="http://schemas.microsoft.com/office/powerpoint/2012/main">
+        <p15:guide id="1" orient="horz" pos="2160" userDrawn="1">
+          <p15:clr>
+            <a:srgbClr val="A4A3A4"/>
+          </p15:clr>
+        </p15:guide>
+        <p15:guide id="2" pos="3840" userDrawn="1">
+          <p15:clr>
+            <a:srgbClr val="A4A3A4"/>
+          </p15:clr>
+        </p15:guide>
+      </p15:sldGuideLst>
+    </p:ext>
+  </p:extLst>
 </p:presentation>
 </file>
 
@@ -3308,6 +3323,18 @@
 <file path=ppt/slides/slide1.xml><?xml version="1.0" encoding="utf-8"?>
 <p:sld xmlns:a="http://schemas.openxmlformats.org/drawingml/2006/main" xmlns:r="http://schemas.openxmlformats.org/officeDocument/2006/relationships" xmlns:p="http://schemas.openxmlformats.org/presentationml/2006/main">
   <p:cSld>
+    <p:bg>
+      <p:bgPr>
+        <a:solidFill>
+          <a:schemeClr val="accent1">
+            <a:lumMod val="20000"/>
+            <a:lumOff val="80000"/>
+            <a:alpha val="45000"/>
+          </a:schemeClr>
+        </a:solidFill>
+        <a:effectLst/>
+      </p:bgPr>
+    </p:bg>
     <p:spTree>
       <p:nvGrpSpPr>
         <p:cNvPr id="1" name=""/>
@@ -3322,36 +3349,165 @@
           <a:chExt cx="0" cy="0"/>
         </a:xfrm>
       </p:grpSpPr>
-    </p:spTree>
-    <p:extLst>
-      <p:ext uri="{BB962C8B-B14F-4D97-AF65-F5344CB8AC3E}">
-        <p14:creationId xmlns:p14="http://schemas.microsoft.com/office/powerpoint/2010/main" val="1589167724"/>
-      </p:ext>
-    </p:extLst>
-  </p:cSld>
-  <p:clrMapOvr>
-    <a:masterClrMapping/>
-  </p:clrMapOvr>
-</p:sld>
-</file>
-
-<file path=ppt/slides/slide2.xml><?xml version="1.0" encoding="utf-8"?>
-<p:sld xmlns:a="http://schemas.openxmlformats.org/drawingml/2006/main" xmlns:r="http://schemas.openxmlformats.org/officeDocument/2006/relationships" xmlns:p="http://schemas.openxmlformats.org/presentationml/2006/main">
-  <p:cSld>
-    <p:spTree>
-      <p:nvGrpSpPr>
-        <p:cNvPr id="1" name=""/>
-        <p:cNvGrpSpPr/>
-        <p:nvPr/>
-      </p:nvGrpSpPr>
-      <p:grpSpPr>
-        <a:xfrm>
-          <a:off x="0" y="0"/>
-          <a:ext cx="0" cy="0"/>
-          <a:chOff x="0" y="0"/>
-          <a:chExt cx="0" cy="0"/>
-        </a:xfrm>
-      </p:grpSpPr>
+      <p:sp>
+        <p:nvSpPr>
+          <p:cNvPr id="5" name="Rechthoek 4">
+            <a:extLst>
+              <a:ext uri="{FF2B5EF4-FFF2-40B4-BE49-F238E27FC236}">
+                <a16:creationId xmlns:a16="http://schemas.microsoft.com/office/drawing/2014/main" id="{60FFEBBC-0019-4D7C-A4BC-C1FAF5335765}"/>
+              </a:ext>
+            </a:extLst>
+          </p:cNvPr>
+          <p:cNvSpPr/>
+          <p:nvPr/>
+        </p:nvSpPr>
+        <p:spPr>
+          <a:xfrm>
+            <a:off x="0" y="0"/>
+            <a:ext cx="12192000" cy="873528"/>
+          </a:xfrm>
+          <a:prstGeom prst="rect">
+            <a:avLst/>
+          </a:prstGeom>
+          <a:solidFill>
+            <a:srgbClr val="002060"/>
+          </a:solidFill>
+        </p:spPr>
+        <p:style>
+          <a:lnRef idx="2">
+            <a:schemeClr val="accent1">
+              <a:shade val="50000"/>
+            </a:schemeClr>
+          </a:lnRef>
+          <a:fillRef idx="1">
+            <a:schemeClr val="accent1"/>
+          </a:fillRef>
+          <a:effectRef idx="0">
+            <a:schemeClr val="accent1"/>
+          </a:effectRef>
+          <a:fontRef idx="minor">
+            <a:schemeClr val="lt1"/>
+          </a:fontRef>
+        </p:style>
+        <p:txBody>
+          <a:bodyPr rtlCol="0" anchor="ctr"/>
+          <a:lstStyle/>
+          <a:p>
+            <a:pPr algn="ctr"/>
+            <a:endParaRPr lang="nl-NL">
+              <a:latin typeface="Tahoma" panose="020B0604030504040204" pitchFamily="34" charset="0"/>
+              <a:ea typeface="Tahoma" panose="020B0604030504040204" pitchFamily="34" charset="0"/>
+              <a:cs typeface="Tahoma" panose="020B0604030504040204" pitchFamily="34" charset="0"/>
+            </a:endParaRPr>
+          </a:p>
+        </p:txBody>
+      </p:sp>
+      <p:sp>
+        <p:nvSpPr>
+          <p:cNvPr id="21" name="Rechthoek 20">
+            <a:extLst>
+              <a:ext uri="{FF2B5EF4-FFF2-40B4-BE49-F238E27FC236}">
+                <a16:creationId xmlns:a16="http://schemas.microsoft.com/office/drawing/2014/main" id="{AD3BAA95-63C0-495D-AF32-67D0D31686B5}"/>
+              </a:ext>
+            </a:extLst>
+          </p:cNvPr>
+          <p:cNvSpPr/>
+          <p:nvPr/>
+        </p:nvSpPr>
+        <p:spPr>
+          <a:xfrm>
+            <a:off x="6164015" y="958551"/>
+            <a:ext cx="5875045" cy="5810250"/>
+          </a:xfrm>
+          <a:prstGeom prst="rect">
+            <a:avLst/>
+          </a:prstGeom>
+          <a:solidFill>
+            <a:schemeClr val="bg1"/>
+          </a:solidFill>
+        </p:spPr>
+        <p:style>
+          <a:lnRef idx="2">
+            <a:schemeClr val="accent1">
+              <a:shade val="50000"/>
+            </a:schemeClr>
+          </a:lnRef>
+          <a:fillRef idx="1">
+            <a:schemeClr val="accent1"/>
+          </a:fillRef>
+          <a:effectRef idx="0">
+            <a:schemeClr val="accent1"/>
+          </a:effectRef>
+          <a:fontRef idx="minor">
+            <a:schemeClr val="lt1"/>
+          </a:fontRef>
+        </p:style>
+        <p:txBody>
+          <a:bodyPr rtlCol="0" anchor="ctr"/>
+          <a:lstStyle/>
+          <a:p>
+            <a:pPr algn="ctr"/>
+            <a:endParaRPr lang="nl-NL">
+              <a:latin typeface="Tahoma" panose="020B0604030504040204" pitchFamily="34" charset="0"/>
+              <a:ea typeface="Tahoma" panose="020B0604030504040204" pitchFamily="34" charset="0"/>
+              <a:cs typeface="Tahoma" panose="020B0604030504040204" pitchFamily="34" charset="0"/>
+            </a:endParaRPr>
+          </a:p>
+        </p:txBody>
+      </p:sp>
+      <p:sp>
+        <p:nvSpPr>
+          <p:cNvPr id="4" name="Rechthoek 3">
+            <a:extLst>
+              <a:ext uri="{FF2B5EF4-FFF2-40B4-BE49-F238E27FC236}">
+                <a16:creationId xmlns:a16="http://schemas.microsoft.com/office/drawing/2014/main" id="{04CEA235-FB78-481A-8143-7162FE64A821}"/>
+              </a:ext>
+            </a:extLst>
+          </p:cNvPr>
+          <p:cNvSpPr/>
+          <p:nvPr/>
+        </p:nvSpPr>
+        <p:spPr>
+          <a:xfrm>
+            <a:off x="152941" y="958551"/>
+            <a:ext cx="5875045" cy="5810250"/>
+          </a:xfrm>
+          <a:prstGeom prst="rect">
+            <a:avLst/>
+          </a:prstGeom>
+          <a:solidFill>
+            <a:schemeClr val="bg1"/>
+          </a:solidFill>
+        </p:spPr>
+        <p:style>
+          <a:lnRef idx="2">
+            <a:schemeClr val="accent1">
+              <a:shade val="50000"/>
+            </a:schemeClr>
+          </a:lnRef>
+          <a:fillRef idx="1">
+            <a:schemeClr val="accent1"/>
+          </a:fillRef>
+          <a:effectRef idx="0">
+            <a:schemeClr val="accent1"/>
+          </a:effectRef>
+          <a:fontRef idx="minor">
+            <a:schemeClr val="lt1"/>
+          </a:fontRef>
+        </p:style>
+        <p:txBody>
+          <a:bodyPr rtlCol="0" anchor="ctr"/>
+          <a:lstStyle/>
+          <a:p>
+            <a:pPr algn="ctr"/>
+            <a:endParaRPr lang="nl-NL">
+              <a:latin typeface="Tahoma" panose="020B0604030504040204" pitchFamily="34" charset="0"/>
+              <a:ea typeface="Tahoma" panose="020B0604030504040204" pitchFamily="34" charset="0"/>
+              <a:cs typeface="Tahoma" panose="020B0604030504040204" pitchFamily="34" charset="0"/>
+            </a:endParaRPr>
+          </a:p>
+        </p:txBody>
+      </p:sp>
       <p:pic>
         <p:nvPicPr>
           <p:cNvPr id="17" name="Graphic 16">
@@ -3377,13 +3533,13 @@
               </a:ext>
             </a:extLst>
           </a:blip>
-          <a:srcRect l="9635" t="11000" r="8497" b="16436"/>
+          <a:srcRect l="9635" t="14701" r="8497" b="20263"/>
           <a:stretch/>
         </p:blipFill>
         <p:spPr>
           <a:xfrm>
-            <a:off x="195946" y="3308942"/>
-            <a:ext cx="5525664" cy="3549058"/>
+            <a:off x="341756" y="3484763"/>
+            <a:ext cx="5497414" cy="3164612"/>
           </a:xfrm>
           <a:prstGeom prst="rect">
             <a:avLst/>
@@ -3408,8 +3564,8 @@
         </p:nvSpPr>
         <p:spPr>
           <a:xfrm>
-            <a:off x="154162" y="-193675"/>
-            <a:ext cx="10515600" cy="1325563"/>
+            <a:off x="272334" y="-326025"/>
+            <a:ext cx="11590995" cy="1325563"/>
           </a:xfrm>
         </p:spPr>
         <p:txBody>
@@ -3418,35 +3574,92 @@
           </a:bodyPr>
           <a:lstStyle/>
           <a:p>
-            <a:r>
-              <a:rPr lang="nl-NL" sz="3200" dirty="0" err="1"/>
+            <a:pPr algn="ctr"/>
+            <a:r>
+              <a:rPr lang="nl-NL" sz="3200" dirty="0" err="1">
+                <a:solidFill>
+                  <a:schemeClr val="bg1"/>
+                </a:solidFill>
+                <a:latin typeface="Tahoma" panose="020B0604030504040204" pitchFamily="34" charset="0"/>
+                <a:ea typeface="Tahoma" panose="020B0604030504040204" pitchFamily="34" charset="0"/>
+                <a:cs typeface="Tahoma" panose="020B0604030504040204" pitchFamily="34" charset="0"/>
+              </a:rPr>
               <a:t>Asynchronous</a:t>
             </a:r>
             <a:r>
-              <a:rPr lang="nl-NL" sz="3200" dirty="0"/>
+              <a:rPr lang="nl-NL" sz="3200" dirty="0">
+                <a:solidFill>
+                  <a:schemeClr val="bg1"/>
+                </a:solidFill>
+                <a:latin typeface="Tahoma" panose="020B0604030504040204" pitchFamily="34" charset="0"/>
+                <a:ea typeface="Tahoma" panose="020B0604030504040204" pitchFamily="34" charset="0"/>
+                <a:cs typeface="Tahoma" panose="020B0604030504040204" pitchFamily="34" charset="0"/>
+              </a:rPr>
               <a:t> advantage actor-</a:t>
             </a:r>
             <a:r>
-              <a:rPr lang="nl-NL" sz="3200" dirty="0" err="1"/>
+              <a:rPr lang="nl-NL" sz="3200" dirty="0" err="1">
+                <a:solidFill>
+                  <a:schemeClr val="bg1"/>
+                </a:solidFill>
+                <a:latin typeface="Tahoma" panose="020B0604030504040204" pitchFamily="34" charset="0"/>
+                <a:ea typeface="Tahoma" panose="020B0604030504040204" pitchFamily="34" charset="0"/>
+                <a:cs typeface="Tahoma" panose="020B0604030504040204" pitchFamily="34" charset="0"/>
+              </a:rPr>
               <a:t>critic</a:t>
             </a:r>
             <a:r>
-              <a:rPr lang="nl-NL" sz="3200" dirty="0"/>
+              <a:rPr lang="nl-NL" sz="3200" dirty="0">
+                <a:solidFill>
+                  <a:schemeClr val="bg1"/>
+                </a:solidFill>
+                <a:latin typeface="Tahoma" panose="020B0604030504040204" pitchFamily="34" charset="0"/>
+                <a:ea typeface="Tahoma" panose="020B0604030504040204" pitchFamily="34" charset="0"/>
+                <a:cs typeface="Tahoma" panose="020B0604030504040204" pitchFamily="34" charset="0"/>
+              </a:rPr>
               <a:t> </a:t>
             </a:r>
             <a:r>
-              <a:rPr lang="nl-NL" sz="3200" dirty="0" err="1"/>
+              <a:rPr lang="nl-NL" sz="3200" dirty="0" err="1">
+                <a:solidFill>
+                  <a:schemeClr val="bg1"/>
+                </a:solidFill>
+                <a:latin typeface="Tahoma" panose="020B0604030504040204" pitchFamily="34" charset="0"/>
+                <a:ea typeface="Tahoma" panose="020B0604030504040204" pitchFamily="34" charset="0"/>
+                <a:cs typeface="Tahoma" panose="020B0604030504040204" pitchFamily="34" charset="0"/>
+              </a:rPr>
               <a:t>methods</a:t>
             </a:r>
             <a:r>
-              <a:rPr lang="nl-NL" sz="3200" dirty="0"/>
+              <a:rPr lang="nl-NL" sz="3200" dirty="0">
+                <a:solidFill>
+                  <a:schemeClr val="bg1"/>
+                </a:solidFill>
+                <a:latin typeface="Tahoma" panose="020B0604030504040204" pitchFamily="34" charset="0"/>
+                <a:ea typeface="Tahoma" panose="020B0604030504040204" pitchFamily="34" charset="0"/>
+                <a:cs typeface="Tahoma" panose="020B0604030504040204" pitchFamily="34" charset="0"/>
+              </a:rPr>
               <a:t> on </a:t>
             </a:r>
             <a:r>
-              <a:rPr lang="nl-NL" sz="3200" dirty="0" err="1"/>
+              <a:rPr lang="nl-NL" sz="3200" dirty="0" err="1">
+                <a:solidFill>
+                  <a:schemeClr val="bg1"/>
+                </a:solidFill>
+                <a:latin typeface="Tahoma" panose="020B0604030504040204" pitchFamily="34" charset="0"/>
+                <a:ea typeface="Tahoma" panose="020B0604030504040204" pitchFamily="34" charset="0"/>
+                <a:cs typeface="Tahoma" panose="020B0604030504040204" pitchFamily="34" charset="0"/>
+              </a:rPr>
               <a:t>ViZDoom</a:t>
             </a:r>
-            <a:endParaRPr lang="nl-NL" sz="3200" dirty="0"/>
+            <a:endParaRPr lang="nl-NL" sz="3200" dirty="0">
+              <a:solidFill>
+                <a:schemeClr val="bg1"/>
+              </a:solidFill>
+              <a:latin typeface="Tahoma" panose="020B0604030504040204" pitchFamily="34" charset="0"/>
+              <a:ea typeface="Tahoma" panose="020B0604030504040204" pitchFamily="34" charset="0"/>
+              <a:cs typeface="Tahoma" panose="020B0604030504040204" pitchFamily="34" charset="0"/>
+            </a:endParaRPr>
           </a:p>
         </p:txBody>
       </p:sp>
@@ -3481,7 +3694,7 @@
         </p:blipFill>
         <p:spPr>
           <a:xfrm>
-            <a:off x="6551416" y="3878666"/>
+            <a:off x="6476457" y="3326615"/>
             <a:ext cx="2480824" cy="1692123"/>
           </a:xfrm>
           <a:prstGeom prst="rect">
@@ -3520,7 +3733,7 @@
         </p:blipFill>
         <p:spPr>
           <a:xfrm>
-            <a:off x="9444878" y="3871288"/>
+            <a:off x="9154801" y="3326615"/>
             <a:ext cx="2499944" cy="1692122"/>
           </a:xfrm>
           <a:prstGeom prst="rect">
@@ -3559,7 +3772,7 @@
         </p:blipFill>
         <p:spPr>
           <a:xfrm>
-            <a:off x="9483118" y="1289810"/>
+            <a:off x="9202601" y="1310163"/>
             <a:ext cx="2461704" cy="1696903"/>
           </a:xfrm>
           <a:prstGeom prst="rect">
@@ -3598,7 +3811,7 @@
         </p:blipFill>
         <p:spPr>
           <a:xfrm>
-            <a:off x="6532296" y="1294591"/>
+            <a:off x="6476457" y="1314944"/>
             <a:ext cx="2499944" cy="1692122"/>
           </a:xfrm>
           <a:prstGeom prst="rect">
@@ -3620,8 +3833,8 @@
         </p:nvSpPr>
         <p:spPr>
           <a:xfrm>
-            <a:off x="332707" y="969840"/>
-            <a:ext cx="4978400" cy="2339102"/>
+            <a:off x="376613" y="1066329"/>
+            <a:ext cx="5282610" cy="2739211"/>
           </a:xfrm>
           <a:prstGeom prst="rect">
             <a:avLst/>
@@ -3635,176 +3848,471 @@
           <a:lstStyle/>
           <a:p>
             <a:r>
-              <a:rPr lang="nl-NL" sz="1600" dirty="0" err="1"/>
-              <a:t>Task</a:t>
-            </a:r>
-            <a:r>
-              <a:rPr lang="nl-NL" sz="1600" dirty="0"/>
+              <a:rPr lang="nl-NL" sz="1400" dirty="0" err="1">
+                <a:latin typeface="Tahoma" panose="020B0604030504040204" pitchFamily="34" charset="0"/>
+                <a:ea typeface="Tahoma" panose="020B0604030504040204" pitchFamily="34" charset="0"/>
+                <a:cs typeface="Tahoma" panose="020B0604030504040204" pitchFamily="34" charset="0"/>
+              </a:rPr>
+              <a:t>Reinforcement</a:t>
+            </a:r>
+            <a:r>
+              <a:rPr lang="nl-NL" sz="1400" dirty="0">
+                <a:latin typeface="Tahoma" panose="020B0604030504040204" pitchFamily="34" charset="0"/>
+                <a:ea typeface="Tahoma" panose="020B0604030504040204" pitchFamily="34" charset="0"/>
+                <a:cs typeface="Tahoma" panose="020B0604030504040204" pitchFamily="34" charset="0"/>
+              </a:rPr>
+              <a:t> </a:t>
+            </a:r>
+            <a:r>
+              <a:rPr lang="nl-NL" sz="1400" dirty="0" err="1">
+                <a:latin typeface="Tahoma" panose="020B0604030504040204" pitchFamily="34" charset="0"/>
+                <a:ea typeface="Tahoma" panose="020B0604030504040204" pitchFamily="34" charset="0"/>
+                <a:cs typeface="Tahoma" panose="020B0604030504040204" pitchFamily="34" charset="0"/>
+              </a:rPr>
+              <a:t>learning</a:t>
+            </a:r>
+            <a:r>
+              <a:rPr lang="nl-NL" sz="1400" dirty="0">
+                <a:latin typeface="Tahoma" panose="020B0604030504040204" pitchFamily="34" charset="0"/>
+                <a:ea typeface="Tahoma" panose="020B0604030504040204" pitchFamily="34" charset="0"/>
+                <a:cs typeface="Tahoma" panose="020B0604030504040204" pitchFamily="34" charset="0"/>
+              </a:rPr>
+              <a:t> </a:t>
+            </a:r>
+            <a:r>
+              <a:rPr lang="nl-NL" sz="1400" dirty="0" err="1">
+                <a:latin typeface="Tahoma" panose="020B0604030504040204" pitchFamily="34" charset="0"/>
+                <a:ea typeface="Tahoma" panose="020B0604030504040204" pitchFamily="34" charset="0"/>
+                <a:cs typeface="Tahoma" panose="020B0604030504040204" pitchFamily="34" charset="0"/>
+              </a:rPr>
+              <a:t>algorithms</a:t>
+            </a:r>
+            <a:r>
+              <a:rPr lang="nl-NL" sz="1400" dirty="0">
+                <a:latin typeface="Tahoma" panose="020B0604030504040204" pitchFamily="34" charset="0"/>
+                <a:ea typeface="Tahoma" panose="020B0604030504040204" pitchFamily="34" charset="0"/>
+                <a:cs typeface="Tahoma" panose="020B0604030504040204" pitchFamily="34" charset="0"/>
+              </a:rPr>
+              <a:t> </a:t>
+            </a:r>
+            <a:r>
+              <a:rPr lang="nl-NL" sz="1400" dirty="0" err="1">
+                <a:latin typeface="Tahoma" panose="020B0604030504040204" pitchFamily="34" charset="0"/>
+                <a:ea typeface="Tahoma" panose="020B0604030504040204" pitchFamily="34" charset="0"/>
+                <a:cs typeface="Tahoma" panose="020B0604030504040204" pitchFamily="34" charset="0"/>
+              </a:rPr>
+              <a:t>learn</a:t>
+            </a:r>
+            <a:r>
+              <a:rPr lang="nl-NL" sz="1400" dirty="0">
+                <a:latin typeface="Tahoma" panose="020B0604030504040204" pitchFamily="34" charset="0"/>
+                <a:ea typeface="Tahoma" panose="020B0604030504040204" pitchFamily="34" charset="0"/>
+                <a:cs typeface="Tahoma" panose="020B0604030504040204" pitchFamily="34" charset="0"/>
+              </a:rPr>
+              <a:t> </a:t>
+            </a:r>
+            <a:r>
+              <a:rPr lang="nl-NL" sz="1400" dirty="0" err="1">
+                <a:latin typeface="Tahoma" panose="020B0604030504040204" pitchFamily="34" charset="0"/>
+                <a:ea typeface="Tahoma" panose="020B0604030504040204" pitchFamily="34" charset="0"/>
+                <a:cs typeface="Tahoma" panose="020B0604030504040204" pitchFamily="34" charset="0"/>
+              </a:rPr>
+              <a:t>behavior</a:t>
+            </a:r>
+            <a:r>
+              <a:rPr lang="nl-NL" sz="1400" dirty="0">
+                <a:latin typeface="Tahoma" panose="020B0604030504040204" pitchFamily="34" charset="0"/>
+                <a:ea typeface="Tahoma" panose="020B0604030504040204" pitchFamily="34" charset="0"/>
+                <a:cs typeface="Tahoma" panose="020B0604030504040204" pitchFamily="34" charset="0"/>
+              </a:rPr>
+              <a:t> in </a:t>
+            </a:r>
+            <a:r>
+              <a:rPr lang="nl-NL" sz="1400" dirty="0" err="1">
+                <a:latin typeface="Tahoma" panose="020B0604030504040204" pitchFamily="34" charset="0"/>
+                <a:ea typeface="Tahoma" panose="020B0604030504040204" pitchFamily="34" charset="0"/>
+                <a:cs typeface="Tahoma" panose="020B0604030504040204" pitchFamily="34" charset="0"/>
+              </a:rPr>
+              <a:t>various</a:t>
+            </a:r>
+            <a:r>
+              <a:rPr lang="nl-NL" sz="1400" dirty="0">
+                <a:latin typeface="Tahoma" panose="020B0604030504040204" pitchFamily="34" charset="0"/>
+                <a:ea typeface="Tahoma" panose="020B0604030504040204" pitchFamily="34" charset="0"/>
+                <a:cs typeface="Tahoma" panose="020B0604030504040204" pitchFamily="34" charset="0"/>
+              </a:rPr>
+              <a:t> </a:t>
+            </a:r>
+            <a:r>
+              <a:rPr lang="nl-NL" sz="1400" dirty="0" err="1">
+                <a:latin typeface="Tahoma" panose="020B0604030504040204" pitchFamily="34" charset="0"/>
+                <a:ea typeface="Tahoma" panose="020B0604030504040204" pitchFamily="34" charset="0"/>
+                <a:cs typeface="Tahoma" panose="020B0604030504040204" pitchFamily="34" charset="0"/>
+              </a:rPr>
+              <a:t>enviroments</a:t>
+            </a:r>
+            <a:r>
+              <a:rPr lang="nl-NL" sz="1400" dirty="0">
+                <a:latin typeface="Tahoma" panose="020B0604030504040204" pitchFamily="34" charset="0"/>
+                <a:ea typeface="Tahoma" panose="020B0604030504040204" pitchFamily="34" charset="0"/>
+                <a:cs typeface="Tahoma" panose="020B0604030504040204" pitchFamily="34" charset="0"/>
+              </a:rPr>
+              <a:t> </a:t>
+            </a:r>
+            <a:r>
+              <a:rPr lang="nl-NL" sz="1400" dirty="0" err="1">
+                <a:latin typeface="Tahoma" panose="020B0604030504040204" pitchFamily="34" charset="0"/>
+                <a:ea typeface="Tahoma" panose="020B0604030504040204" pitchFamily="34" charset="0"/>
+                <a:cs typeface="Tahoma" panose="020B0604030504040204" pitchFamily="34" charset="0"/>
+              </a:rPr>
+              <a:t>based</a:t>
+            </a:r>
+            <a:r>
+              <a:rPr lang="nl-NL" sz="1400" dirty="0">
+                <a:latin typeface="Tahoma" panose="020B0604030504040204" pitchFamily="34" charset="0"/>
+                <a:ea typeface="Tahoma" panose="020B0604030504040204" pitchFamily="34" charset="0"/>
+                <a:cs typeface="Tahoma" panose="020B0604030504040204" pitchFamily="34" charset="0"/>
+              </a:rPr>
+              <a:t> on </a:t>
+            </a:r>
+            <a:r>
+              <a:rPr lang="nl-NL" sz="1400" dirty="0" err="1">
+                <a:latin typeface="Tahoma" panose="020B0604030504040204" pitchFamily="34" charset="0"/>
+                <a:ea typeface="Tahoma" panose="020B0604030504040204" pitchFamily="34" charset="0"/>
+                <a:cs typeface="Tahoma" panose="020B0604030504040204" pitchFamily="34" charset="0"/>
+              </a:rPr>
+              <a:t>rewards</a:t>
+            </a:r>
+            <a:r>
+              <a:rPr lang="nl-NL" sz="1400" dirty="0">
+                <a:latin typeface="Tahoma" panose="020B0604030504040204" pitchFamily="34" charset="0"/>
+                <a:ea typeface="Tahoma" panose="020B0604030504040204" pitchFamily="34" charset="0"/>
+                <a:cs typeface="Tahoma" panose="020B0604030504040204" pitchFamily="34" charset="0"/>
+              </a:rPr>
+              <a:t> </a:t>
+            </a:r>
+            <a:r>
+              <a:rPr lang="nl-NL" sz="1400" dirty="0" err="1">
+                <a:latin typeface="Tahoma" panose="020B0604030504040204" pitchFamily="34" charset="0"/>
+                <a:ea typeface="Tahoma" panose="020B0604030504040204" pitchFamily="34" charset="0"/>
+                <a:cs typeface="Tahoma" panose="020B0604030504040204" pitchFamily="34" charset="0"/>
+              </a:rPr>
+              <a:t>for</a:t>
+            </a:r>
+            <a:r>
+              <a:rPr lang="nl-NL" sz="1400" dirty="0">
+                <a:latin typeface="Tahoma" panose="020B0604030504040204" pitchFamily="34" charset="0"/>
+                <a:ea typeface="Tahoma" panose="020B0604030504040204" pitchFamily="34" charset="0"/>
+                <a:cs typeface="Tahoma" panose="020B0604030504040204" pitchFamily="34" charset="0"/>
+              </a:rPr>
+              <a:t> actions.</a:t>
+            </a:r>
+          </a:p>
+          <a:p>
+            <a:endParaRPr lang="nl-NL" sz="1400" dirty="0">
+              <a:latin typeface="Tahoma" panose="020B0604030504040204" pitchFamily="34" charset="0"/>
+              <a:ea typeface="Tahoma" panose="020B0604030504040204" pitchFamily="34" charset="0"/>
+              <a:cs typeface="Tahoma" panose="020B0604030504040204" pitchFamily="34" charset="0"/>
+            </a:endParaRPr>
+          </a:p>
+          <a:p>
+            <a:r>
+              <a:rPr lang="nl-NL" sz="1400" dirty="0" err="1">
+                <a:latin typeface="Tahoma" panose="020B0604030504040204" pitchFamily="34" charset="0"/>
+                <a:ea typeface="Tahoma" panose="020B0604030504040204" pitchFamily="34" charset="0"/>
+                <a:cs typeface="Tahoma" panose="020B0604030504040204" pitchFamily="34" charset="0"/>
+              </a:rPr>
+              <a:t>ViZDoom</a:t>
+            </a:r>
+            <a:r>
+              <a:rPr lang="nl-NL" sz="1400" dirty="0">
+                <a:latin typeface="Tahoma" panose="020B0604030504040204" pitchFamily="34" charset="0"/>
+                <a:ea typeface="Tahoma" panose="020B0604030504040204" pitchFamily="34" charset="0"/>
+                <a:cs typeface="Tahoma" panose="020B0604030504040204" pitchFamily="34" charset="0"/>
+              </a:rPr>
               <a:t>: </a:t>
             </a:r>
-          </a:p>
-          <a:p>
-            <a:r>
-              <a:rPr lang="nl-NL" sz="1600" dirty="0" err="1"/>
-              <a:t>Learn</a:t>
-            </a:r>
-            <a:r>
-              <a:rPr lang="nl-NL" sz="1600" dirty="0"/>
+            <a:r>
+              <a:rPr lang="nl-NL" sz="1400" dirty="0" err="1">
+                <a:latin typeface="Tahoma" panose="020B0604030504040204" pitchFamily="34" charset="0"/>
+                <a:ea typeface="Tahoma" panose="020B0604030504040204" pitchFamily="34" charset="0"/>
+                <a:cs typeface="Tahoma" panose="020B0604030504040204" pitchFamily="34" charset="0"/>
+              </a:rPr>
+              <a:t>Partially</a:t>
+            </a:r>
+            <a:r>
+              <a:rPr lang="nl-NL" sz="1400" dirty="0">
+                <a:latin typeface="Tahoma" panose="020B0604030504040204" pitchFamily="34" charset="0"/>
+                <a:ea typeface="Tahoma" panose="020B0604030504040204" pitchFamily="34" charset="0"/>
+                <a:cs typeface="Tahoma" panose="020B0604030504040204" pitchFamily="34" charset="0"/>
+              </a:rPr>
               <a:t> </a:t>
             </a:r>
             <a:r>
-              <a:rPr lang="nl-NL" sz="1600" dirty="0" err="1"/>
-              <a:t>behavior</a:t>
-            </a:r>
-            <a:r>
-              <a:rPr lang="nl-NL" sz="1600" dirty="0"/>
+              <a:rPr lang="nl-NL" sz="1400" dirty="0" err="1">
+                <a:latin typeface="Tahoma" panose="020B0604030504040204" pitchFamily="34" charset="0"/>
+                <a:ea typeface="Tahoma" panose="020B0604030504040204" pitchFamily="34" charset="0"/>
+                <a:cs typeface="Tahoma" panose="020B0604030504040204" pitchFamily="34" charset="0"/>
+              </a:rPr>
+              <a:t>observable</a:t>
+            </a:r>
+            <a:r>
+              <a:rPr lang="nl-NL" sz="1400" dirty="0">
+                <a:latin typeface="Tahoma" panose="020B0604030504040204" pitchFamily="34" charset="0"/>
+                <a:ea typeface="Tahoma" panose="020B0604030504040204" pitchFamily="34" charset="0"/>
+                <a:cs typeface="Tahoma" panose="020B0604030504040204" pitchFamily="34" charset="0"/>
+              </a:rPr>
+              <a:t> environment </a:t>
+            </a:r>
+            <a:r>
+              <a:rPr lang="nl-NL" sz="1400" dirty="0" err="1">
+                <a:latin typeface="Tahoma" panose="020B0604030504040204" pitchFamily="34" charset="0"/>
+                <a:ea typeface="Tahoma" panose="020B0604030504040204" pitchFamily="34" charset="0"/>
+                <a:cs typeface="Tahoma" panose="020B0604030504040204" pitchFamily="34" charset="0"/>
+              </a:rPr>
+              <a:t>with</a:t>
+            </a:r>
+            <a:r>
+              <a:rPr lang="nl-NL" sz="1400" dirty="0">
+                <a:latin typeface="Tahoma" panose="020B0604030504040204" pitchFamily="34" charset="0"/>
+                <a:ea typeface="Tahoma" panose="020B0604030504040204" pitchFamily="34" charset="0"/>
+                <a:cs typeface="Tahoma" panose="020B0604030504040204" pitchFamily="34" charset="0"/>
+              </a:rPr>
               <a:t> </a:t>
             </a:r>
             <a:r>
-              <a:rPr lang="nl-NL" sz="1600" dirty="0" err="1"/>
-              <a:t>to</a:t>
-            </a:r>
-            <a:r>
-              <a:rPr lang="nl-NL" sz="1600" dirty="0"/>
+              <a:rPr lang="nl-NL" sz="1400" dirty="0" err="1">
+                <a:latin typeface="Tahoma" panose="020B0604030504040204" pitchFamily="34" charset="0"/>
+                <a:ea typeface="Tahoma" panose="020B0604030504040204" pitchFamily="34" charset="0"/>
+                <a:cs typeface="Tahoma" panose="020B0604030504040204" pitchFamily="34" charset="0"/>
+              </a:rPr>
+              <a:t>sparse</a:t>
+            </a:r>
+            <a:r>
+              <a:rPr lang="nl-NL" sz="1400" dirty="0">
+                <a:latin typeface="Tahoma" panose="020B0604030504040204" pitchFamily="34" charset="0"/>
+                <a:ea typeface="Tahoma" panose="020B0604030504040204" pitchFamily="34" charset="0"/>
+                <a:cs typeface="Tahoma" panose="020B0604030504040204" pitchFamily="34" charset="0"/>
+              </a:rPr>
+              <a:t> or </a:t>
+            </a:r>
+            <a:r>
+              <a:rPr lang="nl-NL" sz="1400" dirty="0" err="1">
+                <a:latin typeface="Tahoma" panose="020B0604030504040204" pitchFamily="34" charset="0"/>
+                <a:ea typeface="Tahoma" panose="020B0604030504040204" pitchFamily="34" charset="0"/>
+                <a:cs typeface="Tahoma" panose="020B0604030504040204" pitchFamily="34" charset="0"/>
+              </a:rPr>
+              <a:t>delayed</a:t>
+            </a:r>
+            <a:r>
+              <a:rPr lang="nl-NL" sz="1400" dirty="0">
+                <a:latin typeface="Tahoma" panose="020B0604030504040204" pitchFamily="34" charset="0"/>
+                <a:ea typeface="Tahoma" panose="020B0604030504040204" pitchFamily="34" charset="0"/>
+                <a:cs typeface="Tahoma" panose="020B0604030504040204" pitchFamily="34" charset="0"/>
+              </a:rPr>
               <a:t> </a:t>
             </a:r>
             <a:r>
-              <a:rPr lang="nl-NL" sz="1600" dirty="0" err="1"/>
-              <a:t>maximize</a:t>
-            </a:r>
-            <a:r>
-              <a:rPr lang="nl-NL" sz="1600" dirty="0"/>
-              <a:t> a </a:t>
-            </a:r>
-            <a:r>
-              <a:rPr lang="nl-NL" sz="1600" dirty="0" err="1"/>
-              <a:t>given</a:t>
-            </a:r>
-            <a:r>
-              <a:rPr lang="nl-NL" sz="1600" dirty="0"/>
+              <a:rPr lang="nl-NL" sz="1400" dirty="0" err="1">
+                <a:latin typeface="Tahoma" panose="020B0604030504040204" pitchFamily="34" charset="0"/>
+                <a:ea typeface="Tahoma" panose="020B0604030504040204" pitchFamily="34" charset="0"/>
+                <a:cs typeface="Tahoma" panose="020B0604030504040204" pitchFamily="34" charset="0"/>
+              </a:rPr>
+              <a:t>rewards</a:t>
+            </a:r>
+            <a:r>
+              <a:rPr lang="nl-NL" sz="1400" dirty="0">
+                <a:latin typeface="Tahoma" panose="020B0604030504040204" pitchFamily="34" charset="0"/>
+                <a:ea typeface="Tahoma" panose="020B0604030504040204" pitchFamily="34" charset="0"/>
+                <a:cs typeface="Tahoma" panose="020B0604030504040204" pitchFamily="34" charset="0"/>
+              </a:rPr>
               <a:t> </a:t>
             </a:r>
-            <a:r>
-              <a:rPr lang="nl-NL" sz="1600" dirty="0" err="1"/>
-              <a:t>reward</a:t>
-            </a:r>
-            <a:r>
-              <a:rPr lang="nl-NL" sz="1600" dirty="0"/>
-              <a:t> in </a:t>
-            </a:r>
-            <a:r>
-              <a:rPr lang="nl-NL" sz="1600" dirty="0" err="1"/>
-              <a:t>various</a:t>
-            </a:r>
-            <a:r>
-              <a:rPr lang="nl-NL" sz="1600" dirty="0"/>
+          </a:p>
+          <a:p>
+            <a:endParaRPr lang="nl-NL" sz="1400" dirty="0">
+              <a:latin typeface="Tahoma" panose="020B0604030504040204" pitchFamily="34" charset="0"/>
+              <a:ea typeface="Tahoma" panose="020B0604030504040204" pitchFamily="34" charset="0"/>
+              <a:cs typeface="Tahoma" panose="020B0604030504040204" pitchFamily="34" charset="0"/>
+            </a:endParaRPr>
+          </a:p>
+          <a:p>
+            <a:r>
+              <a:rPr lang="nl-NL" sz="1400" dirty="0" err="1">
+                <a:latin typeface="Tahoma" panose="020B0604030504040204" pitchFamily="34" charset="0"/>
+                <a:ea typeface="Tahoma" panose="020B0604030504040204" pitchFamily="34" charset="0"/>
+                <a:cs typeface="Tahoma" panose="020B0604030504040204" pitchFamily="34" charset="0"/>
+              </a:rPr>
+              <a:t>Other</a:t>
+            </a:r>
+            <a:r>
+              <a:rPr lang="nl-NL" sz="1400" dirty="0">
+                <a:latin typeface="Tahoma" panose="020B0604030504040204" pitchFamily="34" charset="0"/>
+                <a:ea typeface="Tahoma" panose="020B0604030504040204" pitchFamily="34" charset="0"/>
+                <a:cs typeface="Tahoma" panose="020B0604030504040204" pitchFamily="34" charset="0"/>
+              </a:rPr>
               <a:t> </a:t>
             </a:r>
             <a:r>
-              <a:rPr lang="nl-NL" sz="1600" dirty="0" err="1"/>
-              <a:t>enviroments</a:t>
-            </a:r>
-            <a:endParaRPr lang="nl-NL" sz="1600" dirty="0"/>
-          </a:p>
-          <a:p>
-            <a:endParaRPr lang="nl-NL" sz="1600" dirty="0"/>
-          </a:p>
-          <a:p>
-            <a:endParaRPr lang="nl-NL" sz="1600" dirty="0"/>
-          </a:p>
-          <a:p>
-            <a:r>
-              <a:rPr lang="nl-NL" sz="1600" dirty="0" err="1"/>
-              <a:t>Challenges</a:t>
-            </a:r>
-            <a:r>
-              <a:rPr lang="nl-NL" sz="1600" dirty="0"/>
-              <a:t>: </a:t>
-            </a:r>
+              <a:rPr lang="nl-NL" sz="1400" dirty="0" err="1">
+                <a:latin typeface="Tahoma" panose="020B0604030504040204" pitchFamily="34" charset="0"/>
+                <a:ea typeface="Tahoma" panose="020B0604030504040204" pitchFamily="34" charset="0"/>
+                <a:cs typeface="Tahoma" panose="020B0604030504040204" pitchFamily="34" charset="0"/>
+              </a:rPr>
+              <a:t>implementations</a:t>
+            </a:r>
+            <a:r>
+              <a:rPr lang="nl-NL" sz="1400" dirty="0">
+                <a:latin typeface="Tahoma" panose="020B0604030504040204" pitchFamily="34" charset="0"/>
+                <a:ea typeface="Tahoma" panose="020B0604030504040204" pitchFamily="34" charset="0"/>
+                <a:cs typeface="Tahoma" panose="020B0604030504040204" pitchFamily="34" charset="0"/>
+              </a:rPr>
+              <a:t> </a:t>
+            </a:r>
+            <a:r>
+              <a:rPr lang="nl-NL" sz="1400" dirty="0" err="1">
+                <a:latin typeface="Tahoma" panose="020B0604030504040204" pitchFamily="34" charset="0"/>
+                <a:ea typeface="Tahoma" panose="020B0604030504040204" pitchFamily="34" charset="0"/>
+                <a:cs typeface="Tahoma" panose="020B0604030504040204" pitchFamily="34" charset="0"/>
+              </a:rPr>
+              <a:t>based</a:t>
+            </a:r>
+            <a:r>
+              <a:rPr lang="nl-NL" sz="1400" dirty="0">
+                <a:latin typeface="Tahoma" panose="020B0604030504040204" pitchFamily="34" charset="0"/>
+                <a:ea typeface="Tahoma" panose="020B0604030504040204" pitchFamily="34" charset="0"/>
+                <a:cs typeface="Tahoma" panose="020B0604030504040204" pitchFamily="34" charset="0"/>
+              </a:rPr>
+              <a:t> on </a:t>
+            </a:r>
+            <a:r>
+              <a:rPr lang="nl-NL" sz="1400" dirty="0" err="1">
+                <a:latin typeface="Tahoma" panose="020B0604030504040204" pitchFamily="34" charset="0"/>
+                <a:ea typeface="Tahoma" panose="020B0604030504040204" pitchFamily="34" charset="0"/>
+                <a:cs typeface="Tahoma" panose="020B0604030504040204" pitchFamily="34" charset="0"/>
+              </a:rPr>
+              <a:t>experience</a:t>
+            </a:r>
+            <a:r>
+              <a:rPr lang="nl-NL" sz="1400" dirty="0">
+                <a:latin typeface="Tahoma" panose="020B0604030504040204" pitchFamily="34" charset="0"/>
+                <a:ea typeface="Tahoma" panose="020B0604030504040204" pitchFamily="34" charset="0"/>
+                <a:cs typeface="Tahoma" panose="020B0604030504040204" pitchFamily="34" charset="0"/>
+              </a:rPr>
+              <a:t> replay</a:t>
+            </a:r>
+          </a:p>
+          <a:p>
+            <a:pPr marL="285750" indent="-285750">
+              <a:buFont typeface="Arial" panose="020B0604020202020204" pitchFamily="34" charset="0"/>
+              <a:buChar char="•"/>
+            </a:pPr>
+            <a:r>
+              <a:rPr lang="nl-NL" sz="1400" dirty="0" err="1">
+                <a:latin typeface="Tahoma" panose="020B0604030504040204" pitchFamily="34" charset="0"/>
+                <a:ea typeface="Tahoma" panose="020B0604030504040204" pitchFamily="34" charset="0"/>
+                <a:cs typeface="Tahoma" panose="020B0604030504040204" pitchFamily="34" charset="0"/>
+              </a:rPr>
+              <a:t>Computationally</a:t>
+            </a:r>
+            <a:r>
+              <a:rPr lang="nl-NL" sz="1400" dirty="0">
+                <a:latin typeface="Tahoma" panose="020B0604030504040204" pitchFamily="34" charset="0"/>
+                <a:ea typeface="Tahoma" panose="020B0604030504040204" pitchFamily="34" charset="0"/>
+                <a:cs typeface="Tahoma" panose="020B0604030504040204" pitchFamily="34" charset="0"/>
+              </a:rPr>
+              <a:t> heavy </a:t>
+            </a:r>
+            <a:r>
+              <a:rPr lang="nl-NL" sz="1400" dirty="0" err="1">
+                <a:latin typeface="Tahoma" panose="020B0604030504040204" pitchFamily="34" charset="0"/>
+                <a:ea typeface="Tahoma" panose="020B0604030504040204" pitchFamily="34" charset="0"/>
+                <a:cs typeface="Tahoma" panose="020B0604030504040204" pitchFamily="34" charset="0"/>
+              </a:rPr>
+              <a:t>and</a:t>
+            </a:r>
+            <a:r>
+              <a:rPr lang="nl-NL" sz="1400" dirty="0">
+                <a:latin typeface="Tahoma" panose="020B0604030504040204" pitchFamily="34" charset="0"/>
+                <a:ea typeface="Tahoma" panose="020B0604030504040204" pitchFamily="34" charset="0"/>
+                <a:cs typeface="Tahoma" panose="020B0604030504040204" pitchFamily="34" charset="0"/>
+              </a:rPr>
+              <a:t> </a:t>
+            </a:r>
+            <a:r>
+              <a:rPr lang="nl-NL" sz="1400" dirty="0" err="1">
+                <a:latin typeface="Tahoma" panose="020B0604030504040204" pitchFamily="34" charset="0"/>
+                <a:ea typeface="Tahoma" panose="020B0604030504040204" pitchFamily="34" charset="0"/>
+                <a:cs typeface="Tahoma" panose="020B0604030504040204" pitchFamily="34" charset="0"/>
+              </a:rPr>
+              <a:t>unstable</a:t>
+            </a:r>
+            <a:endParaRPr lang="nl-NL" sz="1400" dirty="0">
+              <a:latin typeface="Tahoma" panose="020B0604030504040204" pitchFamily="34" charset="0"/>
+              <a:ea typeface="Tahoma" panose="020B0604030504040204" pitchFamily="34" charset="0"/>
+              <a:cs typeface="Tahoma" panose="020B0604030504040204" pitchFamily="34" charset="0"/>
+            </a:endParaRPr>
+          </a:p>
+          <a:p>
             <a:br>
-              <a:rPr lang="nl-NL" sz="1600" dirty="0"/>
+              <a:rPr lang="nl-NL" sz="1400" dirty="0">
+                <a:latin typeface="Tahoma" panose="020B0604030504040204" pitchFamily="34" charset="0"/>
+                <a:ea typeface="Tahoma" panose="020B0604030504040204" pitchFamily="34" charset="0"/>
+                <a:cs typeface="Tahoma" panose="020B0604030504040204" pitchFamily="34" charset="0"/>
+              </a:rPr>
             </a:br>
             <a:r>
-              <a:rPr lang="nl-NL" sz="1600" dirty="0" err="1"/>
-              <a:t>Partially</a:t>
-            </a:r>
-            <a:r>
-              <a:rPr lang="nl-NL" sz="1600" dirty="0"/>
-              <a:t> </a:t>
-            </a:r>
-            <a:r>
-              <a:rPr lang="nl-NL" sz="1600" dirty="0" err="1"/>
-              <a:t>observable</a:t>
-            </a:r>
-            <a:r>
-              <a:rPr lang="nl-NL" sz="1600" dirty="0"/>
-              <a:t> </a:t>
-            </a:r>
-            <a:r>
-              <a:rPr lang="nl-NL" sz="1600" dirty="0" err="1"/>
-              <a:t>enviro</a:t>
-            </a:r>
-            <a:r>
-              <a:rPr lang="nl-NL" sz="1600" dirty="0"/>
-              <a:t>/ment</a:t>
-            </a:r>
-          </a:p>
-          <a:p>
-            <a:r>
-              <a:rPr lang="nl-NL" sz="1600" dirty="0" err="1"/>
-              <a:t>Only</a:t>
-            </a:r>
-            <a:r>
-              <a:rPr lang="nl-NL" sz="1600" dirty="0"/>
-              <a:t> pixels </a:t>
-            </a:r>
-            <a:r>
-              <a:rPr lang="nl-NL" sz="1600" dirty="0" err="1"/>
-              <a:t>and</a:t>
-            </a:r>
-            <a:r>
-              <a:rPr lang="nl-NL" sz="1600" dirty="0"/>
-              <a:t> </a:t>
-            </a:r>
-            <a:r>
-              <a:rPr lang="nl-NL" sz="1600" dirty="0" err="1"/>
-              <a:t>reward</a:t>
-            </a:r>
-            <a:r>
-              <a:rPr lang="nl-NL" sz="1600" dirty="0"/>
-              <a:t> </a:t>
-            </a:r>
-            <a:r>
-              <a:rPr lang="nl-NL" sz="1600" dirty="0" err="1"/>
-              <a:t>signal</a:t>
-            </a:r>
-            <a:r>
-              <a:rPr lang="nl-NL" sz="1600" dirty="0"/>
-              <a:t> as input</a:t>
-            </a:r>
-          </a:p>
-          <a:p>
-            <a:r>
-              <a:rPr lang="nl-NL" sz="1600" dirty="0" err="1"/>
-              <a:t>Sparse</a:t>
-            </a:r>
-            <a:r>
-              <a:rPr lang="nl-NL" sz="1600" dirty="0"/>
-              <a:t> or </a:t>
-            </a:r>
-            <a:r>
-              <a:rPr lang="nl-NL" sz="1600" dirty="0" err="1"/>
-              <a:t>delayed</a:t>
-            </a:r>
-            <a:r>
-              <a:rPr lang="nl-NL" sz="1600" dirty="0"/>
-              <a:t> </a:t>
-            </a:r>
-            <a:r>
-              <a:rPr lang="nl-NL" sz="1600" dirty="0" err="1"/>
-              <a:t>rewards</a:t>
-            </a:r>
-            <a:endParaRPr lang="nl-NL" sz="1600" dirty="0"/>
+              <a:rPr lang="nl-NL" sz="1400" dirty="0">
+                <a:latin typeface="Tahoma" panose="020B0604030504040204" pitchFamily="34" charset="0"/>
+                <a:ea typeface="Tahoma" panose="020B0604030504040204" pitchFamily="34" charset="0"/>
+                <a:cs typeface="Tahoma" panose="020B0604030504040204" pitchFamily="34" charset="0"/>
+                <a:sym typeface="Wingdings" panose="05000000000000000000" pitchFamily="2" charset="2"/>
+              </a:rPr>
+              <a:t> </a:t>
+            </a:r>
+            <a:r>
+              <a:rPr lang="nl-NL" sz="1400" dirty="0" err="1">
+                <a:latin typeface="Tahoma" panose="020B0604030504040204" pitchFamily="34" charset="0"/>
+                <a:ea typeface="Tahoma" panose="020B0604030504040204" pitchFamily="34" charset="0"/>
+                <a:cs typeface="Tahoma" panose="020B0604030504040204" pitchFamily="34" charset="0"/>
+              </a:rPr>
+              <a:t>Asynchronous</a:t>
+            </a:r>
+            <a:r>
+              <a:rPr lang="nl-NL" sz="1400" dirty="0">
+                <a:latin typeface="Tahoma" panose="020B0604030504040204" pitchFamily="34" charset="0"/>
+                <a:ea typeface="Tahoma" panose="020B0604030504040204" pitchFamily="34" charset="0"/>
+                <a:cs typeface="Tahoma" panose="020B0604030504040204" pitchFamily="34" charset="0"/>
+              </a:rPr>
+              <a:t> approach </a:t>
+            </a:r>
+            <a:r>
+              <a:rPr lang="nl-NL" sz="1400" dirty="0" err="1">
+                <a:latin typeface="Tahoma" panose="020B0604030504040204" pitchFamily="34" charset="0"/>
+                <a:ea typeface="Tahoma" panose="020B0604030504040204" pitchFamily="34" charset="0"/>
+                <a:cs typeface="Tahoma" panose="020B0604030504040204" pitchFamily="34" charset="0"/>
+              </a:rPr>
+              <a:t>proposed</a:t>
+            </a:r>
+            <a:endParaRPr lang="nl-NL" sz="1400" dirty="0">
+              <a:latin typeface="Tahoma" panose="020B0604030504040204" pitchFamily="34" charset="0"/>
+              <a:ea typeface="Tahoma" panose="020B0604030504040204" pitchFamily="34" charset="0"/>
+              <a:cs typeface="Tahoma" panose="020B0604030504040204" pitchFamily="34" charset="0"/>
+            </a:endParaRPr>
+          </a:p>
+          <a:p>
+            <a:br>
+              <a:rPr lang="nl-NL" sz="1600" dirty="0">
+                <a:latin typeface="Tahoma" panose="020B0604030504040204" pitchFamily="34" charset="0"/>
+                <a:ea typeface="Tahoma" panose="020B0604030504040204" pitchFamily="34" charset="0"/>
+                <a:cs typeface="Tahoma" panose="020B0604030504040204" pitchFamily="34" charset="0"/>
+              </a:rPr>
+            </a:br>
+            <a:endParaRPr lang="nl-NL" sz="1600" dirty="0">
+              <a:latin typeface="Tahoma" panose="020B0604030504040204" pitchFamily="34" charset="0"/>
+              <a:ea typeface="Tahoma" panose="020B0604030504040204" pitchFamily="34" charset="0"/>
+              <a:cs typeface="Tahoma" panose="020B0604030504040204" pitchFamily="34" charset="0"/>
+            </a:endParaRPr>
           </a:p>
         </p:txBody>
       </p:sp>
@@ -3822,8 +4330,8 @@
         </p:nvSpPr>
         <p:spPr>
           <a:xfrm>
-            <a:off x="9670317" y="3516687"/>
-            <a:ext cx="2231862" cy="338554"/>
+            <a:off x="9384474" y="3052249"/>
+            <a:ext cx="2231862" cy="307777"/>
           </a:xfrm>
           <a:prstGeom prst="rect">
             <a:avLst/>
@@ -3837,19 +4345,35 @@
           <a:lstStyle/>
           <a:p>
             <a:r>
-              <a:rPr lang="nl-NL" sz="1600" dirty="0" err="1"/>
+              <a:rPr lang="nl-NL" sz="1400" dirty="0" err="1">
+                <a:latin typeface="Tahoma" panose="020B0604030504040204" pitchFamily="34" charset="0"/>
+                <a:ea typeface="Tahoma" panose="020B0604030504040204" pitchFamily="34" charset="0"/>
+                <a:cs typeface="Tahoma" panose="020B0604030504040204" pitchFamily="34" charset="0"/>
+              </a:rPr>
               <a:t>Defend</a:t>
             </a:r>
             <a:r>
-              <a:rPr lang="nl-NL" sz="1600" dirty="0"/>
+              <a:rPr lang="nl-NL" sz="1400" dirty="0">
+                <a:latin typeface="Tahoma" panose="020B0604030504040204" pitchFamily="34" charset="0"/>
+                <a:ea typeface="Tahoma" panose="020B0604030504040204" pitchFamily="34" charset="0"/>
+                <a:cs typeface="Tahoma" panose="020B0604030504040204" pitchFamily="34" charset="0"/>
+              </a:rPr>
               <a:t> </a:t>
             </a:r>
             <a:r>
-              <a:rPr lang="nl-NL" sz="1600" dirty="0" err="1"/>
+              <a:rPr lang="nl-NL" sz="1400" dirty="0" err="1">
+                <a:latin typeface="Tahoma" panose="020B0604030504040204" pitchFamily="34" charset="0"/>
+                <a:ea typeface="Tahoma" panose="020B0604030504040204" pitchFamily="34" charset="0"/>
+                <a:cs typeface="Tahoma" panose="020B0604030504040204" pitchFamily="34" charset="0"/>
+              </a:rPr>
               <a:t>the</a:t>
             </a:r>
             <a:r>
-              <a:rPr lang="nl-NL" sz="1600" dirty="0"/>
+              <a:rPr lang="nl-NL" sz="1400" dirty="0">
+                <a:latin typeface="Tahoma" panose="020B0604030504040204" pitchFamily="34" charset="0"/>
+                <a:ea typeface="Tahoma" panose="020B0604030504040204" pitchFamily="34" charset="0"/>
+                <a:cs typeface="Tahoma" panose="020B0604030504040204" pitchFamily="34" charset="0"/>
+              </a:rPr>
               <a:t> center</a:t>
             </a:r>
           </a:p>
@@ -3869,8 +4393,8 @@
         </p:nvSpPr>
         <p:spPr>
           <a:xfrm>
-            <a:off x="9670317" y="767189"/>
-            <a:ext cx="2231862" cy="338554"/>
+            <a:off x="9403594" y="1066329"/>
+            <a:ext cx="2231862" cy="307777"/>
           </a:xfrm>
           <a:prstGeom prst="rect">
             <a:avLst/>
@@ -3884,19 +4408,35 @@
           <a:lstStyle/>
           <a:p>
             <a:r>
-              <a:rPr lang="nl-NL" sz="1600" dirty="0" err="1"/>
+              <a:rPr lang="nl-NL" sz="1400" dirty="0" err="1">
+                <a:latin typeface="Tahoma" panose="020B0604030504040204" pitchFamily="34" charset="0"/>
+                <a:ea typeface="Tahoma" panose="020B0604030504040204" pitchFamily="34" charset="0"/>
+                <a:cs typeface="Tahoma" panose="020B0604030504040204" pitchFamily="34" charset="0"/>
+              </a:rPr>
               <a:t>Defend</a:t>
             </a:r>
             <a:r>
-              <a:rPr lang="nl-NL" sz="1600" dirty="0"/>
+              <a:rPr lang="nl-NL" sz="1400" dirty="0">
+                <a:latin typeface="Tahoma" panose="020B0604030504040204" pitchFamily="34" charset="0"/>
+                <a:ea typeface="Tahoma" panose="020B0604030504040204" pitchFamily="34" charset="0"/>
+                <a:cs typeface="Tahoma" panose="020B0604030504040204" pitchFamily="34" charset="0"/>
+              </a:rPr>
               <a:t> </a:t>
             </a:r>
             <a:r>
-              <a:rPr lang="nl-NL" sz="1600" dirty="0" err="1"/>
+              <a:rPr lang="nl-NL" sz="1400" dirty="0" err="1">
+                <a:latin typeface="Tahoma" panose="020B0604030504040204" pitchFamily="34" charset="0"/>
+                <a:ea typeface="Tahoma" panose="020B0604030504040204" pitchFamily="34" charset="0"/>
+                <a:cs typeface="Tahoma" panose="020B0604030504040204" pitchFamily="34" charset="0"/>
+              </a:rPr>
               <a:t>the</a:t>
             </a:r>
             <a:r>
-              <a:rPr lang="nl-NL" sz="1600" dirty="0"/>
+              <a:rPr lang="nl-NL" sz="1400" dirty="0">
+                <a:latin typeface="Tahoma" panose="020B0604030504040204" pitchFamily="34" charset="0"/>
+                <a:ea typeface="Tahoma" panose="020B0604030504040204" pitchFamily="34" charset="0"/>
+                <a:cs typeface="Tahoma" panose="020B0604030504040204" pitchFamily="34" charset="0"/>
+              </a:rPr>
               <a:t> line</a:t>
             </a:r>
           </a:p>
@@ -3916,8 +4456,8 @@
         </p:nvSpPr>
         <p:spPr>
           <a:xfrm>
-            <a:off x="6757735" y="3532545"/>
-            <a:ext cx="2231862" cy="338554"/>
+            <a:off x="6723529" y="3052249"/>
+            <a:ext cx="2231862" cy="307777"/>
           </a:xfrm>
           <a:prstGeom prst="rect">
             <a:avLst/>
@@ -3931,18 +4471,34 @@
           <a:lstStyle/>
           <a:p>
             <a:r>
-              <a:rPr lang="nl-NL" sz="1600" dirty="0" err="1"/>
+              <a:rPr lang="nl-NL" sz="1400" dirty="0" err="1">
+                <a:latin typeface="Tahoma" panose="020B0604030504040204" pitchFamily="34" charset="0"/>
+                <a:ea typeface="Tahoma" panose="020B0604030504040204" pitchFamily="34" charset="0"/>
+                <a:cs typeface="Tahoma" panose="020B0604030504040204" pitchFamily="34" charset="0"/>
+              </a:rPr>
               <a:t>Predict</a:t>
             </a:r>
             <a:r>
-              <a:rPr lang="nl-NL" sz="1600" dirty="0"/>
+              <a:rPr lang="nl-NL" sz="1400" dirty="0">
+                <a:latin typeface="Tahoma" panose="020B0604030504040204" pitchFamily="34" charset="0"/>
+                <a:ea typeface="Tahoma" panose="020B0604030504040204" pitchFamily="34" charset="0"/>
+                <a:cs typeface="Tahoma" panose="020B0604030504040204" pitchFamily="34" charset="0"/>
+              </a:rPr>
               <a:t> </a:t>
             </a:r>
             <a:r>
-              <a:rPr lang="nl-NL" sz="1600" dirty="0" err="1"/>
+              <a:rPr lang="nl-NL" sz="1400" dirty="0" err="1">
+                <a:latin typeface="Tahoma" panose="020B0604030504040204" pitchFamily="34" charset="0"/>
+                <a:ea typeface="Tahoma" panose="020B0604030504040204" pitchFamily="34" charset="0"/>
+                <a:cs typeface="Tahoma" panose="020B0604030504040204" pitchFamily="34" charset="0"/>
+              </a:rPr>
               <a:t>Position</a:t>
             </a:r>
-            <a:endParaRPr lang="nl-NL" sz="1600" dirty="0"/>
+            <a:endParaRPr lang="nl-NL" sz="1400" dirty="0">
+              <a:latin typeface="Tahoma" panose="020B0604030504040204" pitchFamily="34" charset="0"/>
+              <a:ea typeface="Tahoma" panose="020B0604030504040204" pitchFamily="34" charset="0"/>
+              <a:cs typeface="Tahoma" panose="020B0604030504040204" pitchFamily="34" charset="0"/>
+            </a:endParaRPr>
           </a:p>
         </p:txBody>
       </p:sp>
@@ -3960,8 +4516,8 @@
         </p:nvSpPr>
         <p:spPr>
           <a:xfrm>
-            <a:off x="6757735" y="853123"/>
-            <a:ext cx="2231862" cy="338554"/>
+            <a:off x="6744539" y="1066329"/>
+            <a:ext cx="2231862" cy="307777"/>
           </a:xfrm>
           <a:prstGeom prst="rect">
             <a:avLst/>
@@ -3975,19 +4531,22 @@
           <a:lstStyle/>
           <a:p>
             <a:r>
-              <a:rPr lang="nl-NL" sz="1600"/>
+              <a:rPr lang="nl-NL" sz="1400" dirty="0">
+                <a:latin typeface="Tahoma" panose="020B0604030504040204" pitchFamily="34" charset="0"/>
+                <a:ea typeface="Tahoma" panose="020B0604030504040204" pitchFamily="34" charset="0"/>
+                <a:cs typeface="Tahoma" panose="020B0604030504040204" pitchFamily="34" charset="0"/>
+              </a:rPr>
               <a:t>Basic</a:t>
             </a:r>
-            <a:endParaRPr lang="nl-NL" sz="1600" dirty="0"/>
-          </a:p>
-        </p:txBody>
-      </p:sp>
-      <p:sp>
-        <p:nvSpPr>
-          <p:cNvPr id="23" name="Tekstvak 22">
-            <a:extLst>
-              <a:ext uri="{FF2B5EF4-FFF2-40B4-BE49-F238E27FC236}">
-                <a16:creationId xmlns:a16="http://schemas.microsoft.com/office/drawing/2014/main" id="{19406ADD-500D-4A87-98B5-E5669F5711A6}"/>
+          </a:p>
+        </p:txBody>
+      </p:sp>
+      <p:sp>
+        <p:nvSpPr>
+          <p:cNvPr id="3" name="Tekstvak 2">
+            <a:extLst>
+              <a:ext uri="{FF2B5EF4-FFF2-40B4-BE49-F238E27FC236}">
+                <a16:creationId xmlns:a16="http://schemas.microsoft.com/office/drawing/2014/main" id="{8421FB68-4614-46EE-851A-B9E0FBE5A835}"/>
               </a:ext>
             </a:extLst>
           </p:cNvPr>
@@ -3996,8 +4555,8 @@
         </p:nvSpPr>
         <p:spPr>
           <a:xfrm>
-            <a:off x="6852213" y="2986713"/>
-            <a:ext cx="2137384" cy="738664"/>
+            <a:off x="-202707" y="503007"/>
+            <a:ext cx="12597414" cy="276999"/>
           </a:xfrm>
           <a:prstGeom prst="rect">
             <a:avLst/>
@@ -4010,89 +4569,625 @@
           </a:bodyPr>
           <a:lstStyle/>
           <a:p>
-            <a:pPr marL="285750" indent="-285750">
-              <a:buFont typeface="Arial" panose="020B0604020202020204" pitchFamily="34" charset="0"/>
-              <a:buChar char="•"/>
-            </a:pPr>
-            <a:r>
-              <a:rPr lang="nl-NL" sz="1400" dirty="0"/>
-              <a:t>Best </a:t>
-            </a:r>
-            <a:r>
-              <a:rPr lang="nl-NL" sz="1400" dirty="0" err="1"/>
-              <a:t>learning</a:t>
-            </a:r>
-            <a:r>
-              <a:rPr lang="nl-NL" sz="1400" dirty="0"/>
+            <a:pPr algn="ctr"/>
+            <a:r>
+              <a:rPr lang="nl-NL" sz="1200" dirty="0" err="1">
+                <a:solidFill>
+                  <a:schemeClr val="bg1"/>
+                </a:solidFill>
+                <a:latin typeface="Tahoma" panose="020B0604030504040204" pitchFamily="34" charset="0"/>
+                <a:ea typeface="Tahoma" panose="020B0604030504040204" pitchFamily="34" charset="0"/>
+                <a:cs typeface="Tahoma" panose="020B0604030504040204" pitchFamily="34" charset="0"/>
+              </a:rPr>
+              <a:t>Aksel</a:t>
+            </a:r>
+            <a:r>
+              <a:rPr lang="nl-NL" sz="1200" dirty="0">
+                <a:solidFill>
+                  <a:schemeClr val="bg1"/>
+                </a:solidFill>
+                <a:latin typeface="Tahoma" panose="020B0604030504040204" pitchFamily="34" charset="0"/>
+                <a:ea typeface="Tahoma" panose="020B0604030504040204" pitchFamily="34" charset="0"/>
+                <a:cs typeface="Tahoma" panose="020B0604030504040204" pitchFamily="34" charset="0"/>
+              </a:rPr>
               <a:t> </a:t>
             </a:r>
             <a:r>
-              <a:rPr lang="nl-NL" sz="1400" dirty="0" err="1"/>
-              <a:t>rate</a:t>
-            </a:r>
-            <a:r>
-              <a:rPr lang="nl-NL" sz="1400" dirty="0"/>
-              <a:t> 1e-4</a:t>
-            </a:r>
-          </a:p>
-          <a:p>
-            <a:pPr marL="285750" indent="-285750">
-              <a:buFont typeface="Arial" panose="020B0604020202020204" pitchFamily="34" charset="0"/>
-              <a:buChar char="•"/>
-            </a:pPr>
-            <a:endParaRPr lang="nl-NL" sz="1400" dirty="0"/>
-          </a:p>
-          <a:p>
-            <a:endParaRPr lang="nl-NL" sz="1400" dirty="0"/>
-          </a:p>
-        </p:txBody>
-      </p:sp>
-      <p:sp>
-        <p:nvSpPr>
-          <p:cNvPr id="47" name="Tekstvak 46">
-            <a:extLst>
-              <a:ext uri="{FF2B5EF4-FFF2-40B4-BE49-F238E27FC236}">
-                <a16:creationId xmlns:a16="http://schemas.microsoft.com/office/drawing/2014/main" id="{044356A4-26FC-4ACC-8E70-F1982B6A8F0D}"/>
-              </a:ext>
-            </a:extLst>
-          </p:cNvPr>
-          <p:cNvSpPr txBox="1"/>
+              <a:rPr lang="nl-NL" sz="1200" dirty="0" err="1">
+                <a:solidFill>
+                  <a:schemeClr val="bg1"/>
+                </a:solidFill>
+                <a:latin typeface="Tahoma" panose="020B0604030504040204" pitchFamily="34" charset="0"/>
+                <a:ea typeface="Tahoma" panose="020B0604030504040204" pitchFamily="34" charset="0"/>
+                <a:cs typeface="Tahoma" panose="020B0604030504040204" pitchFamily="34" charset="0"/>
+              </a:rPr>
+              <a:t>Obdrup</a:t>
+            </a:r>
+            <a:r>
+              <a:rPr lang="nl-NL" sz="1200" dirty="0">
+                <a:solidFill>
+                  <a:schemeClr val="bg1"/>
+                </a:solidFill>
+                <a:latin typeface="Tahoma" panose="020B0604030504040204" pitchFamily="34" charset="0"/>
+                <a:ea typeface="Tahoma" panose="020B0604030504040204" pitchFamily="34" charset="0"/>
+                <a:cs typeface="Tahoma" panose="020B0604030504040204" pitchFamily="34" charset="0"/>
+              </a:rPr>
+              <a:t> (s144089), Elin Dijkstra (s182774), Louis Hein (s181573) &amp; Tobias </a:t>
+            </a:r>
+            <a:r>
+              <a:rPr lang="nl-NL" sz="1200" dirty="0" err="1">
+                <a:solidFill>
+                  <a:schemeClr val="bg1"/>
+                </a:solidFill>
+                <a:latin typeface="Tahoma" panose="020B0604030504040204" pitchFamily="34" charset="0"/>
+                <a:ea typeface="Tahoma" panose="020B0604030504040204" pitchFamily="34" charset="0"/>
+                <a:cs typeface="Tahoma" panose="020B0604030504040204" pitchFamily="34" charset="0"/>
+              </a:rPr>
+              <a:t>Konradsen</a:t>
+            </a:r>
+            <a:r>
+              <a:rPr lang="nl-NL" sz="1200" dirty="0">
+                <a:solidFill>
+                  <a:schemeClr val="bg1"/>
+                </a:solidFill>
+                <a:latin typeface="Tahoma" panose="020B0604030504040204" pitchFamily="34" charset="0"/>
+                <a:ea typeface="Tahoma" panose="020B0604030504040204" pitchFamily="34" charset="0"/>
+                <a:cs typeface="Tahoma" panose="020B0604030504040204" pitchFamily="34" charset="0"/>
+              </a:rPr>
+              <a:t> (s144077) – DTU </a:t>
+            </a:r>
+            <a:r>
+              <a:rPr lang="nl-NL" sz="1200" dirty="0" err="1">
+                <a:solidFill>
+                  <a:schemeClr val="bg1"/>
+                </a:solidFill>
+                <a:latin typeface="Tahoma" panose="020B0604030504040204" pitchFamily="34" charset="0"/>
+                <a:ea typeface="Tahoma" panose="020B0604030504040204" pitchFamily="34" charset="0"/>
+                <a:cs typeface="Tahoma" panose="020B0604030504040204" pitchFamily="34" charset="0"/>
+              </a:rPr>
+              <a:t>Compute</a:t>
+            </a:r>
+            <a:r>
+              <a:rPr lang="nl-NL" sz="1200" dirty="0">
+                <a:solidFill>
+                  <a:schemeClr val="bg1"/>
+                </a:solidFill>
+                <a:latin typeface="Tahoma" panose="020B0604030504040204" pitchFamily="34" charset="0"/>
+                <a:ea typeface="Tahoma" panose="020B0604030504040204" pitchFamily="34" charset="0"/>
+                <a:cs typeface="Tahoma" panose="020B0604030504040204" pitchFamily="34" charset="0"/>
+              </a:rPr>
+              <a:t> – 02460 Advanced Machine Learning</a:t>
+            </a:r>
+          </a:p>
+        </p:txBody>
+      </p:sp>
+      <mc:AlternateContent xmlns:mc="http://schemas.openxmlformats.org/markup-compatibility/2006">
+        <mc:Choice xmlns:a14="http://schemas.microsoft.com/office/drawing/2010/main" Requires="a14">
+          <p:sp>
+            <p:nvSpPr>
+              <p:cNvPr id="6" name="Tekstvak 5">
+                <a:extLst>
+                  <a:ext uri="{FF2B5EF4-FFF2-40B4-BE49-F238E27FC236}">
+                    <a16:creationId xmlns:a16="http://schemas.microsoft.com/office/drawing/2014/main" id="{568950D1-B641-4159-8051-5DE06359574B}"/>
+                  </a:ext>
+                </a:extLst>
+              </p:cNvPr>
+              <p:cNvSpPr txBox="1"/>
+              <p:nvPr/>
+            </p:nvSpPr>
+            <p:spPr>
+              <a:xfrm>
+                <a:off x="6655402" y="5210387"/>
+                <a:ext cx="5079245" cy="1954381"/>
+              </a:xfrm>
+              <a:prstGeom prst="rect">
+                <a:avLst/>
+              </a:prstGeom>
+              <a:noFill/>
+            </p:spPr>
+            <p:txBody>
+              <a:bodyPr wrap="square" rtlCol="0">
+                <a:spAutoFit/>
+              </a:bodyPr>
+              <a:lstStyle/>
+              <a:p>
+                <a:pPr>
+                  <a:lnSpc>
+                    <a:spcPct val="150000"/>
+                  </a:lnSpc>
+                </a:pPr>
+                <a:r>
+                  <a:rPr lang="nl-NL" sz="1400" dirty="0">
+                    <a:latin typeface="Tahoma" panose="020B0604030504040204" pitchFamily="34" charset="0"/>
+                    <a:ea typeface="Tahoma" panose="020B0604030504040204" pitchFamily="34" charset="0"/>
+                    <a:cs typeface="Tahoma" panose="020B0604030504040204" pitchFamily="34" charset="0"/>
+                  </a:rPr>
+                  <a:t>Learning is </a:t>
+                </a:r>
+                <a:r>
+                  <a:rPr lang="nl-NL" sz="1400" dirty="0" err="1">
+                    <a:latin typeface="Tahoma" panose="020B0604030504040204" pitchFamily="34" charset="0"/>
+                    <a:ea typeface="Tahoma" panose="020B0604030504040204" pitchFamily="34" charset="0"/>
+                    <a:cs typeface="Tahoma" panose="020B0604030504040204" pitchFamily="34" charset="0"/>
+                  </a:rPr>
+                  <a:t>sensitive</a:t>
+                </a:r>
+                <a:r>
+                  <a:rPr lang="nl-NL" sz="1400" dirty="0">
+                    <a:latin typeface="Tahoma" panose="020B0604030504040204" pitchFamily="34" charset="0"/>
+                    <a:ea typeface="Tahoma" panose="020B0604030504040204" pitchFamily="34" charset="0"/>
+                    <a:cs typeface="Tahoma" panose="020B0604030504040204" pitchFamily="34" charset="0"/>
+                  </a:rPr>
+                  <a:t> </a:t>
+                </a:r>
+                <a:r>
+                  <a:rPr lang="nl-NL" sz="1400" dirty="0" err="1">
+                    <a:latin typeface="Tahoma" panose="020B0604030504040204" pitchFamily="34" charset="0"/>
+                    <a:ea typeface="Tahoma" panose="020B0604030504040204" pitchFamily="34" charset="0"/>
+                    <a:cs typeface="Tahoma" panose="020B0604030504040204" pitchFamily="34" charset="0"/>
+                  </a:rPr>
+                  <a:t>to</a:t>
+                </a:r>
+                <a:r>
+                  <a:rPr lang="nl-NL" sz="1400" dirty="0">
+                    <a:latin typeface="Tahoma" panose="020B0604030504040204" pitchFamily="34" charset="0"/>
+                    <a:ea typeface="Tahoma" panose="020B0604030504040204" pitchFamily="34" charset="0"/>
+                    <a:cs typeface="Tahoma" panose="020B0604030504040204" pitchFamily="34" charset="0"/>
+                  </a:rPr>
+                  <a:t> hyperparameters</a:t>
+                </a:r>
+              </a:p>
+              <a:p>
+                <a:pPr marL="285750" indent="-285750">
+                  <a:buFont typeface="Arial" panose="020B0604020202020204" pitchFamily="34" charset="0"/>
+                  <a:buChar char="•"/>
+                </a:pPr>
+                <a:r>
+                  <a:rPr lang="nl-NL" sz="1200" dirty="0">
+                    <a:latin typeface="Tahoma" panose="020B0604030504040204" pitchFamily="34" charset="0"/>
+                    <a:ea typeface="Tahoma" panose="020B0604030504040204" pitchFamily="34" charset="0"/>
+                    <a:cs typeface="Tahoma" panose="020B0604030504040204" pitchFamily="34" charset="0"/>
+                  </a:rPr>
+                  <a:t>Learning </a:t>
+                </a:r>
+                <a:r>
+                  <a:rPr lang="nl-NL" sz="1200" dirty="0" err="1">
+                    <a:latin typeface="Tahoma" panose="020B0604030504040204" pitchFamily="34" charset="0"/>
+                    <a:ea typeface="Tahoma" panose="020B0604030504040204" pitchFamily="34" charset="0"/>
+                    <a:cs typeface="Tahoma" panose="020B0604030504040204" pitchFamily="34" charset="0"/>
+                  </a:rPr>
+                  <a:t>rate</a:t>
+                </a:r>
+                <a:r>
+                  <a:rPr lang="nl-NL" sz="1200" dirty="0">
+                    <a:latin typeface="Tahoma" panose="020B0604030504040204" pitchFamily="34" charset="0"/>
+                    <a:ea typeface="Tahoma" panose="020B0604030504040204" pitchFamily="34" charset="0"/>
+                    <a:cs typeface="Tahoma" panose="020B0604030504040204" pitchFamily="34" charset="0"/>
+                  </a:rPr>
+                  <a:t>: 	</a:t>
+                </a:r>
+                <a:r>
+                  <a:rPr lang="nl-NL" sz="1200" dirty="0" err="1">
+                    <a:latin typeface="Tahoma" panose="020B0604030504040204" pitchFamily="34" charset="0"/>
+                    <a:ea typeface="Tahoma" panose="020B0604030504040204" pitchFamily="34" charset="0"/>
+                    <a:cs typeface="Tahoma" panose="020B0604030504040204" pitchFamily="34" charset="0"/>
+                  </a:rPr>
+                  <a:t>Optimal</a:t>
+                </a:r>
+                <a:r>
+                  <a:rPr lang="nl-NL" sz="1200" dirty="0">
+                    <a:latin typeface="Tahoma" panose="020B0604030504040204" pitchFamily="34" charset="0"/>
+                    <a:ea typeface="Tahoma" panose="020B0604030504040204" pitchFamily="34" charset="0"/>
+                    <a:cs typeface="Tahoma" panose="020B0604030504040204" pitchFamily="34" charset="0"/>
+                  </a:rPr>
+                  <a:t> found </a:t>
+                </a:r>
+                <a14:m>
+                  <m:oMath xmlns:m="http://schemas.openxmlformats.org/officeDocument/2006/math">
+                    <m:sSup>
+                      <m:sSupPr>
+                        <m:ctrlPr>
+                          <a:rPr lang="pt-BR" sz="1200" i="1" smtClean="0">
+                            <a:latin typeface="Cambria Math" panose="02040503050406030204" pitchFamily="18" charset="0"/>
+                          </a:rPr>
+                        </m:ctrlPr>
+                      </m:sSupPr>
+                      <m:e>
+                        <m:r>
+                          <a:rPr lang="nl-NL" sz="1200" i="1" smtClean="0">
+                            <a:latin typeface="Cambria Math" panose="02040503050406030204" pitchFamily="18" charset="0"/>
+                          </a:rPr>
+                          <m:t>10</m:t>
+                        </m:r>
+                      </m:e>
+                      <m:sup>
+                        <m:r>
+                          <a:rPr lang="nl-NL" sz="1200" i="1" smtClean="0">
+                            <a:latin typeface="Cambria Math" panose="02040503050406030204" pitchFamily="18" charset="0"/>
+                          </a:rPr>
+                          <m:t>−4</m:t>
+                        </m:r>
+                      </m:sup>
+                    </m:sSup>
+                  </m:oMath>
+                </a14:m>
+                <a:endParaRPr lang="nl-NL" sz="1200" dirty="0">
+                  <a:latin typeface="Tahoma" panose="020B0604030504040204" pitchFamily="34" charset="0"/>
+                  <a:ea typeface="Tahoma" panose="020B0604030504040204" pitchFamily="34" charset="0"/>
+                  <a:cs typeface="Tahoma" panose="020B0604030504040204" pitchFamily="34" charset="0"/>
+                </a:endParaRPr>
+              </a:p>
+              <a:p>
+                <a:pPr marL="285750" indent="-285750">
+                  <a:buFont typeface="Arial" panose="020B0604020202020204" pitchFamily="34" charset="0"/>
+                  <a:buChar char="•"/>
+                </a:pPr>
+                <a:r>
+                  <a:rPr lang="nl-NL" sz="1200" dirty="0" err="1">
+                    <a:latin typeface="Tahoma" panose="020B0604030504040204" pitchFamily="34" charset="0"/>
+                    <a:ea typeface="Tahoma" panose="020B0604030504040204" pitchFamily="34" charset="0"/>
+                    <a:cs typeface="Tahoma" panose="020B0604030504040204" pitchFamily="34" charset="0"/>
+                  </a:rPr>
+                  <a:t>Batchsize</a:t>
+                </a:r>
+                <a:r>
+                  <a:rPr lang="nl-NL" sz="1200" dirty="0">
+                    <a:latin typeface="Tahoma" panose="020B0604030504040204" pitchFamily="34" charset="0"/>
+                    <a:ea typeface="Tahoma" panose="020B0604030504040204" pitchFamily="34" charset="0"/>
+                    <a:cs typeface="Tahoma" panose="020B0604030504040204" pitchFamily="34" charset="0"/>
+                  </a:rPr>
+                  <a:t>: 	Scenario </a:t>
+                </a:r>
+                <a:r>
+                  <a:rPr lang="nl-NL" sz="1200" dirty="0" err="1">
+                    <a:latin typeface="Tahoma" panose="020B0604030504040204" pitchFamily="34" charset="0"/>
+                    <a:ea typeface="Tahoma" panose="020B0604030504040204" pitchFamily="34" charset="0"/>
+                    <a:cs typeface="Tahoma" panose="020B0604030504040204" pitchFamily="34" charset="0"/>
+                  </a:rPr>
+                  <a:t>dependent</a:t>
+                </a:r>
+                <a:r>
+                  <a:rPr lang="nl-NL" sz="1200" dirty="0">
+                    <a:latin typeface="Tahoma" panose="020B0604030504040204" pitchFamily="34" charset="0"/>
+                    <a:ea typeface="Tahoma" panose="020B0604030504040204" pitchFamily="34" charset="0"/>
+                    <a:cs typeface="Tahoma" panose="020B0604030504040204" pitchFamily="34" charset="0"/>
+                  </a:rPr>
+                  <a:t>, </a:t>
+                </a:r>
+                <a:r>
+                  <a:rPr lang="nl-NL" sz="1200" dirty="0" err="1">
+                    <a:latin typeface="Tahoma" panose="020B0604030504040204" pitchFamily="34" charset="0"/>
+                    <a:ea typeface="Tahoma" panose="020B0604030504040204" pitchFamily="34" charset="0"/>
+                    <a:cs typeface="Tahoma" panose="020B0604030504040204" pitchFamily="34" charset="0"/>
+                  </a:rPr>
+                  <a:t>larger</a:t>
+                </a:r>
+                <a:r>
+                  <a:rPr lang="nl-NL" sz="1200" dirty="0">
+                    <a:latin typeface="Tahoma" panose="020B0604030504040204" pitchFamily="34" charset="0"/>
+                    <a:ea typeface="Tahoma" panose="020B0604030504040204" pitchFamily="34" charset="0"/>
+                    <a:cs typeface="Tahoma" panose="020B0604030504040204" pitchFamily="34" charset="0"/>
+                  </a:rPr>
+                  <a:t> </a:t>
+                </a:r>
+                <a:r>
+                  <a:rPr lang="nl-NL" sz="1200" dirty="0" err="1">
+                    <a:latin typeface="Tahoma" panose="020B0604030504040204" pitchFamily="34" charset="0"/>
+                    <a:ea typeface="Tahoma" panose="020B0604030504040204" pitchFamily="34" charset="0"/>
+                    <a:cs typeface="Tahoma" panose="020B0604030504040204" pitchFamily="34" charset="0"/>
+                  </a:rPr>
+                  <a:t>than</a:t>
+                </a:r>
+                <a:r>
+                  <a:rPr lang="nl-NL" sz="1200" dirty="0">
+                    <a:latin typeface="Tahoma" panose="020B0604030504040204" pitchFamily="34" charset="0"/>
+                    <a:ea typeface="Tahoma" panose="020B0604030504040204" pitchFamily="34" charset="0"/>
+                    <a:cs typeface="Tahoma" panose="020B0604030504040204" pitchFamily="34" charset="0"/>
+                  </a:rPr>
+                  <a:t> 10</a:t>
+                </a:r>
+              </a:p>
+              <a:p>
+                <a:pPr marL="285750" indent="-285750">
+                  <a:buFont typeface="Arial" panose="020B0604020202020204" pitchFamily="34" charset="0"/>
+                  <a:buChar char="•"/>
+                </a:pPr>
+                <a:r>
+                  <a:rPr lang="nl-NL" sz="1200" dirty="0" err="1">
+                    <a:latin typeface="Tahoma" panose="020B0604030504040204" pitchFamily="34" charset="0"/>
+                    <a:ea typeface="Tahoma" panose="020B0604030504040204" pitchFamily="34" charset="0"/>
+                    <a:cs typeface="Tahoma" panose="020B0604030504040204" pitchFamily="34" charset="0"/>
+                  </a:rPr>
+                  <a:t>Optimizers</a:t>
+                </a:r>
+                <a:r>
+                  <a:rPr lang="nl-NL" sz="1200" dirty="0">
+                    <a:latin typeface="Tahoma" panose="020B0604030504040204" pitchFamily="34" charset="0"/>
+                    <a:ea typeface="Tahoma" panose="020B0604030504040204" pitchFamily="34" charset="0"/>
+                    <a:cs typeface="Tahoma" panose="020B0604030504040204" pitchFamily="34" charset="0"/>
+                  </a:rPr>
+                  <a:t>: 	Adam </a:t>
+                </a:r>
+                <a:r>
+                  <a:rPr lang="nl-NL" sz="1200" dirty="0" err="1">
+                    <a:latin typeface="Tahoma" panose="020B0604030504040204" pitchFamily="34" charset="0"/>
+                    <a:ea typeface="Tahoma" panose="020B0604030504040204" pitchFamily="34" charset="0"/>
+                    <a:cs typeface="Tahoma" panose="020B0604030504040204" pitchFamily="34" charset="0"/>
+                  </a:rPr>
+                  <a:t>outperformes</a:t>
+                </a:r>
+                <a:r>
+                  <a:rPr lang="nl-NL" sz="1200" dirty="0">
+                    <a:latin typeface="Tahoma" panose="020B0604030504040204" pitchFamily="34" charset="0"/>
+                    <a:ea typeface="Tahoma" panose="020B0604030504040204" pitchFamily="34" charset="0"/>
+                    <a:cs typeface="Tahoma" panose="020B0604030504040204" pitchFamily="34" charset="0"/>
+                  </a:rPr>
+                  <a:t> </a:t>
+                </a:r>
+                <a:r>
+                  <a:rPr lang="nl-NL" sz="1200" dirty="0" err="1">
+                    <a:latin typeface="Tahoma" panose="020B0604030504040204" pitchFamily="34" charset="0"/>
+                    <a:ea typeface="Tahoma" panose="020B0604030504040204" pitchFamily="34" charset="0"/>
+                    <a:cs typeface="Tahoma" panose="020B0604030504040204" pitchFamily="34" charset="0"/>
+                  </a:rPr>
+                  <a:t>RMSProp</a:t>
+                </a:r>
+                <a:r>
+                  <a:rPr lang="nl-NL" sz="1200" dirty="0">
+                    <a:latin typeface="Tahoma" panose="020B0604030504040204" pitchFamily="34" charset="0"/>
+                    <a:ea typeface="Tahoma" panose="020B0604030504040204" pitchFamily="34" charset="0"/>
+                    <a:cs typeface="Tahoma" panose="020B0604030504040204" pitchFamily="34" charset="0"/>
+                  </a:rPr>
+                  <a:t> </a:t>
+                </a:r>
+                <a:r>
+                  <a:rPr lang="nl-NL" sz="1200" dirty="0" err="1">
+                    <a:latin typeface="Tahoma" panose="020B0604030504040204" pitchFamily="34" charset="0"/>
+                    <a:ea typeface="Tahoma" panose="020B0604030504040204" pitchFamily="34" charset="0"/>
+                    <a:cs typeface="Tahoma" panose="020B0604030504040204" pitchFamily="34" charset="0"/>
+                  </a:rPr>
+                  <a:t>and</a:t>
+                </a:r>
+                <a:r>
+                  <a:rPr lang="nl-NL" sz="1200" dirty="0">
+                    <a:latin typeface="Tahoma" panose="020B0604030504040204" pitchFamily="34" charset="0"/>
+                    <a:ea typeface="Tahoma" panose="020B0604030504040204" pitchFamily="34" charset="0"/>
+                    <a:cs typeface="Tahoma" panose="020B0604030504040204" pitchFamily="34" charset="0"/>
+                  </a:rPr>
+                  <a:t> SGD</a:t>
+                </a:r>
+              </a:p>
+              <a:p>
+                <a:endParaRPr lang="nl-NL" sz="1600" dirty="0">
+                  <a:latin typeface="Tahoma" panose="020B0604030504040204" pitchFamily="34" charset="0"/>
+                  <a:ea typeface="Tahoma" panose="020B0604030504040204" pitchFamily="34" charset="0"/>
+                  <a:cs typeface="Tahoma" panose="020B0604030504040204" pitchFamily="34" charset="0"/>
+                </a:endParaRPr>
+              </a:p>
+              <a:p>
+                <a:r>
+                  <a:rPr lang="nl-NL" sz="1400" dirty="0">
+                    <a:latin typeface="Tahoma" panose="020B0604030504040204" pitchFamily="34" charset="0"/>
+                    <a:ea typeface="Tahoma" panose="020B0604030504040204" pitchFamily="34" charset="0"/>
+                    <a:cs typeface="Tahoma" panose="020B0604030504040204" pitchFamily="34" charset="0"/>
+                  </a:rPr>
+                  <a:t>Non </a:t>
+                </a:r>
+                <a:r>
+                  <a:rPr lang="nl-NL" sz="1400" dirty="0" err="1">
+                    <a:latin typeface="Tahoma" panose="020B0604030504040204" pitchFamily="34" charset="0"/>
+                    <a:ea typeface="Tahoma" panose="020B0604030504040204" pitchFamily="34" charset="0"/>
+                    <a:cs typeface="Tahoma" panose="020B0604030504040204" pitchFamily="34" charset="0"/>
+                  </a:rPr>
+                  <a:t>trivial</a:t>
+                </a:r>
+                <a:r>
+                  <a:rPr lang="nl-NL" sz="1400" dirty="0">
+                    <a:latin typeface="Tahoma" panose="020B0604030504040204" pitchFamily="34" charset="0"/>
+                    <a:ea typeface="Tahoma" panose="020B0604030504040204" pitchFamily="34" charset="0"/>
+                    <a:cs typeface="Tahoma" panose="020B0604030504040204" pitchFamily="34" charset="0"/>
+                  </a:rPr>
+                  <a:t> </a:t>
+                </a:r>
+                <a:r>
+                  <a:rPr lang="nl-NL" sz="1400" dirty="0" err="1">
+                    <a:latin typeface="Tahoma" panose="020B0604030504040204" pitchFamily="34" charset="0"/>
+                    <a:ea typeface="Tahoma" panose="020B0604030504040204" pitchFamily="34" charset="0"/>
+                    <a:cs typeface="Tahoma" panose="020B0604030504040204" pitchFamily="34" charset="0"/>
+                  </a:rPr>
+                  <a:t>behavior</a:t>
+                </a:r>
+                <a:r>
+                  <a:rPr lang="nl-NL" sz="1400" dirty="0">
+                    <a:latin typeface="Tahoma" panose="020B0604030504040204" pitchFamily="34" charset="0"/>
+                    <a:ea typeface="Tahoma" panose="020B0604030504040204" pitchFamily="34" charset="0"/>
+                    <a:cs typeface="Tahoma" panose="020B0604030504040204" pitchFamily="34" charset="0"/>
+                  </a:rPr>
+                  <a:t> on </a:t>
+                </a:r>
+                <a:r>
+                  <a:rPr lang="nl-NL" sz="1400" dirty="0" err="1">
+                    <a:latin typeface="Tahoma" panose="020B0604030504040204" pitchFamily="34" charset="0"/>
+                    <a:ea typeface="Tahoma" panose="020B0604030504040204" pitchFamily="34" charset="0"/>
+                    <a:cs typeface="Tahoma" panose="020B0604030504040204" pitchFamily="34" charset="0"/>
+                  </a:rPr>
+                  <a:t>all</a:t>
+                </a:r>
+                <a:r>
+                  <a:rPr lang="nl-NL" sz="1400" dirty="0">
+                    <a:latin typeface="Tahoma" panose="020B0604030504040204" pitchFamily="34" charset="0"/>
+                    <a:ea typeface="Tahoma" panose="020B0604030504040204" pitchFamily="34" charset="0"/>
+                    <a:cs typeface="Tahoma" panose="020B0604030504040204" pitchFamily="34" charset="0"/>
+                  </a:rPr>
+                  <a:t> </a:t>
+                </a:r>
+                <a:r>
+                  <a:rPr lang="nl-NL" sz="1400" dirty="0" err="1">
+                    <a:latin typeface="Tahoma" panose="020B0604030504040204" pitchFamily="34" charset="0"/>
+                    <a:ea typeface="Tahoma" panose="020B0604030504040204" pitchFamily="34" charset="0"/>
+                    <a:cs typeface="Tahoma" panose="020B0604030504040204" pitchFamily="34" charset="0"/>
+                  </a:rPr>
+                  <a:t>presented</a:t>
+                </a:r>
+                <a:r>
+                  <a:rPr lang="nl-NL" sz="1400" dirty="0">
+                    <a:latin typeface="Tahoma" panose="020B0604030504040204" pitchFamily="34" charset="0"/>
+                    <a:ea typeface="Tahoma" panose="020B0604030504040204" pitchFamily="34" charset="0"/>
+                    <a:cs typeface="Tahoma" panose="020B0604030504040204" pitchFamily="34" charset="0"/>
+                  </a:rPr>
+                  <a:t> </a:t>
+                </a:r>
+                <a:r>
+                  <a:rPr lang="nl-NL" sz="1400" dirty="0" err="1">
+                    <a:latin typeface="Tahoma" panose="020B0604030504040204" pitchFamily="34" charset="0"/>
+                    <a:ea typeface="Tahoma" panose="020B0604030504040204" pitchFamily="34" charset="0"/>
+                    <a:cs typeface="Tahoma" panose="020B0604030504040204" pitchFamily="34" charset="0"/>
+                  </a:rPr>
+                  <a:t>scenarios</a:t>
+                </a:r>
+                <a:endParaRPr lang="nl-NL" sz="1400" dirty="0">
+                  <a:latin typeface="Tahoma" panose="020B0604030504040204" pitchFamily="34" charset="0"/>
+                  <a:ea typeface="Tahoma" panose="020B0604030504040204" pitchFamily="34" charset="0"/>
+                  <a:cs typeface="Tahoma" panose="020B0604030504040204" pitchFamily="34" charset="0"/>
+                </a:endParaRPr>
+              </a:p>
+              <a:p>
+                <a:endParaRPr lang="nl-NL" sz="1600" dirty="0">
+                  <a:latin typeface="Tahoma" panose="020B0604030504040204" pitchFamily="34" charset="0"/>
+                  <a:ea typeface="Tahoma" panose="020B0604030504040204" pitchFamily="34" charset="0"/>
+                  <a:cs typeface="Tahoma" panose="020B0604030504040204" pitchFamily="34" charset="0"/>
+                </a:endParaRPr>
+              </a:p>
+              <a:p>
+                <a:r>
+                  <a:rPr lang="nl-NL" sz="1600" dirty="0">
+                    <a:latin typeface="Tahoma" panose="020B0604030504040204" pitchFamily="34" charset="0"/>
+                    <a:ea typeface="Tahoma" panose="020B0604030504040204" pitchFamily="34" charset="0"/>
+                    <a:cs typeface="Tahoma" panose="020B0604030504040204" pitchFamily="34" charset="0"/>
+                  </a:rPr>
+                  <a:t> </a:t>
+                </a:r>
+              </a:p>
+            </p:txBody>
+          </p:sp>
+        </mc:Choice>
+        <mc:Fallback>
+          <p:sp>
+            <p:nvSpPr>
+              <p:cNvPr id="6" name="Tekstvak 5">
+                <a:extLst>
+                  <a:ext uri="{FF2B5EF4-FFF2-40B4-BE49-F238E27FC236}">
+                    <a16:creationId xmlns:a16="http://schemas.microsoft.com/office/drawing/2014/main" id="{568950D1-B641-4159-8051-5DE06359574B}"/>
+                  </a:ext>
+                </a:extLst>
+              </p:cNvPr>
+              <p:cNvSpPr txBox="1">
+                <a:spLocks noRot="1" noChangeAspect="1" noMove="1" noResize="1" noEditPoints="1" noAdjustHandles="1" noChangeArrowheads="1" noChangeShapeType="1" noTextEdit="1"/>
+              </p:cNvSpPr>
+              <p:nvPr/>
+            </p:nvSpPr>
+            <p:spPr>
+              <a:xfrm>
+                <a:off x="6655402" y="5210387"/>
+                <a:ext cx="5079245" cy="1954381"/>
+              </a:xfrm>
+              <a:prstGeom prst="rect">
+                <a:avLst/>
+              </a:prstGeom>
+              <a:blipFill>
+                <a:blip r:embed="rId12"/>
+                <a:stretch>
+                  <a:fillRect l="-360"/>
+                </a:stretch>
+              </a:blipFill>
+            </p:spPr>
+            <p:txBody>
+              <a:bodyPr/>
+              <a:lstStyle/>
+              <a:p>
+                <a:r>
+                  <a:rPr lang="nl-NL">
+                    <a:noFill/>
+                  </a:rPr>
+                  <a:t> </a:t>
+                </a:r>
+              </a:p>
+            </p:txBody>
+          </p:sp>
+        </mc:Fallback>
+      </mc:AlternateContent>
+      <p:cxnSp>
+        <p:nvCxnSpPr>
+          <p:cNvPr id="8" name="Rechte verbindingslijn 7">
+            <a:extLst>
+              <a:ext uri="{FF2B5EF4-FFF2-40B4-BE49-F238E27FC236}">
+                <a16:creationId xmlns:a16="http://schemas.microsoft.com/office/drawing/2014/main" id="{43D02B90-D40E-41A4-9E94-DC4854CFE2D2}"/>
+              </a:ext>
+            </a:extLst>
+          </p:cNvPr>
+          <p:cNvCxnSpPr/>
           <p:nvPr/>
-        </p:nvSpPr>
+        </p:nvCxnSpPr>
         <p:spPr>
           <a:xfrm>
-            <a:off x="9670317" y="2995601"/>
-            <a:ext cx="2137384" cy="646331"/>
+            <a:off x="790112" y="3373237"/>
+            <a:ext cx="4651899" cy="0"/>
           </a:xfrm>
-          <a:prstGeom prst="rect">
+          <a:prstGeom prst="line">
             <a:avLst/>
           </a:prstGeom>
-          <a:noFill/>
         </p:spPr>
-        <p:txBody>
-          <a:bodyPr wrap="square" rtlCol="0">
-            <a:spAutoFit/>
-          </a:bodyPr>
-          <a:lstStyle/>
-          <a:p>
-            <a:r>
-              <a:rPr lang="nl-NL" dirty="0"/>
-              <a:t>Learning </a:t>
-            </a:r>
-            <a:r>
-              <a:rPr lang="nl-NL" dirty="0" err="1"/>
-              <a:t>rate</a:t>
-            </a:r>
-            <a:r>
-              <a:rPr lang="nl-NL" dirty="0"/>
-              <a:t> 1e-4</a:t>
-            </a:r>
-          </a:p>
-          <a:p>
-            <a:endParaRPr lang="nl-NL" dirty="0"/>
-          </a:p>
-        </p:txBody>
-      </p:sp>
+        <p:style>
+          <a:lnRef idx="1">
+            <a:schemeClr val="accent1"/>
+          </a:lnRef>
+          <a:fillRef idx="0">
+            <a:schemeClr val="accent1"/>
+          </a:fillRef>
+          <a:effectRef idx="0">
+            <a:schemeClr val="accent1"/>
+          </a:effectRef>
+          <a:fontRef idx="minor">
+            <a:schemeClr val="tx1"/>
+          </a:fontRef>
+        </p:style>
+      </p:cxnSp>
+      <p:cxnSp>
+        <p:nvCxnSpPr>
+          <p:cNvPr id="27" name="Rechte verbindingslijn 26">
+            <a:extLst>
+              <a:ext uri="{FF2B5EF4-FFF2-40B4-BE49-F238E27FC236}">
+                <a16:creationId xmlns:a16="http://schemas.microsoft.com/office/drawing/2014/main" id="{7F5766E4-A888-4030-A97B-85A6EB58D4EA}"/>
+              </a:ext>
+            </a:extLst>
+          </p:cNvPr>
+          <p:cNvCxnSpPr/>
+          <p:nvPr/>
+        </p:nvCxnSpPr>
+        <p:spPr>
+          <a:xfrm>
+            <a:off x="6826929" y="5114562"/>
+            <a:ext cx="4651899" cy="0"/>
+          </a:xfrm>
+          <a:prstGeom prst="line">
+            <a:avLst/>
+          </a:prstGeom>
+        </p:spPr>
+        <p:style>
+          <a:lnRef idx="1">
+            <a:schemeClr val="accent1"/>
+          </a:lnRef>
+          <a:fillRef idx="0">
+            <a:schemeClr val="accent1"/>
+          </a:fillRef>
+          <a:effectRef idx="0">
+            <a:schemeClr val="accent1"/>
+          </a:effectRef>
+          <a:fontRef idx="minor">
+            <a:schemeClr val="tx1"/>
+          </a:fontRef>
+        </p:style>
+      </p:cxnSp>
     </p:spTree>
     <p:extLst>
       <p:ext uri="{BB962C8B-B14F-4D97-AF65-F5344CB8AC3E}">

--- a/Poster/Poster draft 1.pptx
+++ b/Poster/Poster draft 1.pptx
@@ -4,6 +4,9 @@
   <p:sldMasterIdLst>
     <p:sldMasterId id="2147483648" r:id="rId1"/>
   </p:sldMasterIdLst>
+  <p:notesMasterIdLst>
+    <p:notesMasterId r:id="rId3"/>
+  </p:notesMasterIdLst>
   <p:sldIdLst>
     <p:sldId id="257" r:id="rId2"/>
   </p:sldIdLst>
@@ -123,6 +126,1506 @@
 </p:presentation>
 </file>
 
+<file path=ppt/commentAuthors.xml><?xml version="1.0" encoding="utf-8"?>
+<p:cmAuthorLst xmlns:a="http://schemas.openxmlformats.org/drawingml/2006/main" xmlns:r="http://schemas.openxmlformats.org/officeDocument/2006/relationships" xmlns:p="http://schemas.openxmlformats.org/presentationml/2006/main">
+  <p:cmAuthor id="1" name="Elin Dijkstra" initials="ED" lastIdx="1" clrIdx="0">
+    <p:extLst>
+      <p:ext uri="{19B8F6BF-5375-455C-9EA6-DF929625EA0E}">
+        <p15:presenceInfo xmlns:p15="http://schemas.microsoft.com/office/powerpoint/2012/main" userId="59c4f52ef286cd9d" providerId="Windows Live"/>
+      </p:ext>
+    </p:extLst>
+  </p:cmAuthor>
+</p:cmAuthorLst>
+</file>
+
+<file path=ppt/notesMasters/notesMaster1.xml><?xml version="1.0" encoding="utf-8"?>
+<p:notesMaster xmlns:a="http://schemas.openxmlformats.org/drawingml/2006/main" xmlns:r="http://schemas.openxmlformats.org/officeDocument/2006/relationships" xmlns:p="http://schemas.openxmlformats.org/presentationml/2006/main">
+  <p:cSld>
+    <p:bg>
+      <p:bgRef idx="1001">
+        <a:schemeClr val="bg1"/>
+      </p:bgRef>
+    </p:bg>
+    <p:spTree>
+      <p:nvGrpSpPr>
+        <p:cNvPr id="1" name=""/>
+        <p:cNvGrpSpPr/>
+        <p:nvPr/>
+      </p:nvGrpSpPr>
+      <p:grpSpPr>
+        <a:xfrm>
+          <a:off x="0" y="0"/>
+          <a:ext cx="0" cy="0"/>
+          <a:chOff x="0" y="0"/>
+          <a:chExt cx="0" cy="0"/>
+        </a:xfrm>
+      </p:grpSpPr>
+      <p:sp>
+        <p:nvSpPr>
+          <p:cNvPr id="2" name="Tijdelijke aanduiding voor koptekst 1"/>
+          <p:cNvSpPr>
+            <a:spLocks noGrp="1"/>
+          </p:cNvSpPr>
+          <p:nvPr>
+            <p:ph type="hdr" sz="quarter"/>
+          </p:nvPr>
+        </p:nvSpPr>
+        <p:spPr>
+          <a:xfrm>
+            <a:off x="0" y="0"/>
+            <a:ext cx="2971800" cy="458788"/>
+          </a:xfrm>
+          <a:prstGeom prst="rect">
+            <a:avLst/>
+          </a:prstGeom>
+        </p:spPr>
+        <p:txBody>
+          <a:bodyPr vert="horz" lIns="91440" tIns="45720" rIns="91440" bIns="45720" rtlCol="0"/>
+          <a:lstStyle>
+            <a:lvl1pPr algn="l">
+              <a:defRPr sz="1200"/>
+            </a:lvl1pPr>
+          </a:lstStyle>
+          <a:p>
+            <a:endParaRPr lang="nl-NL"/>
+          </a:p>
+        </p:txBody>
+      </p:sp>
+      <p:sp>
+        <p:nvSpPr>
+          <p:cNvPr id="3" name="Tijdelijke aanduiding voor datum 2"/>
+          <p:cNvSpPr>
+            <a:spLocks noGrp="1"/>
+          </p:cNvSpPr>
+          <p:nvPr>
+            <p:ph type="dt" idx="1"/>
+          </p:nvPr>
+        </p:nvSpPr>
+        <p:spPr>
+          <a:xfrm>
+            <a:off x="3884613" y="0"/>
+            <a:ext cx="2971800" cy="458788"/>
+          </a:xfrm>
+          <a:prstGeom prst="rect">
+            <a:avLst/>
+          </a:prstGeom>
+        </p:spPr>
+        <p:txBody>
+          <a:bodyPr vert="horz" lIns="91440" tIns="45720" rIns="91440" bIns="45720" rtlCol="0"/>
+          <a:lstStyle>
+            <a:lvl1pPr algn="r">
+              <a:defRPr sz="1200"/>
+            </a:lvl1pPr>
+          </a:lstStyle>
+          <a:p>
+            <a:fld id="{C1349A2E-81A5-4D98-9D5E-DF4A1B97BBE5}" type="datetimeFigureOut">
+              <a:rPr lang="nl-NL" smtClean="0"/>
+              <a:t>22-5-2019</a:t>
+            </a:fld>
+            <a:endParaRPr lang="nl-NL"/>
+          </a:p>
+        </p:txBody>
+      </p:sp>
+      <p:sp>
+        <p:nvSpPr>
+          <p:cNvPr id="4" name="Tijdelijke aanduiding voor dia-afbeelding 3"/>
+          <p:cNvSpPr>
+            <a:spLocks noGrp="1" noRot="1" noChangeAspect="1"/>
+          </p:cNvSpPr>
+          <p:nvPr>
+            <p:ph type="sldImg" idx="2"/>
+          </p:nvPr>
+        </p:nvSpPr>
+        <p:spPr>
+          <a:xfrm>
+            <a:off x="685800" y="1143000"/>
+            <a:ext cx="5486400" cy="3086100"/>
+          </a:xfrm>
+          <a:prstGeom prst="rect">
+            <a:avLst/>
+          </a:prstGeom>
+          <a:noFill/>
+          <a:ln w="12700">
+            <a:solidFill>
+              <a:prstClr val="black"/>
+            </a:solidFill>
+          </a:ln>
+        </p:spPr>
+        <p:txBody>
+          <a:bodyPr vert="horz" lIns="91440" tIns="45720" rIns="91440" bIns="45720" rtlCol="0" anchor="ctr"/>
+          <a:lstStyle/>
+          <a:p>
+            <a:endParaRPr lang="nl-NL"/>
+          </a:p>
+        </p:txBody>
+      </p:sp>
+      <p:sp>
+        <p:nvSpPr>
+          <p:cNvPr id="5" name="Tijdelijke aanduiding voor notities 4"/>
+          <p:cNvSpPr>
+            <a:spLocks noGrp="1"/>
+          </p:cNvSpPr>
+          <p:nvPr>
+            <p:ph type="body" sz="quarter" idx="3"/>
+          </p:nvPr>
+        </p:nvSpPr>
+        <p:spPr>
+          <a:xfrm>
+            <a:off x="685800" y="4400550"/>
+            <a:ext cx="5486400" cy="3600450"/>
+          </a:xfrm>
+          <a:prstGeom prst="rect">
+            <a:avLst/>
+          </a:prstGeom>
+        </p:spPr>
+        <p:txBody>
+          <a:bodyPr vert="horz" lIns="91440" tIns="45720" rIns="91440" bIns="45720" rtlCol="0"/>
+          <a:lstStyle/>
+          <a:p>
+            <a:pPr lvl="0"/>
+            <a:r>
+              <a:rPr lang="nl-NL"/>
+              <a:t>Tekststijl van het model bewerken</a:t>
+            </a:r>
+          </a:p>
+          <a:p>
+            <a:pPr lvl="1"/>
+            <a:r>
+              <a:rPr lang="nl-NL"/>
+              <a:t>Tweede niveau</a:t>
+            </a:r>
+          </a:p>
+          <a:p>
+            <a:pPr lvl="2"/>
+            <a:r>
+              <a:rPr lang="nl-NL"/>
+              <a:t>Derde niveau</a:t>
+            </a:r>
+          </a:p>
+          <a:p>
+            <a:pPr lvl="3"/>
+            <a:r>
+              <a:rPr lang="nl-NL"/>
+              <a:t>Vierde niveau</a:t>
+            </a:r>
+          </a:p>
+          <a:p>
+            <a:pPr lvl="4"/>
+            <a:r>
+              <a:rPr lang="nl-NL"/>
+              <a:t>Vijfde niveau</a:t>
+            </a:r>
+          </a:p>
+        </p:txBody>
+      </p:sp>
+      <p:sp>
+        <p:nvSpPr>
+          <p:cNvPr id="6" name="Tijdelijke aanduiding voor voettekst 5"/>
+          <p:cNvSpPr>
+            <a:spLocks noGrp="1"/>
+          </p:cNvSpPr>
+          <p:nvPr>
+            <p:ph type="ftr" sz="quarter" idx="4"/>
+          </p:nvPr>
+        </p:nvSpPr>
+        <p:spPr>
+          <a:xfrm>
+            <a:off x="0" y="8685213"/>
+            <a:ext cx="2971800" cy="458787"/>
+          </a:xfrm>
+          <a:prstGeom prst="rect">
+            <a:avLst/>
+          </a:prstGeom>
+        </p:spPr>
+        <p:txBody>
+          <a:bodyPr vert="horz" lIns="91440" tIns="45720" rIns="91440" bIns="45720" rtlCol="0" anchor="b"/>
+          <a:lstStyle>
+            <a:lvl1pPr algn="l">
+              <a:defRPr sz="1200"/>
+            </a:lvl1pPr>
+          </a:lstStyle>
+          <a:p>
+            <a:endParaRPr lang="nl-NL"/>
+          </a:p>
+        </p:txBody>
+      </p:sp>
+      <p:sp>
+        <p:nvSpPr>
+          <p:cNvPr id="7" name="Tijdelijke aanduiding voor dianummer 6"/>
+          <p:cNvSpPr>
+            <a:spLocks noGrp="1"/>
+          </p:cNvSpPr>
+          <p:nvPr>
+            <p:ph type="sldNum" sz="quarter" idx="5"/>
+          </p:nvPr>
+        </p:nvSpPr>
+        <p:spPr>
+          <a:xfrm>
+            <a:off x="3884613" y="8685213"/>
+            <a:ext cx="2971800" cy="458787"/>
+          </a:xfrm>
+          <a:prstGeom prst="rect">
+            <a:avLst/>
+          </a:prstGeom>
+        </p:spPr>
+        <p:txBody>
+          <a:bodyPr vert="horz" lIns="91440" tIns="45720" rIns="91440" bIns="45720" rtlCol="0" anchor="b"/>
+          <a:lstStyle>
+            <a:lvl1pPr algn="r">
+              <a:defRPr sz="1200"/>
+            </a:lvl1pPr>
+          </a:lstStyle>
+          <a:p>
+            <a:fld id="{B746AC46-584C-4360-998D-47F5001360A1}" type="slidenum">
+              <a:rPr lang="nl-NL" smtClean="0"/>
+              <a:t>‹nr.›</a:t>
+            </a:fld>
+            <a:endParaRPr lang="nl-NL"/>
+          </a:p>
+        </p:txBody>
+      </p:sp>
+    </p:spTree>
+    <p:extLst>
+      <p:ext uri="{BB962C8B-B14F-4D97-AF65-F5344CB8AC3E}">
+        <p14:creationId xmlns:p14="http://schemas.microsoft.com/office/powerpoint/2010/main" val="598154921"/>
+      </p:ext>
+    </p:extLst>
+  </p:cSld>
+  <p:clrMap bg1="lt1" tx1="dk1" bg2="lt2" tx2="dk2" accent1="accent1" accent2="accent2" accent3="accent3" accent4="accent4" accent5="accent5" accent6="accent6" hlink="hlink" folHlink="folHlink"/>
+  <p:notesStyle>
+    <a:lvl1pPr marL="0" algn="l" defTabSz="914400" rtl="0" eaLnBrk="1" latinLnBrk="0" hangingPunct="1">
+      <a:defRPr sz="1200" kern="1200">
+        <a:solidFill>
+          <a:schemeClr val="tx1"/>
+        </a:solidFill>
+        <a:latin typeface="+mn-lt"/>
+        <a:ea typeface="+mn-ea"/>
+        <a:cs typeface="+mn-cs"/>
+      </a:defRPr>
+    </a:lvl1pPr>
+    <a:lvl2pPr marL="457200" algn="l" defTabSz="914400" rtl="0" eaLnBrk="1" latinLnBrk="0" hangingPunct="1">
+      <a:defRPr sz="1200" kern="1200">
+        <a:solidFill>
+          <a:schemeClr val="tx1"/>
+        </a:solidFill>
+        <a:latin typeface="+mn-lt"/>
+        <a:ea typeface="+mn-ea"/>
+        <a:cs typeface="+mn-cs"/>
+      </a:defRPr>
+    </a:lvl2pPr>
+    <a:lvl3pPr marL="914400" algn="l" defTabSz="914400" rtl="0" eaLnBrk="1" latinLnBrk="0" hangingPunct="1">
+      <a:defRPr sz="1200" kern="1200">
+        <a:solidFill>
+          <a:schemeClr val="tx1"/>
+        </a:solidFill>
+        <a:latin typeface="+mn-lt"/>
+        <a:ea typeface="+mn-ea"/>
+        <a:cs typeface="+mn-cs"/>
+      </a:defRPr>
+    </a:lvl3pPr>
+    <a:lvl4pPr marL="1371600" algn="l" defTabSz="914400" rtl="0" eaLnBrk="1" latinLnBrk="0" hangingPunct="1">
+      <a:defRPr sz="1200" kern="1200">
+        <a:solidFill>
+          <a:schemeClr val="tx1"/>
+        </a:solidFill>
+        <a:latin typeface="+mn-lt"/>
+        <a:ea typeface="+mn-ea"/>
+        <a:cs typeface="+mn-cs"/>
+      </a:defRPr>
+    </a:lvl4pPr>
+    <a:lvl5pPr marL="1828800" algn="l" defTabSz="914400" rtl="0" eaLnBrk="1" latinLnBrk="0" hangingPunct="1">
+      <a:defRPr sz="1200" kern="1200">
+        <a:solidFill>
+          <a:schemeClr val="tx1"/>
+        </a:solidFill>
+        <a:latin typeface="+mn-lt"/>
+        <a:ea typeface="+mn-ea"/>
+        <a:cs typeface="+mn-cs"/>
+      </a:defRPr>
+    </a:lvl5pPr>
+    <a:lvl6pPr marL="2286000" algn="l" defTabSz="914400" rtl="0" eaLnBrk="1" latinLnBrk="0" hangingPunct="1">
+      <a:defRPr sz="1200" kern="1200">
+        <a:solidFill>
+          <a:schemeClr val="tx1"/>
+        </a:solidFill>
+        <a:latin typeface="+mn-lt"/>
+        <a:ea typeface="+mn-ea"/>
+        <a:cs typeface="+mn-cs"/>
+      </a:defRPr>
+    </a:lvl6pPr>
+    <a:lvl7pPr marL="2743200" algn="l" defTabSz="914400" rtl="0" eaLnBrk="1" latinLnBrk="0" hangingPunct="1">
+      <a:defRPr sz="1200" kern="1200">
+        <a:solidFill>
+          <a:schemeClr val="tx1"/>
+        </a:solidFill>
+        <a:latin typeface="+mn-lt"/>
+        <a:ea typeface="+mn-ea"/>
+        <a:cs typeface="+mn-cs"/>
+      </a:defRPr>
+    </a:lvl7pPr>
+    <a:lvl8pPr marL="3200400" algn="l" defTabSz="914400" rtl="0" eaLnBrk="1" latinLnBrk="0" hangingPunct="1">
+      <a:defRPr sz="1200" kern="1200">
+        <a:solidFill>
+          <a:schemeClr val="tx1"/>
+        </a:solidFill>
+        <a:latin typeface="+mn-lt"/>
+        <a:ea typeface="+mn-ea"/>
+        <a:cs typeface="+mn-cs"/>
+      </a:defRPr>
+    </a:lvl8pPr>
+    <a:lvl9pPr marL="3657600" algn="l" defTabSz="914400" rtl="0" eaLnBrk="1" latinLnBrk="0" hangingPunct="1">
+      <a:defRPr sz="1200" kern="1200">
+        <a:solidFill>
+          <a:schemeClr val="tx1"/>
+        </a:solidFill>
+        <a:latin typeface="+mn-lt"/>
+        <a:ea typeface="+mn-ea"/>
+        <a:cs typeface="+mn-cs"/>
+      </a:defRPr>
+    </a:lvl9pPr>
+  </p:notesStyle>
+</p:notesMaster>
+</file>
+
+<file path=ppt/notesSlides/notesSlide1.xml><?xml version="1.0" encoding="utf-8"?>
+<p:notes xmlns:a="http://schemas.openxmlformats.org/drawingml/2006/main" xmlns:r="http://schemas.openxmlformats.org/officeDocument/2006/relationships" xmlns:p="http://schemas.openxmlformats.org/presentationml/2006/main">
+  <p:cSld>
+    <p:spTree>
+      <p:nvGrpSpPr>
+        <p:cNvPr id="1" name=""/>
+        <p:cNvGrpSpPr/>
+        <p:nvPr/>
+      </p:nvGrpSpPr>
+      <p:grpSpPr>
+        <a:xfrm>
+          <a:off x="0" y="0"/>
+          <a:ext cx="0" cy="0"/>
+          <a:chOff x="0" y="0"/>
+          <a:chExt cx="0" cy="0"/>
+        </a:xfrm>
+      </p:grpSpPr>
+      <p:sp>
+        <p:nvSpPr>
+          <p:cNvPr id="2" name="Tijdelijke aanduiding voor dia-afbeelding 1"/>
+          <p:cNvSpPr>
+            <a:spLocks noGrp="1" noRot="1" noChangeAspect="1"/>
+          </p:cNvSpPr>
+          <p:nvPr>
+            <p:ph type="sldImg"/>
+          </p:nvPr>
+        </p:nvSpPr>
+        <p:spPr/>
+      </p:sp>
+      <p:sp>
+        <p:nvSpPr>
+          <p:cNvPr id="3" name="Tijdelijke aanduiding voor notities 2"/>
+          <p:cNvSpPr>
+            <a:spLocks noGrp="1"/>
+          </p:cNvSpPr>
+          <p:nvPr>
+            <p:ph type="body" idx="1"/>
+          </p:nvPr>
+        </p:nvSpPr>
+        <p:spPr/>
+        <p:txBody>
+          <a:bodyPr/>
+          <a:lstStyle/>
+          <a:p>
+            <a:r>
+              <a:rPr lang="nl-NL" b="1" dirty="0" err="1"/>
+              <a:t>Introduction</a:t>
+            </a:r>
+            <a:r>
+              <a:rPr lang="nl-NL" b="1" dirty="0"/>
+              <a:t> (Louis):</a:t>
+            </a:r>
+          </a:p>
+          <a:p>
+            <a:endParaRPr lang="nl-NL" dirty="0"/>
+          </a:p>
+          <a:p>
+            <a:r>
+              <a:rPr lang="nl-NL" dirty="0" err="1"/>
+              <a:t>Why</a:t>
+            </a:r>
+            <a:r>
+              <a:rPr lang="nl-NL" dirty="0"/>
+              <a:t> </a:t>
+            </a:r>
+            <a:r>
+              <a:rPr lang="nl-NL" dirty="0" err="1"/>
+              <a:t>choose</a:t>
+            </a:r>
+            <a:r>
+              <a:rPr lang="nl-NL" dirty="0"/>
+              <a:t> </a:t>
+            </a:r>
+            <a:r>
+              <a:rPr lang="nl-NL" dirty="0" err="1"/>
+              <a:t>this</a:t>
+            </a:r>
+            <a:r>
+              <a:rPr lang="nl-NL" dirty="0"/>
+              <a:t> project? </a:t>
+            </a:r>
+          </a:p>
+          <a:p>
+            <a:pPr marL="171450" indent="-171450">
+              <a:buFontTx/>
+              <a:buChar char="-"/>
+            </a:pPr>
+            <a:r>
+              <a:rPr lang="nl-NL" dirty="0" err="1"/>
+              <a:t>Reinforcement</a:t>
+            </a:r>
+            <a:r>
+              <a:rPr lang="nl-NL" dirty="0"/>
+              <a:t> </a:t>
+            </a:r>
+            <a:r>
+              <a:rPr lang="nl-NL" dirty="0" err="1"/>
+              <a:t>learning</a:t>
+            </a:r>
+            <a:r>
+              <a:rPr lang="nl-NL" dirty="0"/>
+              <a:t> is COOL. </a:t>
+            </a:r>
+          </a:p>
+          <a:p>
+            <a:pPr marL="171450" indent="-171450">
+              <a:buFontTx/>
+              <a:buChar char="-"/>
+            </a:pPr>
+            <a:r>
+              <a:rPr lang="nl-NL" dirty="0" err="1"/>
+              <a:t>Not</a:t>
+            </a:r>
+            <a:r>
+              <a:rPr lang="nl-NL" dirty="0"/>
+              <a:t> </a:t>
+            </a:r>
+            <a:r>
+              <a:rPr lang="nl-NL" dirty="0" err="1"/>
+              <a:t>supervised</a:t>
+            </a:r>
+            <a:r>
+              <a:rPr lang="nl-NL" dirty="0"/>
+              <a:t> or </a:t>
+            </a:r>
+            <a:r>
+              <a:rPr lang="nl-NL" dirty="0" err="1"/>
+              <a:t>unsupervised</a:t>
+            </a:r>
+            <a:r>
+              <a:rPr lang="nl-NL" dirty="0"/>
+              <a:t>. RL: </a:t>
+            </a:r>
+            <a:r>
+              <a:rPr lang="nl-NL" dirty="0" err="1"/>
+              <a:t>reward</a:t>
+            </a:r>
+            <a:r>
+              <a:rPr lang="nl-NL" dirty="0"/>
+              <a:t> </a:t>
+            </a:r>
+            <a:r>
+              <a:rPr lang="nl-NL" dirty="0" err="1"/>
+              <a:t>signal</a:t>
+            </a:r>
+            <a:endParaRPr lang="nl-NL" dirty="0"/>
+          </a:p>
+          <a:p>
+            <a:pPr marL="171450" indent="-171450">
+              <a:buFontTx/>
+              <a:buChar char="-"/>
+            </a:pPr>
+            <a:r>
+              <a:rPr lang="nl-NL" dirty="0" err="1"/>
+              <a:t>Biology</a:t>
+            </a:r>
+            <a:r>
+              <a:rPr lang="nl-NL" dirty="0"/>
+              <a:t> </a:t>
+            </a:r>
+            <a:r>
+              <a:rPr lang="nl-NL" dirty="0" err="1"/>
+              <a:t>inspired</a:t>
+            </a:r>
+            <a:endParaRPr lang="nl-NL" dirty="0"/>
+          </a:p>
+          <a:p>
+            <a:pPr marL="171450" indent="-171450">
+              <a:buFontTx/>
+              <a:buChar char="-"/>
+            </a:pPr>
+            <a:endParaRPr lang="nl-NL" dirty="0"/>
+          </a:p>
+          <a:p>
+            <a:pPr marL="0" indent="0">
+              <a:buFontTx/>
+              <a:buNone/>
+            </a:pPr>
+            <a:r>
+              <a:rPr lang="nl-NL" dirty="0" err="1"/>
+              <a:t>ViZDoom</a:t>
+            </a:r>
+            <a:endParaRPr lang="nl-NL" dirty="0"/>
+          </a:p>
+          <a:p>
+            <a:pPr marL="171450" indent="-171450">
+              <a:buFontTx/>
+              <a:buChar char="-"/>
+            </a:pPr>
+            <a:r>
+              <a:rPr lang="nl-NL" dirty="0" err="1"/>
+              <a:t>Partial</a:t>
+            </a:r>
+            <a:r>
+              <a:rPr lang="nl-NL" dirty="0"/>
+              <a:t> </a:t>
+            </a:r>
+            <a:r>
+              <a:rPr lang="nl-NL" dirty="0" err="1"/>
+              <a:t>observable</a:t>
+            </a:r>
+            <a:r>
+              <a:rPr lang="nl-NL" dirty="0"/>
+              <a:t>, semi </a:t>
+            </a:r>
+            <a:r>
+              <a:rPr lang="nl-NL" dirty="0" err="1"/>
+              <a:t>realistic</a:t>
+            </a:r>
+            <a:r>
+              <a:rPr lang="nl-NL" dirty="0"/>
+              <a:t>, first person</a:t>
+            </a:r>
+          </a:p>
+          <a:p>
+            <a:pPr marL="171450" indent="-171450">
+              <a:buFontTx/>
+              <a:buChar char="-"/>
+            </a:pPr>
+            <a:r>
+              <a:rPr lang="nl-NL" dirty="0" err="1"/>
+              <a:t>Lightweight</a:t>
+            </a:r>
+            <a:r>
+              <a:rPr lang="nl-NL" dirty="0"/>
+              <a:t> </a:t>
+            </a:r>
+            <a:r>
+              <a:rPr lang="nl-NL" dirty="0" err="1"/>
+              <a:t>and</a:t>
+            </a:r>
+            <a:r>
+              <a:rPr lang="nl-NL" dirty="0"/>
+              <a:t> </a:t>
+            </a:r>
+            <a:r>
+              <a:rPr lang="nl-NL" dirty="0" err="1"/>
+              <a:t>fast</a:t>
+            </a:r>
+            <a:endParaRPr lang="nl-NL" dirty="0"/>
+          </a:p>
+          <a:p>
+            <a:pPr marL="171450" indent="-171450">
+              <a:buFontTx/>
+              <a:buChar char="-"/>
+            </a:pPr>
+            <a:r>
+              <a:rPr lang="nl-NL" dirty="0"/>
+              <a:t>High </a:t>
+            </a:r>
+            <a:r>
+              <a:rPr lang="nl-NL" dirty="0" err="1"/>
+              <a:t>customizable</a:t>
+            </a:r>
+            <a:endParaRPr lang="nl-NL" dirty="0"/>
+          </a:p>
+          <a:p>
+            <a:pPr marL="171450" indent="-171450">
+              <a:buFontTx/>
+              <a:buChar char="-"/>
+            </a:pPr>
+            <a:r>
+              <a:rPr lang="nl-NL" dirty="0" err="1"/>
+              <a:t>Interesting</a:t>
+            </a:r>
+            <a:r>
+              <a:rPr lang="nl-NL" dirty="0"/>
+              <a:t> </a:t>
+            </a:r>
+            <a:r>
+              <a:rPr lang="nl-NL" dirty="0" err="1"/>
+              <a:t>since</a:t>
+            </a:r>
+            <a:r>
+              <a:rPr lang="nl-NL" dirty="0"/>
+              <a:t> </a:t>
+            </a:r>
+            <a:r>
+              <a:rPr lang="nl-NL" dirty="0" err="1"/>
+              <a:t>sparse</a:t>
+            </a:r>
+            <a:r>
+              <a:rPr lang="nl-NL" dirty="0"/>
+              <a:t>/ </a:t>
+            </a:r>
+            <a:r>
+              <a:rPr lang="nl-NL" dirty="0" err="1"/>
+              <a:t>delayed</a:t>
+            </a:r>
+            <a:r>
+              <a:rPr lang="nl-NL" dirty="0"/>
+              <a:t> </a:t>
+            </a:r>
+            <a:r>
+              <a:rPr lang="nl-NL" dirty="0" err="1"/>
+              <a:t>reward</a:t>
+            </a:r>
+            <a:endParaRPr lang="nl-NL" dirty="0"/>
+          </a:p>
+          <a:p>
+            <a:pPr marL="171450" indent="-171450">
+              <a:buFontTx/>
+              <a:buChar char="-"/>
+            </a:pPr>
+            <a:r>
+              <a:rPr lang="nl-NL" dirty="0"/>
+              <a:t>Credit </a:t>
+            </a:r>
+            <a:r>
+              <a:rPr lang="nl-NL" dirty="0" err="1"/>
+              <a:t>Tue</a:t>
+            </a:r>
+            <a:endParaRPr lang="nl-NL" dirty="0"/>
+          </a:p>
+          <a:p>
+            <a:pPr marL="171450" indent="-171450">
+              <a:buFontTx/>
+              <a:buChar char="-"/>
+            </a:pPr>
+            <a:r>
+              <a:rPr lang="nl-NL" dirty="0"/>
+              <a:t>Research community, AI </a:t>
+            </a:r>
+            <a:r>
+              <a:rPr lang="nl-NL" dirty="0" err="1"/>
+              <a:t>competition</a:t>
+            </a:r>
+            <a:endParaRPr lang="nl-NL" dirty="0"/>
+          </a:p>
+          <a:p>
+            <a:pPr marL="171450" indent="-171450">
+              <a:buFontTx/>
+              <a:buChar char="-"/>
+            </a:pPr>
+            <a:endParaRPr lang="nl-NL" dirty="0"/>
+          </a:p>
+          <a:p>
+            <a:pPr marL="0" marR="0" lvl="0" indent="0" algn="l" defTabSz="914400" rtl="0" eaLnBrk="1" fontAlgn="auto" latinLnBrk="0" hangingPunct="1">
+              <a:lnSpc>
+                <a:spcPct val="100000"/>
+              </a:lnSpc>
+              <a:spcBef>
+                <a:spcPts val="0"/>
+              </a:spcBef>
+              <a:spcAft>
+                <a:spcPts val="0"/>
+              </a:spcAft>
+              <a:buClrTx/>
+              <a:buSzTx/>
+              <a:buFontTx/>
+              <a:buNone/>
+              <a:tabLst/>
+              <a:defRPr/>
+            </a:pPr>
+            <a:r>
+              <a:rPr lang="nl-NL" dirty="0"/>
+              <a:t>General </a:t>
+            </a:r>
+            <a:r>
+              <a:rPr lang="nl-NL" dirty="0" err="1"/>
+              <a:t>Reinforcement</a:t>
+            </a:r>
+            <a:r>
+              <a:rPr lang="nl-NL" dirty="0"/>
+              <a:t> </a:t>
+            </a:r>
+            <a:r>
+              <a:rPr lang="nl-NL" dirty="0" err="1"/>
+              <a:t>learning</a:t>
+            </a:r>
+            <a:endParaRPr lang="nl-NL" dirty="0"/>
+          </a:p>
+          <a:p>
+            <a:pPr marL="171450" indent="-171450">
+              <a:buFontTx/>
+              <a:buChar char="-"/>
+            </a:pPr>
+            <a:r>
+              <a:rPr lang="nl-NL" dirty="0" err="1"/>
+              <a:t>States</a:t>
+            </a:r>
+            <a:r>
+              <a:rPr lang="nl-NL" dirty="0"/>
+              <a:t> bla </a:t>
+            </a:r>
+            <a:r>
+              <a:rPr lang="nl-NL" dirty="0" err="1"/>
+              <a:t>bla</a:t>
+            </a:r>
+            <a:endParaRPr lang="nl-NL" dirty="0"/>
+          </a:p>
+          <a:p>
+            <a:pPr marL="171450" indent="-171450">
+              <a:buFontTx/>
+              <a:buChar char="-"/>
+            </a:pPr>
+            <a:r>
+              <a:rPr lang="nl-NL" dirty="0" err="1"/>
+              <a:t>Other</a:t>
+            </a:r>
+            <a:r>
+              <a:rPr lang="nl-NL" dirty="0"/>
+              <a:t> </a:t>
+            </a:r>
+            <a:r>
+              <a:rPr lang="nl-NL" dirty="0" err="1"/>
+              <a:t>algorithms</a:t>
+            </a:r>
+            <a:r>
+              <a:rPr lang="nl-NL" dirty="0"/>
+              <a:t> </a:t>
+            </a:r>
+            <a:r>
+              <a:rPr lang="nl-NL" dirty="0" err="1"/>
+              <a:t>depend</a:t>
+            </a:r>
+            <a:r>
+              <a:rPr lang="nl-NL" dirty="0"/>
+              <a:t> on </a:t>
+            </a:r>
+            <a:r>
+              <a:rPr lang="nl-NL" dirty="0" err="1"/>
+              <a:t>experience</a:t>
+            </a:r>
+            <a:r>
+              <a:rPr lang="nl-NL" dirty="0"/>
+              <a:t> replay</a:t>
+            </a:r>
+          </a:p>
+          <a:p>
+            <a:pPr marL="171450" indent="-171450">
+              <a:buFontTx/>
+              <a:buChar char="-"/>
+            </a:pPr>
+            <a:r>
+              <a:rPr lang="nl-NL" dirty="0" err="1"/>
+              <a:t>Outline</a:t>
+            </a:r>
+            <a:r>
+              <a:rPr lang="nl-NL" dirty="0"/>
+              <a:t> </a:t>
+            </a:r>
+            <a:r>
+              <a:rPr lang="nl-NL" dirty="0" err="1"/>
+              <a:t>structure</a:t>
+            </a:r>
+            <a:r>
+              <a:rPr lang="nl-NL" dirty="0"/>
+              <a:t> </a:t>
+            </a:r>
+            <a:r>
+              <a:rPr lang="nl-NL" dirty="0" err="1"/>
+              <a:t>presentation</a:t>
+            </a:r>
+            <a:endParaRPr lang="nl-NL" dirty="0"/>
+          </a:p>
+          <a:p>
+            <a:pPr marL="171450" indent="-171450">
+              <a:buFontTx/>
+              <a:buChar char="-"/>
+            </a:pPr>
+            <a:endParaRPr lang="nl-NL" b="1" dirty="0"/>
+          </a:p>
+          <a:p>
+            <a:pPr marL="0" indent="0">
+              <a:buFontTx/>
+              <a:buNone/>
+            </a:pPr>
+            <a:r>
+              <a:rPr lang="nl-NL" b="1" dirty="0" err="1"/>
+              <a:t>Our</a:t>
+            </a:r>
+            <a:r>
+              <a:rPr lang="nl-NL" b="1" dirty="0"/>
+              <a:t> </a:t>
+            </a:r>
+            <a:r>
+              <a:rPr lang="nl-NL" b="1" dirty="0" err="1"/>
+              <a:t>algorithm</a:t>
+            </a:r>
+            <a:r>
+              <a:rPr lang="nl-NL" b="1" dirty="0"/>
+              <a:t> (Tobias)</a:t>
+            </a:r>
+          </a:p>
+          <a:p>
+            <a:pPr marL="0" indent="0">
+              <a:buFontTx/>
+              <a:buNone/>
+            </a:pPr>
+            <a:endParaRPr lang="nl-NL" dirty="0"/>
+          </a:p>
+          <a:p>
+            <a:pPr marL="0" indent="0">
+              <a:buFontTx/>
+              <a:buNone/>
+            </a:pPr>
+            <a:r>
+              <a:rPr lang="nl-NL" dirty="0"/>
+              <a:t>General </a:t>
+            </a:r>
+            <a:r>
+              <a:rPr lang="nl-NL" dirty="0" err="1"/>
+              <a:t>outline</a:t>
+            </a:r>
+            <a:r>
+              <a:rPr lang="nl-NL" dirty="0"/>
+              <a:t> </a:t>
+            </a:r>
+            <a:r>
+              <a:rPr lang="nl-NL" dirty="0" err="1"/>
+              <a:t>figure</a:t>
+            </a:r>
+            <a:endParaRPr lang="nl-NL" dirty="0"/>
+          </a:p>
+          <a:p>
+            <a:pPr marL="171450" indent="-171450">
+              <a:buFontTx/>
+              <a:buChar char="-"/>
+            </a:pPr>
+            <a:r>
+              <a:rPr lang="nl-NL" dirty="0" err="1"/>
+              <a:t>Four</a:t>
+            </a:r>
+            <a:r>
+              <a:rPr lang="nl-NL" dirty="0"/>
+              <a:t> independent </a:t>
+            </a:r>
+            <a:r>
+              <a:rPr lang="nl-NL" dirty="0" err="1"/>
+              <a:t>agents</a:t>
+            </a:r>
+            <a:r>
+              <a:rPr lang="nl-NL" dirty="0"/>
+              <a:t>, </a:t>
+            </a:r>
+            <a:r>
+              <a:rPr lang="nl-NL" dirty="0" err="1"/>
+              <a:t>each</a:t>
+            </a:r>
+            <a:r>
+              <a:rPr lang="nl-NL" dirty="0"/>
+              <a:t> </a:t>
+            </a:r>
+            <a:r>
+              <a:rPr lang="nl-NL" dirty="0" err="1"/>
+              <a:t>own</a:t>
+            </a:r>
+            <a:r>
+              <a:rPr lang="nl-NL" dirty="0"/>
+              <a:t> copy of </a:t>
+            </a:r>
+            <a:r>
+              <a:rPr lang="nl-NL" dirty="0" err="1"/>
+              <a:t>enviroment</a:t>
+            </a:r>
+            <a:r>
+              <a:rPr lang="nl-NL" dirty="0"/>
+              <a:t> (</a:t>
+            </a:r>
+            <a:r>
+              <a:rPr lang="nl-NL" dirty="0" err="1"/>
+              <a:t>initially</a:t>
+            </a:r>
+            <a:r>
+              <a:rPr lang="nl-NL" dirty="0"/>
+              <a:t> </a:t>
+            </a:r>
+            <a:r>
+              <a:rPr lang="nl-NL" dirty="0" err="1"/>
+              <a:t>same</a:t>
+            </a:r>
+            <a:r>
+              <a:rPr lang="nl-NL" dirty="0"/>
+              <a:t> </a:t>
+            </a:r>
+            <a:r>
+              <a:rPr lang="nl-NL" dirty="0" err="1"/>
+              <a:t>enviroment</a:t>
+            </a:r>
+            <a:r>
+              <a:rPr lang="nl-NL" dirty="0"/>
+              <a:t>).</a:t>
+            </a:r>
+          </a:p>
+          <a:p>
+            <a:pPr marL="171450" indent="-171450">
+              <a:buFontTx/>
+              <a:buChar char="-"/>
+            </a:pPr>
+            <a:r>
+              <a:rPr lang="nl-NL" dirty="0" err="1"/>
+              <a:t>All</a:t>
+            </a:r>
+            <a:r>
+              <a:rPr lang="nl-NL" dirty="0"/>
+              <a:t> </a:t>
+            </a:r>
+            <a:r>
+              <a:rPr lang="nl-NL" dirty="0" err="1"/>
+              <a:t>gather</a:t>
+            </a:r>
+            <a:r>
+              <a:rPr lang="nl-NL" dirty="0"/>
+              <a:t> different </a:t>
+            </a:r>
+            <a:r>
+              <a:rPr lang="nl-NL" dirty="0" err="1"/>
+              <a:t>experience</a:t>
+            </a:r>
+            <a:endParaRPr lang="nl-NL" dirty="0"/>
+          </a:p>
+          <a:p>
+            <a:pPr marL="171450" indent="-171450">
+              <a:buFontTx/>
+              <a:buChar char="-"/>
+            </a:pPr>
+            <a:r>
+              <a:rPr lang="nl-NL" dirty="0"/>
+              <a:t>Lets zoom in on </a:t>
+            </a:r>
+            <a:r>
+              <a:rPr lang="nl-NL" dirty="0" err="1"/>
+              <a:t>what</a:t>
+            </a:r>
+            <a:r>
+              <a:rPr lang="nl-NL" dirty="0"/>
+              <a:t> </a:t>
+            </a:r>
+            <a:r>
+              <a:rPr lang="nl-NL" dirty="0" err="1"/>
+              <a:t>one</a:t>
+            </a:r>
+            <a:r>
+              <a:rPr lang="nl-NL" dirty="0"/>
+              <a:t> agent does</a:t>
+            </a:r>
+          </a:p>
+          <a:p>
+            <a:pPr marL="171450" indent="-171450">
+              <a:buFontTx/>
+              <a:buChar char="-"/>
+            </a:pPr>
+            <a:endParaRPr lang="nl-NL" dirty="0"/>
+          </a:p>
+          <a:p>
+            <a:pPr marL="0" indent="0">
+              <a:buFontTx/>
+              <a:buNone/>
+            </a:pPr>
+            <a:r>
+              <a:rPr lang="nl-NL" dirty="0" err="1"/>
+              <a:t>One</a:t>
+            </a:r>
+            <a:r>
+              <a:rPr lang="nl-NL" dirty="0"/>
+              <a:t> agent</a:t>
+            </a:r>
+          </a:p>
+          <a:p>
+            <a:pPr marL="0" indent="0">
+              <a:buFontTx/>
+              <a:buNone/>
+            </a:pPr>
+            <a:r>
+              <a:rPr lang="nl-NL" dirty="0"/>
+              <a:t>-The </a:t>
+            </a:r>
+            <a:r>
+              <a:rPr lang="nl-NL" dirty="0" err="1"/>
+              <a:t>oberservation</a:t>
+            </a:r>
+            <a:r>
+              <a:rPr lang="nl-NL" dirty="0"/>
+              <a:t> of </a:t>
+            </a:r>
+            <a:r>
+              <a:rPr lang="nl-NL" dirty="0" err="1"/>
+              <a:t>the</a:t>
+            </a:r>
+            <a:r>
+              <a:rPr lang="nl-NL" dirty="0"/>
+              <a:t> environment (State </a:t>
+            </a:r>
+            <a:r>
+              <a:rPr lang="nl-NL" dirty="0" err="1"/>
+              <a:t>reward</a:t>
+            </a:r>
+            <a:r>
+              <a:rPr lang="nl-NL" dirty="0"/>
+              <a:t> action/</a:t>
+            </a:r>
+            <a:r>
+              <a:rPr lang="nl-NL" dirty="0" err="1"/>
+              <a:t>actionspace</a:t>
+            </a:r>
+            <a:r>
+              <a:rPr lang="nl-NL" dirty="0"/>
+              <a:t> )</a:t>
+            </a:r>
+          </a:p>
+          <a:p>
+            <a:pPr marL="0" indent="0">
+              <a:buFontTx/>
+              <a:buNone/>
+            </a:pPr>
+            <a:r>
+              <a:rPr lang="nl-NL" dirty="0"/>
+              <a:t>- </a:t>
+            </a:r>
+            <a:r>
+              <a:rPr lang="nl-NL" dirty="0" err="1"/>
+              <a:t>With</a:t>
+            </a:r>
+            <a:r>
+              <a:rPr lang="nl-NL" dirty="0"/>
+              <a:t> </a:t>
+            </a:r>
+            <a:r>
+              <a:rPr lang="nl-NL" dirty="0" err="1"/>
+              <a:t>the</a:t>
+            </a:r>
+            <a:r>
+              <a:rPr lang="nl-NL" dirty="0"/>
+              <a:t> policy(actor) is a </a:t>
+            </a:r>
+            <a:r>
+              <a:rPr lang="nl-NL" dirty="0" err="1"/>
+              <a:t>mapping</a:t>
+            </a:r>
+            <a:r>
+              <a:rPr lang="nl-NL" dirty="0"/>
+              <a:t> of </a:t>
+            </a:r>
+            <a:r>
+              <a:rPr lang="nl-NL" dirty="0" err="1"/>
+              <a:t>the</a:t>
+            </a:r>
+            <a:r>
+              <a:rPr lang="nl-NL" dirty="0"/>
+              <a:t> </a:t>
+            </a:r>
+            <a:r>
+              <a:rPr lang="nl-NL" dirty="0" err="1"/>
+              <a:t>states</a:t>
+            </a:r>
+            <a:r>
+              <a:rPr lang="nl-NL" dirty="0"/>
+              <a:t> </a:t>
+            </a:r>
+            <a:r>
+              <a:rPr lang="nl-NL" dirty="0" err="1"/>
+              <a:t>to</a:t>
+            </a:r>
+            <a:r>
+              <a:rPr lang="nl-NL" dirty="0"/>
+              <a:t> </a:t>
+            </a:r>
+            <a:r>
+              <a:rPr lang="nl-NL" dirty="0" err="1"/>
+              <a:t>the</a:t>
+            </a:r>
+            <a:r>
+              <a:rPr lang="nl-NL" dirty="0"/>
+              <a:t> actions. </a:t>
+            </a:r>
+          </a:p>
+          <a:p>
+            <a:pPr marL="0" indent="0">
+              <a:buFontTx/>
+              <a:buNone/>
+            </a:pPr>
+            <a:r>
+              <a:rPr lang="nl-NL" dirty="0"/>
+              <a:t>-The state is </a:t>
+            </a:r>
+            <a:r>
+              <a:rPr lang="nl-NL" dirty="0" err="1"/>
+              <a:t>processed</a:t>
+            </a:r>
+            <a:r>
+              <a:rPr lang="nl-NL" dirty="0"/>
+              <a:t> of </a:t>
+            </a:r>
+            <a:r>
+              <a:rPr lang="nl-NL" dirty="0" err="1"/>
+              <a:t>the</a:t>
+            </a:r>
+            <a:r>
+              <a:rPr lang="nl-NL" dirty="0"/>
+              <a:t> </a:t>
+            </a:r>
+            <a:r>
+              <a:rPr lang="nl-NL" dirty="0" err="1"/>
+              <a:t>neural</a:t>
+            </a:r>
+            <a:r>
+              <a:rPr lang="nl-NL" dirty="0"/>
+              <a:t> </a:t>
+            </a:r>
+            <a:r>
+              <a:rPr lang="nl-NL" dirty="0" err="1"/>
+              <a:t>network</a:t>
+            </a:r>
+            <a:r>
+              <a:rPr lang="nl-NL" dirty="0"/>
+              <a:t>. CNN LSTM</a:t>
+            </a:r>
+          </a:p>
+          <a:p>
+            <a:pPr marL="0" indent="0">
+              <a:buFontTx/>
+              <a:buNone/>
+            </a:pPr>
+            <a:r>
+              <a:rPr lang="nl-NL" dirty="0"/>
+              <a:t>-The </a:t>
+            </a:r>
+            <a:r>
+              <a:rPr lang="nl-NL" dirty="0" err="1"/>
+              <a:t>the</a:t>
+            </a:r>
+            <a:r>
+              <a:rPr lang="nl-NL" dirty="0"/>
+              <a:t> </a:t>
+            </a:r>
+            <a:r>
+              <a:rPr lang="nl-NL" dirty="0" err="1"/>
+              <a:t>critic</a:t>
+            </a:r>
+            <a:r>
+              <a:rPr lang="nl-NL" dirty="0"/>
+              <a:t> is </a:t>
+            </a:r>
+            <a:r>
+              <a:rPr lang="nl-NL" dirty="0" err="1"/>
+              <a:t>estimated</a:t>
+            </a:r>
+            <a:r>
+              <a:rPr lang="nl-NL" dirty="0"/>
+              <a:t> a </a:t>
+            </a:r>
+            <a:r>
+              <a:rPr lang="nl-NL" dirty="0" err="1"/>
+              <a:t>value</a:t>
+            </a:r>
+            <a:r>
+              <a:rPr lang="nl-NL" dirty="0"/>
+              <a:t> </a:t>
+            </a:r>
+            <a:r>
+              <a:rPr lang="nl-NL" dirty="0" err="1"/>
+              <a:t>function</a:t>
+            </a:r>
+            <a:r>
+              <a:rPr lang="nl-NL" dirty="0"/>
+              <a:t>, </a:t>
+            </a:r>
+            <a:r>
+              <a:rPr lang="nl-NL" dirty="0" err="1"/>
+              <a:t>from</a:t>
+            </a:r>
+            <a:r>
+              <a:rPr lang="nl-NL" dirty="0"/>
+              <a:t> </a:t>
+            </a:r>
+            <a:r>
+              <a:rPr lang="nl-NL" dirty="0" err="1"/>
+              <a:t>previous</a:t>
+            </a:r>
+            <a:r>
+              <a:rPr lang="nl-NL" dirty="0"/>
+              <a:t> </a:t>
+            </a:r>
+            <a:r>
+              <a:rPr lang="nl-NL" dirty="0" err="1"/>
+              <a:t>rewards</a:t>
+            </a:r>
+            <a:r>
+              <a:rPr lang="nl-NL" dirty="0"/>
+              <a:t>.</a:t>
+            </a:r>
+          </a:p>
+          <a:p>
+            <a:pPr marL="0" indent="0">
+              <a:buFontTx/>
+              <a:buNone/>
+            </a:pPr>
+            <a:endParaRPr lang="nl-NL" dirty="0"/>
+          </a:p>
+          <a:p>
+            <a:pPr marL="0" indent="0">
+              <a:buFontTx/>
+              <a:buNone/>
+            </a:pPr>
+            <a:r>
+              <a:rPr lang="nl-NL" dirty="0"/>
+              <a:t>A3C </a:t>
+            </a:r>
+          </a:p>
+          <a:p>
+            <a:pPr marL="0" indent="0">
+              <a:buFontTx/>
+              <a:buNone/>
+            </a:pPr>
+            <a:r>
+              <a:rPr lang="nl-NL" dirty="0"/>
+              <a:t>-For </a:t>
+            </a:r>
+            <a:r>
+              <a:rPr lang="nl-NL" dirty="0" err="1"/>
+              <a:t>each</a:t>
+            </a:r>
+            <a:r>
+              <a:rPr lang="nl-NL" dirty="0"/>
+              <a:t> of these agent a </a:t>
+            </a:r>
+            <a:r>
+              <a:rPr lang="nl-NL" dirty="0" err="1"/>
+              <a:t>gradient</a:t>
+            </a:r>
+            <a:r>
+              <a:rPr lang="nl-NL" dirty="0"/>
+              <a:t> of </a:t>
+            </a:r>
+            <a:r>
+              <a:rPr lang="nl-NL" dirty="0" err="1"/>
+              <a:t>the</a:t>
+            </a:r>
+            <a:r>
+              <a:rPr lang="nl-NL" dirty="0"/>
+              <a:t> </a:t>
+            </a:r>
+            <a:r>
+              <a:rPr lang="nl-NL" dirty="0" err="1"/>
+              <a:t>loss</a:t>
+            </a:r>
+            <a:r>
+              <a:rPr lang="nl-NL" dirty="0"/>
+              <a:t> is </a:t>
+            </a:r>
+            <a:r>
+              <a:rPr lang="nl-NL" dirty="0" err="1"/>
+              <a:t>calculated</a:t>
+            </a:r>
+            <a:r>
+              <a:rPr lang="nl-NL" dirty="0"/>
+              <a:t> </a:t>
+            </a:r>
+            <a:r>
+              <a:rPr lang="nl-NL" dirty="0" err="1"/>
+              <a:t>and</a:t>
+            </a:r>
+            <a:r>
+              <a:rPr lang="nl-NL" dirty="0"/>
+              <a:t> </a:t>
+            </a:r>
+            <a:r>
+              <a:rPr lang="nl-NL" dirty="0" err="1"/>
+              <a:t>global</a:t>
+            </a:r>
+            <a:r>
+              <a:rPr lang="nl-NL" dirty="0"/>
+              <a:t> </a:t>
+            </a:r>
+            <a:r>
+              <a:rPr lang="nl-NL" dirty="0" err="1"/>
+              <a:t>and</a:t>
+            </a:r>
+            <a:r>
+              <a:rPr lang="nl-NL" dirty="0"/>
+              <a:t> </a:t>
+            </a:r>
+            <a:r>
+              <a:rPr lang="nl-NL" dirty="0" err="1"/>
+              <a:t>local</a:t>
+            </a:r>
+            <a:r>
+              <a:rPr lang="nl-NL" dirty="0"/>
+              <a:t> </a:t>
+            </a:r>
+            <a:r>
+              <a:rPr lang="nl-NL" dirty="0" err="1"/>
+              <a:t>network</a:t>
+            </a:r>
+            <a:r>
+              <a:rPr lang="nl-NL" dirty="0"/>
+              <a:t> is </a:t>
+            </a:r>
+            <a:r>
+              <a:rPr lang="nl-NL" dirty="0" err="1"/>
+              <a:t>updated</a:t>
+            </a:r>
+            <a:r>
+              <a:rPr lang="nl-NL" dirty="0"/>
+              <a:t>.</a:t>
+            </a:r>
+          </a:p>
+          <a:p>
+            <a:pPr marL="171450" indent="-171450">
+              <a:buFontTx/>
+              <a:buChar char="-"/>
+            </a:pPr>
+            <a:r>
+              <a:rPr lang="nl-NL" dirty="0" err="1"/>
+              <a:t>Better</a:t>
+            </a:r>
+            <a:r>
+              <a:rPr lang="nl-NL" dirty="0"/>
+              <a:t> </a:t>
+            </a:r>
+            <a:r>
+              <a:rPr lang="nl-NL" dirty="0" err="1"/>
+              <a:t>learning</a:t>
+            </a:r>
+            <a:r>
+              <a:rPr lang="nl-NL" dirty="0"/>
+              <a:t> </a:t>
+            </a:r>
+            <a:r>
+              <a:rPr lang="nl-NL" dirty="0" err="1"/>
+              <a:t>decorrelated</a:t>
+            </a:r>
+            <a:r>
+              <a:rPr lang="nl-NL" dirty="0"/>
+              <a:t> updates.</a:t>
+            </a:r>
+          </a:p>
+          <a:p>
+            <a:pPr marL="171450" indent="-171450">
+              <a:buFontTx/>
+              <a:buChar char="-"/>
+            </a:pPr>
+            <a:endParaRPr lang="nl-NL" dirty="0"/>
+          </a:p>
+          <a:p>
+            <a:pPr marL="171450" indent="-171450">
+              <a:buFontTx/>
+              <a:buChar char="-"/>
+            </a:pPr>
+            <a:endParaRPr lang="nl-NL" b="1" dirty="0"/>
+          </a:p>
+          <a:p>
+            <a:pPr marL="0" indent="0">
+              <a:buFontTx/>
+              <a:buNone/>
+            </a:pPr>
+            <a:r>
+              <a:rPr lang="nl-NL" b="1" dirty="0"/>
+              <a:t>Learning </a:t>
+            </a:r>
+            <a:r>
+              <a:rPr lang="nl-NL" b="1" dirty="0" err="1"/>
+              <a:t>rate</a:t>
+            </a:r>
+            <a:r>
+              <a:rPr lang="nl-NL" b="1" dirty="0"/>
+              <a:t> </a:t>
+            </a:r>
+            <a:r>
+              <a:rPr lang="nl-NL" b="1" dirty="0" err="1"/>
+              <a:t>results</a:t>
+            </a:r>
+            <a:r>
+              <a:rPr lang="nl-NL" b="1" dirty="0"/>
+              <a:t> (</a:t>
+            </a:r>
+            <a:r>
+              <a:rPr lang="nl-NL" b="1" dirty="0" err="1"/>
+              <a:t>Aksel</a:t>
+            </a:r>
+            <a:r>
+              <a:rPr lang="nl-NL" b="1" dirty="0"/>
+              <a:t>)</a:t>
+            </a:r>
+            <a:endParaRPr lang="nl-NL" dirty="0"/>
+          </a:p>
+          <a:p>
+            <a:pPr marL="0" indent="0">
+              <a:buFontTx/>
+              <a:buNone/>
+            </a:pPr>
+            <a:r>
+              <a:rPr lang="nl-NL" dirty="0"/>
+              <a:t>-</a:t>
+            </a:r>
+          </a:p>
+          <a:p>
+            <a:pPr marL="0" indent="0">
+              <a:buFontTx/>
+              <a:buNone/>
+            </a:pPr>
+            <a:endParaRPr lang="nl-NL" dirty="0"/>
+          </a:p>
+          <a:p>
+            <a:pPr marL="0" indent="0">
+              <a:buFontTx/>
+              <a:buNone/>
+            </a:pPr>
+            <a:endParaRPr lang="nl-NL" dirty="0"/>
+          </a:p>
+        </p:txBody>
+      </p:sp>
+      <p:sp>
+        <p:nvSpPr>
+          <p:cNvPr id="4" name="Tijdelijke aanduiding voor dianummer 3"/>
+          <p:cNvSpPr>
+            <a:spLocks noGrp="1"/>
+          </p:cNvSpPr>
+          <p:nvPr>
+            <p:ph type="sldNum" sz="quarter" idx="5"/>
+          </p:nvPr>
+        </p:nvSpPr>
+        <p:spPr/>
+        <p:txBody>
+          <a:bodyPr/>
+          <a:lstStyle/>
+          <a:p>
+            <a:fld id="{B746AC46-584C-4360-998D-47F5001360A1}" type="slidenum">
+              <a:rPr lang="nl-NL" smtClean="0"/>
+              <a:t>1</a:t>
+            </a:fld>
+            <a:endParaRPr lang="nl-NL"/>
+          </a:p>
+        </p:txBody>
+      </p:sp>
+    </p:spTree>
+    <p:extLst>
+      <p:ext uri="{BB962C8B-B14F-4D97-AF65-F5344CB8AC3E}">
+        <p14:creationId xmlns:p14="http://schemas.microsoft.com/office/powerpoint/2010/main" val="2668021584"/>
+      </p:ext>
+    </p:extLst>
+  </p:cSld>
+  <p:clrMapOvr>
+    <a:masterClrMapping/>
+  </p:clrMapOvr>
+</p:notes>
+</file>
+
 <file path=ppt/slideLayouts/slideLayout1.xml><?xml version="1.0" encoding="utf-8"?>
 <p:sldLayout xmlns:a="http://schemas.openxmlformats.org/drawingml/2006/main" xmlns:r="http://schemas.openxmlformats.org/officeDocument/2006/relationships" xmlns:p="http://schemas.openxmlformats.org/presentationml/2006/main" type="title" preserve="1">
   <p:cSld name="Titeldia">
@@ -270,7 +1773,7 @@
           <a:p>
             <a:fld id="{162E404A-F3AE-42F6-AA50-DA9044FED422}" type="datetimeFigureOut">
               <a:rPr lang="nl-NL" smtClean="0"/>
-              <a:t>21-5-2019</a:t>
+              <a:t>22-5-2019</a:t>
             </a:fld>
             <a:endParaRPr lang="nl-NL"/>
           </a:p>
@@ -468,7 +1971,7 @@
           <a:p>
             <a:fld id="{162E404A-F3AE-42F6-AA50-DA9044FED422}" type="datetimeFigureOut">
               <a:rPr lang="nl-NL" smtClean="0"/>
-              <a:t>21-5-2019</a:t>
+              <a:t>22-5-2019</a:t>
             </a:fld>
             <a:endParaRPr lang="nl-NL"/>
           </a:p>
@@ -676,7 +2179,7 @@
           <a:p>
             <a:fld id="{162E404A-F3AE-42F6-AA50-DA9044FED422}" type="datetimeFigureOut">
               <a:rPr lang="nl-NL" smtClean="0"/>
-              <a:t>21-5-2019</a:t>
+              <a:t>22-5-2019</a:t>
             </a:fld>
             <a:endParaRPr lang="nl-NL"/>
           </a:p>
@@ -874,7 +2377,7 @@
           <a:p>
             <a:fld id="{162E404A-F3AE-42F6-AA50-DA9044FED422}" type="datetimeFigureOut">
               <a:rPr lang="nl-NL" smtClean="0"/>
-              <a:t>21-5-2019</a:t>
+              <a:t>22-5-2019</a:t>
             </a:fld>
             <a:endParaRPr lang="nl-NL"/>
           </a:p>
@@ -1149,7 +2652,7 @@
           <a:p>
             <a:fld id="{162E404A-F3AE-42F6-AA50-DA9044FED422}" type="datetimeFigureOut">
               <a:rPr lang="nl-NL" smtClean="0"/>
-              <a:t>21-5-2019</a:t>
+              <a:t>22-5-2019</a:t>
             </a:fld>
             <a:endParaRPr lang="nl-NL"/>
           </a:p>
@@ -1414,7 +2917,7 @@
           <a:p>
             <a:fld id="{162E404A-F3AE-42F6-AA50-DA9044FED422}" type="datetimeFigureOut">
               <a:rPr lang="nl-NL" smtClean="0"/>
-              <a:t>21-5-2019</a:t>
+              <a:t>22-5-2019</a:t>
             </a:fld>
             <a:endParaRPr lang="nl-NL"/>
           </a:p>
@@ -1826,7 +3329,7 @@
           <a:p>
             <a:fld id="{162E404A-F3AE-42F6-AA50-DA9044FED422}" type="datetimeFigureOut">
               <a:rPr lang="nl-NL" smtClean="0"/>
-              <a:t>21-5-2019</a:t>
+              <a:t>22-5-2019</a:t>
             </a:fld>
             <a:endParaRPr lang="nl-NL"/>
           </a:p>
@@ -1967,7 +3470,7 @@
           <a:p>
             <a:fld id="{162E404A-F3AE-42F6-AA50-DA9044FED422}" type="datetimeFigureOut">
               <a:rPr lang="nl-NL" smtClean="0"/>
-              <a:t>21-5-2019</a:t>
+              <a:t>22-5-2019</a:t>
             </a:fld>
             <a:endParaRPr lang="nl-NL"/>
           </a:p>
@@ -2080,7 +3583,7 @@
           <a:p>
             <a:fld id="{162E404A-F3AE-42F6-AA50-DA9044FED422}" type="datetimeFigureOut">
               <a:rPr lang="nl-NL" smtClean="0"/>
-              <a:t>21-5-2019</a:t>
+              <a:t>22-5-2019</a:t>
             </a:fld>
             <a:endParaRPr lang="nl-NL"/>
           </a:p>
@@ -2391,7 +3894,7 @@
           <a:p>
             <a:fld id="{162E404A-F3AE-42F6-AA50-DA9044FED422}" type="datetimeFigureOut">
               <a:rPr lang="nl-NL" smtClean="0"/>
-              <a:t>21-5-2019</a:t>
+              <a:t>22-5-2019</a:t>
             </a:fld>
             <a:endParaRPr lang="nl-NL"/>
           </a:p>
@@ -2679,7 +4182,7 @@
           <a:p>
             <a:fld id="{162E404A-F3AE-42F6-AA50-DA9044FED422}" type="datetimeFigureOut">
               <a:rPr lang="nl-NL" smtClean="0"/>
-              <a:t>21-5-2019</a:t>
+              <a:t>22-5-2019</a:t>
             </a:fld>
             <a:endParaRPr lang="nl-NL"/>
           </a:p>
@@ -2920,7 +4423,7 @@
           <a:p>
             <a:fld id="{162E404A-F3AE-42F6-AA50-DA9044FED422}" type="datetimeFigureOut">
               <a:rPr lang="nl-NL" smtClean="0"/>
-              <a:t>21-5-2019</a:t>
+              <a:t>22-5-2019</a:t>
             </a:fld>
             <a:endParaRPr lang="nl-NL"/>
           </a:p>
@@ -3326,11 +4829,7 @@
     <p:bg>
       <p:bgPr>
         <a:solidFill>
-          <a:schemeClr val="accent1">
-            <a:lumMod val="20000"/>
-            <a:lumOff val="80000"/>
-            <a:alpha val="45000"/>
-          </a:schemeClr>
+          <a:srgbClr val="E5F5F5"/>
         </a:solidFill>
         <a:effectLst/>
       </p:bgPr>
@@ -3370,8 +4869,13 @@
             <a:avLst/>
           </a:prstGeom>
           <a:solidFill>
-            <a:srgbClr val="002060"/>
+            <a:srgbClr val="2F7F81"/>
           </a:solidFill>
+          <a:ln>
+            <a:solidFill>
+              <a:srgbClr val="2F7F81"/>
+            </a:solidFill>
+          </a:ln>
         </p:spPr>
         <p:style>
           <a:lnRef idx="2">
@@ -3394,7 +4898,7 @@
           <a:lstStyle/>
           <a:p>
             <a:pPr algn="ctr"/>
-            <a:endParaRPr lang="nl-NL">
+            <a:endParaRPr lang="en-US">
               <a:latin typeface="Tahoma" panose="020B0604030504040204" pitchFamily="34" charset="0"/>
               <a:ea typeface="Tahoma" panose="020B0604030504040204" pitchFamily="34" charset="0"/>
               <a:cs typeface="Tahoma" panose="020B0604030504040204" pitchFamily="34" charset="0"/>
@@ -3425,6 +4929,11 @@
           <a:solidFill>
             <a:schemeClr val="bg1"/>
           </a:solidFill>
+          <a:ln>
+            <a:solidFill>
+              <a:srgbClr val="2F7F81"/>
+            </a:solidFill>
+          </a:ln>
         </p:spPr>
         <p:style>
           <a:lnRef idx="2">
@@ -3447,7 +4956,7 @@
           <a:lstStyle/>
           <a:p>
             <a:pPr algn="ctr"/>
-            <a:endParaRPr lang="nl-NL">
+            <a:endParaRPr lang="en-US">
               <a:latin typeface="Tahoma" panose="020B0604030504040204" pitchFamily="34" charset="0"/>
               <a:ea typeface="Tahoma" panose="020B0604030504040204" pitchFamily="34" charset="0"/>
               <a:cs typeface="Tahoma" panose="020B0604030504040204" pitchFamily="34" charset="0"/>
@@ -3478,6 +4987,11 @@
           <a:solidFill>
             <a:schemeClr val="bg1"/>
           </a:solidFill>
+          <a:ln>
+            <a:solidFill>
+              <a:srgbClr val="2F7F81"/>
+            </a:solidFill>
+          </a:ln>
         </p:spPr>
         <p:style>
           <a:lnRef idx="2">
@@ -3500,7 +5014,7 @@
           <a:lstStyle/>
           <a:p>
             <a:pPr algn="ctr"/>
-            <a:endParaRPr lang="nl-NL">
+            <a:endParaRPr lang="en-US">
               <a:latin typeface="Tahoma" panose="020B0604030504040204" pitchFamily="34" charset="0"/>
               <a:ea typeface="Tahoma" panose="020B0604030504040204" pitchFamily="34" charset="0"/>
               <a:cs typeface="Tahoma" panose="020B0604030504040204" pitchFamily="34" charset="0"/>
@@ -3523,13 +5037,13 @@
           <p:nvPr/>
         </p:nvPicPr>
         <p:blipFill rotWithShape="1">
-          <a:blip r:embed="rId2">
+          <a:blip r:embed="rId3">
             <a:extLst>
               <a:ext uri="{28A0092B-C50C-407E-A947-70E740481C1C}">
                 <a14:useLocalDpi xmlns:a14="http://schemas.microsoft.com/office/drawing/2010/main" val="0"/>
               </a:ext>
               <a:ext uri="{96DAC541-7B7A-43D3-8B79-37D633B846F1}">
-                <asvg:svgBlip xmlns:asvg="http://schemas.microsoft.com/office/drawing/2016/SVG/main" r:embed="rId3"/>
+                <asvg:svgBlip xmlns:asvg="http://schemas.microsoft.com/office/drawing/2016/SVG/main" r:embed="rId4"/>
               </a:ext>
             </a:extLst>
           </a:blip>
@@ -3576,7 +5090,7 @@
           <a:p>
             <a:pPr algn="ctr"/>
             <a:r>
-              <a:rPr lang="nl-NL" sz="3200" dirty="0" err="1">
+              <a:rPr lang="en-US" sz="3200" dirty="0">
                 <a:solidFill>
                   <a:schemeClr val="bg1"/>
                 </a:solidFill>
@@ -3584,82 +5098,8 @@
                 <a:ea typeface="Tahoma" panose="020B0604030504040204" pitchFamily="34" charset="0"/>
                 <a:cs typeface="Tahoma" panose="020B0604030504040204" pitchFamily="34" charset="0"/>
               </a:rPr>
-              <a:t>Asynchronous</a:t>
-            </a:r>
-            <a:r>
-              <a:rPr lang="nl-NL" sz="3200" dirty="0">
-                <a:solidFill>
-                  <a:schemeClr val="bg1"/>
-                </a:solidFill>
-                <a:latin typeface="Tahoma" panose="020B0604030504040204" pitchFamily="34" charset="0"/>
-                <a:ea typeface="Tahoma" panose="020B0604030504040204" pitchFamily="34" charset="0"/>
-                <a:cs typeface="Tahoma" panose="020B0604030504040204" pitchFamily="34" charset="0"/>
-              </a:rPr>
-              <a:t> advantage actor-</a:t>
-            </a:r>
-            <a:r>
-              <a:rPr lang="nl-NL" sz="3200" dirty="0" err="1">
-                <a:solidFill>
-                  <a:schemeClr val="bg1"/>
-                </a:solidFill>
-                <a:latin typeface="Tahoma" panose="020B0604030504040204" pitchFamily="34" charset="0"/>
-                <a:ea typeface="Tahoma" panose="020B0604030504040204" pitchFamily="34" charset="0"/>
-                <a:cs typeface="Tahoma" panose="020B0604030504040204" pitchFamily="34" charset="0"/>
-              </a:rPr>
-              <a:t>critic</a:t>
-            </a:r>
-            <a:r>
-              <a:rPr lang="nl-NL" sz="3200" dirty="0">
-                <a:solidFill>
-                  <a:schemeClr val="bg1"/>
-                </a:solidFill>
-                <a:latin typeface="Tahoma" panose="020B0604030504040204" pitchFamily="34" charset="0"/>
-                <a:ea typeface="Tahoma" panose="020B0604030504040204" pitchFamily="34" charset="0"/>
-                <a:cs typeface="Tahoma" panose="020B0604030504040204" pitchFamily="34" charset="0"/>
-              </a:rPr>
-              <a:t> </a:t>
-            </a:r>
-            <a:r>
-              <a:rPr lang="nl-NL" sz="3200" dirty="0" err="1">
-                <a:solidFill>
-                  <a:schemeClr val="bg1"/>
-                </a:solidFill>
-                <a:latin typeface="Tahoma" panose="020B0604030504040204" pitchFamily="34" charset="0"/>
-                <a:ea typeface="Tahoma" panose="020B0604030504040204" pitchFamily="34" charset="0"/>
-                <a:cs typeface="Tahoma" panose="020B0604030504040204" pitchFamily="34" charset="0"/>
-              </a:rPr>
-              <a:t>methods</a:t>
-            </a:r>
-            <a:r>
-              <a:rPr lang="nl-NL" sz="3200" dirty="0">
-                <a:solidFill>
-                  <a:schemeClr val="bg1"/>
-                </a:solidFill>
-                <a:latin typeface="Tahoma" panose="020B0604030504040204" pitchFamily="34" charset="0"/>
-                <a:ea typeface="Tahoma" panose="020B0604030504040204" pitchFamily="34" charset="0"/>
-                <a:cs typeface="Tahoma" panose="020B0604030504040204" pitchFamily="34" charset="0"/>
-              </a:rPr>
-              <a:t> on </a:t>
-            </a:r>
-            <a:r>
-              <a:rPr lang="nl-NL" sz="3200" dirty="0" err="1">
-                <a:solidFill>
-                  <a:schemeClr val="bg1"/>
-                </a:solidFill>
-                <a:latin typeface="Tahoma" panose="020B0604030504040204" pitchFamily="34" charset="0"/>
-                <a:ea typeface="Tahoma" panose="020B0604030504040204" pitchFamily="34" charset="0"/>
-                <a:cs typeface="Tahoma" panose="020B0604030504040204" pitchFamily="34" charset="0"/>
-              </a:rPr>
-              <a:t>ViZDoom</a:t>
-            </a:r>
-            <a:endParaRPr lang="nl-NL" sz="3200" dirty="0">
-              <a:solidFill>
-                <a:schemeClr val="bg1"/>
-              </a:solidFill>
-              <a:latin typeface="Tahoma" panose="020B0604030504040204" pitchFamily="34" charset="0"/>
-              <a:ea typeface="Tahoma" panose="020B0604030504040204" pitchFamily="34" charset="0"/>
-              <a:cs typeface="Tahoma" panose="020B0604030504040204" pitchFamily="34" charset="0"/>
-            </a:endParaRPr>
+              <a:t>Asynchronous Advantage Actor-Critic Methods on			</a:t>
+            </a:r>
           </a:p>
         </p:txBody>
       </p:sp>
@@ -3678,13 +5118,13 @@
           <p:nvPr/>
         </p:nvPicPr>
         <p:blipFill>
-          <a:blip r:embed="rId4">
+          <a:blip r:embed="rId5">
             <a:extLst>
               <a:ext uri="{28A0092B-C50C-407E-A947-70E740481C1C}">
                 <a14:useLocalDpi xmlns:a14="http://schemas.microsoft.com/office/drawing/2010/main" val="0"/>
               </a:ext>
               <a:ext uri="{96DAC541-7B7A-43D3-8B79-37D633B846F1}">
-                <asvg:svgBlip xmlns:asvg="http://schemas.microsoft.com/office/drawing/2016/SVG/main" r:embed="rId5"/>
+                <asvg:svgBlip xmlns:asvg="http://schemas.microsoft.com/office/drawing/2016/SVG/main" r:embed="rId6"/>
               </a:ext>
             </a:extLst>
           </a:blip>
@@ -3717,13 +5157,13 @@
           <p:nvPr/>
         </p:nvPicPr>
         <p:blipFill>
-          <a:blip r:embed="rId6">
+          <a:blip r:embed="rId7">
             <a:extLst>
               <a:ext uri="{28A0092B-C50C-407E-A947-70E740481C1C}">
                 <a14:useLocalDpi xmlns:a14="http://schemas.microsoft.com/office/drawing/2010/main" val="0"/>
               </a:ext>
               <a:ext uri="{96DAC541-7B7A-43D3-8B79-37D633B846F1}">
-                <asvg:svgBlip xmlns:asvg="http://schemas.microsoft.com/office/drawing/2016/SVG/main" r:embed="rId7"/>
+                <asvg:svgBlip xmlns:asvg="http://schemas.microsoft.com/office/drawing/2016/SVG/main" r:embed="rId8"/>
               </a:ext>
             </a:extLst>
           </a:blip>
@@ -3733,8 +5173,8 @@
         </p:blipFill>
         <p:spPr>
           <a:xfrm>
-            <a:off x="9154801" y="3326615"/>
-            <a:ext cx="2499944" cy="1692122"/>
+            <a:off x="9188553" y="3163436"/>
+            <a:ext cx="2772000" cy="2016000"/>
           </a:xfrm>
           <a:prstGeom prst="rect">
             <a:avLst/>
@@ -3756,13 +5196,13 @@
           <p:nvPr/>
         </p:nvPicPr>
         <p:blipFill>
-          <a:blip r:embed="rId8">
+          <a:blip r:embed="rId9">
             <a:extLst>
               <a:ext uri="{28A0092B-C50C-407E-A947-70E740481C1C}">
                 <a14:useLocalDpi xmlns:a14="http://schemas.microsoft.com/office/drawing/2010/main" val="0"/>
               </a:ext>
               <a:ext uri="{96DAC541-7B7A-43D3-8B79-37D633B846F1}">
-                <asvg:svgBlip xmlns:asvg="http://schemas.microsoft.com/office/drawing/2016/SVG/main" r:embed="rId9"/>
+                <asvg:svgBlip xmlns:asvg="http://schemas.microsoft.com/office/drawing/2016/SVG/main" r:embed="rId10"/>
               </a:ext>
             </a:extLst>
           </a:blip>
@@ -3772,8 +5212,8 @@
         </p:blipFill>
         <p:spPr>
           <a:xfrm>
-            <a:off x="9202601" y="1310163"/>
-            <a:ext cx="2461704" cy="1696903"/>
+            <a:off x="9188553" y="1032733"/>
+            <a:ext cx="2772000" cy="2047015"/>
           </a:xfrm>
           <a:prstGeom prst="rect">
             <a:avLst/>
@@ -3795,13 +5235,13 @@
           <p:nvPr/>
         </p:nvPicPr>
         <p:blipFill>
-          <a:blip r:embed="rId10">
+          <a:blip r:embed="rId11">
             <a:extLst>
               <a:ext uri="{28A0092B-C50C-407E-A947-70E740481C1C}">
                 <a14:useLocalDpi xmlns:a14="http://schemas.microsoft.com/office/drawing/2010/main" val="0"/>
               </a:ext>
               <a:ext uri="{96DAC541-7B7A-43D3-8B79-37D633B846F1}">
-                <asvg:svgBlip xmlns:asvg="http://schemas.microsoft.com/office/drawing/2016/SVG/main" r:embed="rId11"/>
+                <asvg:svgBlip xmlns:asvg="http://schemas.microsoft.com/office/drawing/2016/SVG/main" r:embed="rId12"/>
               </a:ext>
             </a:extLst>
           </a:blip>
@@ -3811,8 +5251,8 @@
         </p:blipFill>
         <p:spPr>
           <a:xfrm>
-            <a:off x="6476457" y="1314944"/>
-            <a:ext cx="2499944" cy="1692122"/>
+            <a:off x="6241866" y="1032733"/>
+            <a:ext cx="2772000" cy="2016000"/>
           </a:xfrm>
           <a:prstGeom prst="rect">
             <a:avLst/>
@@ -3848,168 +5288,16 @@
           <a:lstStyle/>
           <a:p>
             <a:r>
-              <a:rPr lang="nl-NL" sz="1400" dirty="0" err="1">
+              <a:rPr lang="en-US" sz="1400" dirty="0">
                 <a:latin typeface="Tahoma" panose="020B0604030504040204" pitchFamily="34" charset="0"/>
                 <a:ea typeface="Tahoma" panose="020B0604030504040204" pitchFamily="34" charset="0"/>
                 <a:cs typeface="Tahoma" panose="020B0604030504040204" pitchFamily="34" charset="0"/>
               </a:rPr>
-              <a:t>Reinforcement</a:t>
-            </a:r>
-            <a:r>
-              <a:rPr lang="nl-NL" sz="1400" dirty="0">
-                <a:latin typeface="Tahoma" panose="020B0604030504040204" pitchFamily="34" charset="0"/>
-                <a:ea typeface="Tahoma" panose="020B0604030504040204" pitchFamily="34" charset="0"/>
-                <a:cs typeface="Tahoma" panose="020B0604030504040204" pitchFamily="34" charset="0"/>
-              </a:rPr>
-              <a:t> </a:t>
-            </a:r>
-            <a:r>
-              <a:rPr lang="nl-NL" sz="1400" dirty="0" err="1">
-                <a:latin typeface="Tahoma" panose="020B0604030504040204" pitchFamily="34" charset="0"/>
-                <a:ea typeface="Tahoma" panose="020B0604030504040204" pitchFamily="34" charset="0"/>
-                <a:cs typeface="Tahoma" panose="020B0604030504040204" pitchFamily="34" charset="0"/>
-              </a:rPr>
-              <a:t>learning</a:t>
-            </a:r>
-            <a:r>
-              <a:rPr lang="nl-NL" sz="1400" dirty="0">
-                <a:latin typeface="Tahoma" panose="020B0604030504040204" pitchFamily="34" charset="0"/>
-                <a:ea typeface="Tahoma" panose="020B0604030504040204" pitchFamily="34" charset="0"/>
-                <a:cs typeface="Tahoma" panose="020B0604030504040204" pitchFamily="34" charset="0"/>
-              </a:rPr>
-              <a:t> </a:t>
-            </a:r>
-            <a:r>
-              <a:rPr lang="nl-NL" sz="1400" dirty="0" err="1">
-                <a:latin typeface="Tahoma" panose="020B0604030504040204" pitchFamily="34" charset="0"/>
-                <a:ea typeface="Tahoma" panose="020B0604030504040204" pitchFamily="34" charset="0"/>
-                <a:cs typeface="Tahoma" panose="020B0604030504040204" pitchFamily="34" charset="0"/>
-              </a:rPr>
-              <a:t>algorithms</a:t>
-            </a:r>
-            <a:r>
-              <a:rPr lang="nl-NL" sz="1400" dirty="0">
-                <a:latin typeface="Tahoma" panose="020B0604030504040204" pitchFamily="34" charset="0"/>
-                <a:ea typeface="Tahoma" panose="020B0604030504040204" pitchFamily="34" charset="0"/>
-                <a:cs typeface="Tahoma" panose="020B0604030504040204" pitchFamily="34" charset="0"/>
-              </a:rPr>
-              <a:t> </a:t>
-            </a:r>
-            <a:r>
-              <a:rPr lang="nl-NL" sz="1400" dirty="0" err="1">
-                <a:latin typeface="Tahoma" panose="020B0604030504040204" pitchFamily="34" charset="0"/>
-                <a:ea typeface="Tahoma" panose="020B0604030504040204" pitchFamily="34" charset="0"/>
-                <a:cs typeface="Tahoma" panose="020B0604030504040204" pitchFamily="34" charset="0"/>
-              </a:rPr>
-              <a:t>learn</a:t>
-            </a:r>
-            <a:r>
-              <a:rPr lang="nl-NL" sz="1400" dirty="0">
-                <a:latin typeface="Tahoma" panose="020B0604030504040204" pitchFamily="34" charset="0"/>
-                <a:ea typeface="Tahoma" panose="020B0604030504040204" pitchFamily="34" charset="0"/>
-                <a:cs typeface="Tahoma" panose="020B0604030504040204" pitchFamily="34" charset="0"/>
-              </a:rPr>
-              <a:t> </a:t>
-            </a:r>
-            <a:r>
-              <a:rPr lang="nl-NL" sz="1400" dirty="0" err="1">
-                <a:latin typeface="Tahoma" panose="020B0604030504040204" pitchFamily="34" charset="0"/>
-                <a:ea typeface="Tahoma" panose="020B0604030504040204" pitchFamily="34" charset="0"/>
-                <a:cs typeface="Tahoma" panose="020B0604030504040204" pitchFamily="34" charset="0"/>
-              </a:rPr>
-              <a:t>behavior</a:t>
-            </a:r>
-            <a:r>
-              <a:rPr lang="nl-NL" sz="1400" dirty="0">
-                <a:latin typeface="Tahoma" panose="020B0604030504040204" pitchFamily="34" charset="0"/>
-                <a:ea typeface="Tahoma" panose="020B0604030504040204" pitchFamily="34" charset="0"/>
-                <a:cs typeface="Tahoma" panose="020B0604030504040204" pitchFamily="34" charset="0"/>
-              </a:rPr>
-              <a:t> in </a:t>
-            </a:r>
-            <a:r>
-              <a:rPr lang="nl-NL" sz="1400" dirty="0" err="1">
-                <a:latin typeface="Tahoma" panose="020B0604030504040204" pitchFamily="34" charset="0"/>
-                <a:ea typeface="Tahoma" panose="020B0604030504040204" pitchFamily="34" charset="0"/>
-                <a:cs typeface="Tahoma" panose="020B0604030504040204" pitchFamily="34" charset="0"/>
-              </a:rPr>
-              <a:t>various</a:t>
-            </a:r>
-            <a:r>
-              <a:rPr lang="nl-NL" sz="1400" dirty="0">
-                <a:latin typeface="Tahoma" panose="020B0604030504040204" pitchFamily="34" charset="0"/>
-                <a:ea typeface="Tahoma" panose="020B0604030504040204" pitchFamily="34" charset="0"/>
-                <a:cs typeface="Tahoma" panose="020B0604030504040204" pitchFamily="34" charset="0"/>
-              </a:rPr>
-              <a:t> </a:t>
-            </a:r>
-            <a:r>
-              <a:rPr lang="nl-NL" sz="1400" dirty="0" err="1">
-                <a:latin typeface="Tahoma" panose="020B0604030504040204" pitchFamily="34" charset="0"/>
-                <a:ea typeface="Tahoma" panose="020B0604030504040204" pitchFamily="34" charset="0"/>
-                <a:cs typeface="Tahoma" panose="020B0604030504040204" pitchFamily="34" charset="0"/>
-              </a:rPr>
-              <a:t>enviroments</a:t>
-            </a:r>
-            <a:r>
-              <a:rPr lang="nl-NL" sz="1400" dirty="0">
-                <a:latin typeface="Tahoma" panose="020B0604030504040204" pitchFamily="34" charset="0"/>
-                <a:ea typeface="Tahoma" panose="020B0604030504040204" pitchFamily="34" charset="0"/>
-                <a:cs typeface="Tahoma" panose="020B0604030504040204" pitchFamily="34" charset="0"/>
-              </a:rPr>
-              <a:t> </a:t>
-            </a:r>
-            <a:r>
-              <a:rPr lang="nl-NL" sz="1400" dirty="0" err="1">
-                <a:latin typeface="Tahoma" panose="020B0604030504040204" pitchFamily="34" charset="0"/>
-                <a:ea typeface="Tahoma" panose="020B0604030504040204" pitchFamily="34" charset="0"/>
-                <a:cs typeface="Tahoma" panose="020B0604030504040204" pitchFamily="34" charset="0"/>
-              </a:rPr>
-              <a:t>based</a:t>
-            </a:r>
-            <a:r>
-              <a:rPr lang="nl-NL" sz="1400" dirty="0">
-                <a:latin typeface="Tahoma" panose="020B0604030504040204" pitchFamily="34" charset="0"/>
-                <a:ea typeface="Tahoma" panose="020B0604030504040204" pitchFamily="34" charset="0"/>
-                <a:cs typeface="Tahoma" panose="020B0604030504040204" pitchFamily="34" charset="0"/>
-              </a:rPr>
-              <a:t> on </a:t>
-            </a:r>
-            <a:r>
-              <a:rPr lang="nl-NL" sz="1400" dirty="0" err="1">
-                <a:latin typeface="Tahoma" panose="020B0604030504040204" pitchFamily="34" charset="0"/>
-                <a:ea typeface="Tahoma" panose="020B0604030504040204" pitchFamily="34" charset="0"/>
-                <a:cs typeface="Tahoma" panose="020B0604030504040204" pitchFamily="34" charset="0"/>
-              </a:rPr>
-              <a:t>rewards</a:t>
-            </a:r>
-            <a:r>
-              <a:rPr lang="nl-NL" sz="1400" dirty="0">
-                <a:latin typeface="Tahoma" panose="020B0604030504040204" pitchFamily="34" charset="0"/>
-                <a:ea typeface="Tahoma" panose="020B0604030504040204" pitchFamily="34" charset="0"/>
-                <a:cs typeface="Tahoma" panose="020B0604030504040204" pitchFamily="34" charset="0"/>
-              </a:rPr>
-              <a:t> </a:t>
-            </a:r>
-            <a:r>
-              <a:rPr lang="nl-NL" sz="1400" dirty="0" err="1">
-                <a:latin typeface="Tahoma" panose="020B0604030504040204" pitchFamily="34" charset="0"/>
-                <a:ea typeface="Tahoma" panose="020B0604030504040204" pitchFamily="34" charset="0"/>
-                <a:cs typeface="Tahoma" panose="020B0604030504040204" pitchFamily="34" charset="0"/>
-              </a:rPr>
-              <a:t>for</a:t>
-            </a:r>
-            <a:r>
-              <a:rPr lang="nl-NL" sz="1400" dirty="0">
-                <a:latin typeface="Tahoma" panose="020B0604030504040204" pitchFamily="34" charset="0"/>
-                <a:ea typeface="Tahoma" panose="020B0604030504040204" pitchFamily="34" charset="0"/>
-                <a:cs typeface="Tahoma" panose="020B0604030504040204" pitchFamily="34" charset="0"/>
-              </a:rPr>
-              <a:t> actions.</a:t>
-            </a:r>
-          </a:p>
-          <a:p>
-            <a:endParaRPr lang="nl-NL" sz="1400" dirty="0">
+              <a:t>Reinforcement learning algorithms learn behavior in various environments based on rewards for actions.</a:t>
+            </a:r>
+          </a:p>
+          <a:p>
+            <a:endParaRPr lang="en-US" sz="1400" dirty="0">
               <a:latin typeface="Tahoma" panose="020B0604030504040204" pitchFamily="34" charset="0"/>
               <a:ea typeface="Tahoma" panose="020B0604030504040204" pitchFamily="34" charset="0"/>
               <a:cs typeface="Tahoma" panose="020B0604030504040204" pitchFamily="34" charset="0"/>
@@ -4017,7 +5305,7 @@
           </a:p>
           <a:p>
             <a:r>
-              <a:rPr lang="nl-NL" sz="1400" dirty="0" err="1">
+              <a:rPr lang="en-US" sz="1400" dirty="0" err="1">
                 <a:latin typeface="Tahoma" panose="020B0604030504040204" pitchFamily="34" charset="0"/>
                 <a:ea typeface="Tahoma" panose="020B0604030504040204" pitchFamily="34" charset="0"/>
                 <a:cs typeface="Tahoma" panose="020B0604030504040204" pitchFamily="34" charset="0"/>
@@ -4025,244 +5313,41 @@
               <a:t>ViZDoom</a:t>
             </a:r>
             <a:r>
-              <a:rPr lang="nl-NL" sz="1400" dirty="0">
+              <a:rPr lang="en-US" sz="1400" dirty="0">
                 <a:latin typeface="Tahoma" panose="020B0604030504040204" pitchFamily="34" charset="0"/>
                 <a:ea typeface="Tahoma" panose="020B0604030504040204" pitchFamily="34" charset="0"/>
                 <a:cs typeface="Tahoma" panose="020B0604030504040204" pitchFamily="34" charset="0"/>
               </a:rPr>
-              <a:t>: </a:t>
-            </a:r>
-            <a:r>
-              <a:rPr lang="nl-NL" sz="1400" dirty="0" err="1">
+              <a:t>: Partially observable environment with sparse or delayed rewards </a:t>
+            </a:r>
+          </a:p>
+          <a:p>
+            <a:endParaRPr lang="en-US" sz="1400" dirty="0">
+              <a:latin typeface="Tahoma" panose="020B0604030504040204" pitchFamily="34" charset="0"/>
+              <a:ea typeface="Tahoma" panose="020B0604030504040204" pitchFamily="34" charset="0"/>
+              <a:cs typeface="Tahoma" panose="020B0604030504040204" pitchFamily="34" charset="0"/>
+            </a:endParaRPr>
+          </a:p>
+          <a:p>
+            <a:r>
+              <a:rPr lang="en-US" sz="1400" dirty="0">
                 <a:latin typeface="Tahoma" panose="020B0604030504040204" pitchFamily="34" charset="0"/>
                 <a:ea typeface="Tahoma" panose="020B0604030504040204" pitchFamily="34" charset="0"/>
                 <a:cs typeface="Tahoma" panose="020B0604030504040204" pitchFamily="34" charset="0"/>
               </a:rPr>
-              <a:t>Partially</a:t>
-            </a:r>
-            <a:r>
-              <a:rPr lang="nl-NL" sz="1400" dirty="0">
-                <a:latin typeface="Tahoma" panose="020B0604030504040204" pitchFamily="34" charset="0"/>
-                <a:ea typeface="Tahoma" panose="020B0604030504040204" pitchFamily="34" charset="0"/>
-                <a:cs typeface="Tahoma" panose="020B0604030504040204" pitchFamily="34" charset="0"/>
-              </a:rPr>
-              <a:t> </a:t>
-            </a:r>
-            <a:r>
-              <a:rPr lang="nl-NL" sz="1400" dirty="0" err="1">
-                <a:latin typeface="Tahoma" panose="020B0604030504040204" pitchFamily="34" charset="0"/>
-                <a:ea typeface="Tahoma" panose="020B0604030504040204" pitchFamily="34" charset="0"/>
-                <a:cs typeface="Tahoma" panose="020B0604030504040204" pitchFamily="34" charset="0"/>
-              </a:rPr>
-              <a:t>observable</a:t>
-            </a:r>
-            <a:r>
-              <a:rPr lang="nl-NL" sz="1400" dirty="0">
-                <a:latin typeface="Tahoma" panose="020B0604030504040204" pitchFamily="34" charset="0"/>
-                <a:ea typeface="Tahoma" panose="020B0604030504040204" pitchFamily="34" charset="0"/>
-                <a:cs typeface="Tahoma" panose="020B0604030504040204" pitchFamily="34" charset="0"/>
-              </a:rPr>
-              <a:t> environment </a:t>
-            </a:r>
-            <a:r>
-              <a:rPr lang="nl-NL" sz="1400" dirty="0" err="1">
-                <a:latin typeface="Tahoma" panose="020B0604030504040204" pitchFamily="34" charset="0"/>
-                <a:ea typeface="Tahoma" panose="020B0604030504040204" pitchFamily="34" charset="0"/>
-                <a:cs typeface="Tahoma" panose="020B0604030504040204" pitchFamily="34" charset="0"/>
-              </a:rPr>
-              <a:t>with</a:t>
-            </a:r>
-            <a:r>
-              <a:rPr lang="nl-NL" sz="1400" dirty="0">
-                <a:latin typeface="Tahoma" panose="020B0604030504040204" pitchFamily="34" charset="0"/>
-                <a:ea typeface="Tahoma" panose="020B0604030504040204" pitchFamily="34" charset="0"/>
-                <a:cs typeface="Tahoma" panose="020B0604030504040204" pitchFamily="34" charset="0"/>
-              </a:rPr>
-              <a:t> </a:t>
-            </a:r>
-            <a:r>
-              <a:rPr lang="nl-NL" sz="1400" dirty="0" err="1">
-                <a:latin typeface="Tahoma" panose="020B0604030504040204" pitchFamily="34" charset="0"/>
-                <a:ea typeface="Tahoma" panose="020B0604030504040204" pitchFamily="34" charset="0"/>
-                <a:cs typeface="Tahoma" panose="020B0604030504040204" pitchFamily="34" charset="0"/>
-              </a:rPr>
-              <a:t>sparse</a:t>
-            </a:r>
-            <a:r>
-              <a:rPr lang="nl-NL" sz="1400" dirty="0">
-                <a:latin typeface="Tahoma" panose="020B0604030504040204" pitchFamily="34" charset="0"/>
-                <a:ea typeface="Tahoma" panose="020B0604030504040204" pitchFamily="34" charset="0"/>
-                <a:cs typeface="Tahoma" panose="020B0604030504040204" pitchFamily="34" charset="0"/>
-              </a:rPr>
-              <a:t> or </a:t>
-            </a:r>
-            <a:r>
-              <a:rPr lang="nl-NL" sz="1400" dirty="0" err="1">
-                <a:latin typeface="Tahoma" panose="020B0604030504040204" pitchFamily="34" charset="0"/>
-                <a:ea typeface="Tahoma" panose="020B0604030504040204" pitchFamily="34" charset="0"/>
-                <a:cs typeface="Tahoma" panose="020B0604030504040204" pitchFamily="34" charset="0"/>
-              </a:rPr>
-              <a:t>delayed</a:t>
-            </a:r>
-            <a:r>
-              <a:rPr lang="nl-NL" sz="1400" dirty="0">
-                <a:latin typeface="Tahoma" panose="020B0604030504040204" pitchFamily="34" charset="0"/>
-                <a:ea typeface="Tahoma" panose="020B0604030504040204" pitchFamily="34" charset="0"/>
-                <a:cs typeface="Tahoma" panose="020B0604030504040204" pitchFamily="34" charset="0"/>
-              </a:rPr>
-              <a:t> </a:t>
-            </a:r>
-            <a:r>
-              <a:rPr lang="nl-NL" sz="1400" dirty="0" err="1">
-                <a:latin typeface="Tahoma" panose="020B0604030504040204" pitchFamily="34" charset="0"/>
-                <a:ea typeface="Tahoma" panose="020B0604030504040204" pitchFamily="34" charset="0"/>
-                <a:cs typeface="Tahoma" panose="020B0604030504040204" pitchFamily="34" charset="0"/>
-              </a:rPr>
-              <a:t>rewards</a:t>
-            </a:r>
-            <a:r>
-              <a:rPr lang="nl-NL" sz="1400" dirty="0">
-                <a:latin typeface="Tahoma" panose="020B0604030504040204" pitchFamily="34" charset="0"/>
-                <a:ea typeface="Tahoma" panose="020B0604030504040204" pitchFamily="34" charset="0"/>
-                <a:cs typeface="Tahoma" panose="020B0604030504040204" pitchFamily="34" charset="0"/>
-              </a:rPr>
-              <a:t> </a:t>
-            </a:r>
-          </a:p>
-          <a:p>
-            <a:endParaRPr lang="nl-NL" sz="1400" dirty="0">
-              <a:latin typeface="Tahoma" panose="020B0604030504040204" pitchFamily="34" charset="0"/>
-              <a:ea typeface="Tahoma" panose="020B0604030504040204" pitchFamily="34" charset="0"/>
-              <a:cs typeface="Tahoma" panose="020B0604030504040204" pitchFamily="34" charset="0"/>
-            </a:endParaRPr>
-          </a:p>
-          <a:p>
-            <a:r>
-              <a:rPr lang="nl-NL" sz="1400" dirty="0" err="1">
-                <a:latin typeface="Tahoma" panose="020B0604030504040204" pitchFamily="34" charset="0"/>
-                <a:ea typeface="Tahoma" panose="020B0604030504040204" pitchFamily="34" charset="0"/>
-                <a:cs typeface="Tahoma" panose="020B0604030504040204" pitchFamily="34" charset="0"/>
-              </a:rPr>
-              <a:t>Other</a:t>
-            </a:r>
-            <a:r>
-              <a:rPr lang="nl-NL" sz="1400" dirty="0">
-                <a:latin typeface="Tahoma" panose="020B0604030504040204" pitchFamily="34" charset="0"/>
-                <a:ea typeface="Tahoma" panose="020B0604030504040204" pitchFamily="34" charset="0"/>
-                <a:cs typeface="Tahoma" panose="020B0604030504040204" pitchFamily="34" charset="0"/>
-              </a:rPr>
-              <a:t> </a:t>
-            </a:r>
-            <a:r>
-              <a:rPr lang="nl-NL" sz="1400" dirty="0" err="1">
-                <a:latin typeface="Tahoma" panose="020B0604030504040204" pitchFamily="34" charset="0"/>
-                <a:ea typeface="Tahoma" panose="020B0604030504040204" pitchFamily="34" charset="0"/>
-                <a:cs typeface="Tahoma" panose="020B0604030504040204" pitchFamily="34" charset="0"/>
-              </a:rPr>
-              <a:t>implementations</a:t>
-            </a:r>
-            <a:r>
-              <a:rPr lang="nl-NL" sz="1400" dirty="0">
-                <a:latin typeface="Tahoma" panose="020B0604030504040204" pitchFamily="34" charset="0"/>
-                <a:ea typeface="Tahoma" panose="020B0604030504040204" pitchFamily="34" charset="0"/>
-                <a:cs typeface="Tahoma" panose="020B0604030504040204" pitchFamily="34" charset="0"/>
-              </a:rPr>
-              <a:t> </a:t>
-            </a:r>
-            <a:r>
-              <a:rPr lang="nl-NL" sz="1400" dirty="0" err="1">
-                <a:latin typeface="Tahoma" panose="020B0604030504040204" pitchFamily="34" charset="0"/>
-                <a:ea typeface="Tahoma" panose="020B0604030504040204" pitchFamily="34" charset="0"/>
-                <a:cs typeface="Tahoma" panose="020B0604030504040204" pitchFamily="34" charset="0"/>
-              </a:rPr>
-              <a:t>based</a:t>
-            </a:r>
-            <a:r>
-              <a:rPr lang="nl-NL" sz="1400" dirty="0">
-                <a:latin typeface="Tahoma" panose="020B0604030504040204" pitchFamily="34" charset="0"/>
-                <a:ea typeface="Tahoma" panose="020B0604030504040204" pitchFamily="34" charset="0"/>
-                <a:cs typeface="Tahoma" panose="020B0604030504040204" pitchFamily="34" charset="0"/>
-              </a:rPr>
-              <a:t> on </a:t>
-            </a:r>
-            <a:r>
-              <a:rPr lang="nl-NL" sz="1400" dirty="0" err="1">
-                <a:latin typeface="Tahoma" panose="020B0604030504040204" pitchFamily="34" charset="0"/>
-                <a:ea typeface="Tahoma" panose="020B0604030504040204" pitchFamily="34" charset="0"/>
-                <a:cs typeface="Tahoma" panose="020B0604030504040204" pitchFamily="34" charset="0"/>
-              </a:rPr>
-              <a:t>experience</a:t>
-            </a:r>
-            <a:r>
-              <a:rPr lang="nl-NL" sz="1400" dirty="0">
-                <a:latin typeface="Tahoma" panose="020B0604030504040204" pitchFamily="34" charset="0"/>
-                <a:ea typeface="Tahoma" panose="020B0604030504040204" pitchFamily="34" charset="0"/>
-                <a:cs typeface="Tahoma" panose="020B0604030504040204" pitchFamily="34" charset="0"/>
-              </a:rPr>
-              <a:t> replay</a:t>
-            </a:r>
-          </a:p>
-          <a:p>
-            <a:pPr marL="285750" indent="-285750">
-              <a:buFont typeface="Arial" panose="020B0604020202020204" pitchFamily="34" charset="0"/>
-              <a:buChar char="•"/>
-            </a:pPr>
-            <a:r>
-              <a:rPr lang="nl-NL" sz="1400" dirty="0" err="1">
-                <a:latin typeface="Tahoma" panose="020B0604030504040204" pitchFamily="34" charset="0"/>
-                <a:ea typeface="Tahoma" panose="020B0604030504040204" pitchFamily="34" charset="0"/>
-                <a:cs typeface="Tahoma" panose="020B0604030504040204" pitchFamily="34" charset="0"/>
-              </a:rPr>
-              <a:t>Computationally</a:t>
-            </a:r>
-            <a:r>
-              <a:rPr lang="nl-NL" sz="1400" dirty="0">
-                <a:latin typeface="Tahoma" panose="020B0604030504040204" pitchFamily="34" charset="0"/>
-                <a:ea typeface="Tahoma" panose="020B0604030504040204" pitchFamily="34" charset="0"/>
-                <a:cs typeface="Tahoma" panose="020B0604030504040204" pitchFamily="34" charset="0"/>
-              </a:rPr>
-              <a:t> heavy </a:t>
-            </a:r>
-            <a:r>
-              <a:rPr lang="nl-NL" sz="1400" dirty="0" err="1">
-                <a:latin typeface="Tahoma" panose="020B0604030504040204" pitchFamily="34" charset="0"/>
-                <a:ea typeface="Tahoma" panose="020B0604030504040204" pitchFamily="34" charset="0"/>
-                <a:cs typeface="Tahoma" panose="020B0604030504040204" pitchFamily="34" charset="0"/>
-              </a:rPr>
-              <a:t>and</a:t>
-            </a:r>
-            <a:r>
-              <a:rPr lang="nl-NL" sz="1400" dirty="0">
-                <a:latin typeface="Tahoma" panose="020B0604030504040204" pitchFamily="34" charset="0"/>
-                <a:ea typeface="Tahoma" panose="020B0604030504040204" pitchFamily="34" charset="0"/>
-                <a:cs typeface="Tahoma" panose="020B0604030504040204" pitchFamily="34" charset="0"/>
-              </a:rPr>
-              <a:t> </a:t>
-            </a:r>
-            <a:r>
-              <a:rPr lang="nl-NL" sz="1400" dirty="0" err="1">
-                <a:latin typeface="Tahoma" panose="020B0604030504040204" pitchFamily="34" charset="0"/>
-                <a:ea typeface="Tahoma" panose="020B0604030504040204" pitchFamily="34" charset="0"/>
-                <a:cs typeface="Tahoma" panose="020B0604030504040204" pitchFamily="34" charset="0"/>
-              </a:rPr>
-              <a:t>unstable</a:t>
-            </a:r>
-            <a:endParaRPr lang="nl-NL" sz="1400" dirty="0">
-              <a:latin typeface="Tahoma" panose="020B0604030504040204" pitchFamily="34" charset="0"/>
-              <a:ea typeface="Tahoma" panose="020B0604030504040204" pitchFamily="34" charset="0"/>
-              <a:cs typeface="Tahoma" panose="020B0604030504040204" pitchFamily="34" charset="0"/>
-            </a:endParaRPr>
+              <a:t>Other implementations based on experience replay are computationally heavy and potentially unstable</a:t>
+            </a:r>
           </a:p>
           <a:p>
             <a:br>
-              <a:rPr lang="nl-NL" sz="1400" dirty="0">
+              <a:rPr lang="en-US" sz="1400" dirty="0">
                 <a:latin typeface="Tahoma" panose="020B0604030504040204" pitchFamily="34" charset="0"/>
                 <a:ea typeface="Tahoma" panose="020B0604030504040204" pitchFamily="34" charset="0"/>
                 <a:cs typeface="Tahoma" panose="020B0604030504040204" pitchFamily="34" charset="0"/>
               </a:rPr>
             </a:br>
             <a:r>
-              <a:rPr lang="nl-NL" sz="1400" dirty="0">
+              <a:rPr lang="en-US" sz="1400" dirty="0">
                 <a:latin typeface="Tahoma" panose="020B0604030504040204" pitchFamily="34" charset="0"/>
                 <a:ea typeface="Tahoma" panose="020B0604030504040204" pitchFamily="34" charset="0"/>
                 <a:cs typeface="Tahoma" panose="020B0604030504040204" pitchFamily="34" charset="0"/>
@@ -4271,174 +5356,27 @@
               <a:t> </a:t>
             </a:r>
             <a:r>
-              <a:rPr lang="nl-NL" sz="1400" dirty="0" err="1">
+              <a:rPr lang="en-US" sz="1400" dirty="0">
                 <a:latin typeface="Tahoma" panose="020B0604030504040204" pitchFamily="34" charset="0"/>
                 <a:ea typeface="Tahoma" panose="020B0604030504040204" pitchFamily="34" charset="0"/>
                 <a:cs typeface="Tahoma" panose="020B0604030504040204" pitchFamily="34" charset="0"/>
               </a:rPr>
-              <a:t>Asynchronous</a:t>
-            </a:r>
-            <a:r>
-              <a:rPr lang="nl-NL" sz="1400" dirty="0">
-                <a:latin typeface="Tahoma" panose="020B0604030504040204" pitchFamily="34" charset="0"/>
-                <a:ea typeface="Tahoma" panose="020B0604030504040204" pitchFamily="34" charset="0"/>
-                <a:cs typeface="Tahoma" panose="020B0604030504040204" pitchFamily="34" charset="0"/>
-              </a:rPr>
-              <a:t> approach </a:t>
-            </a:r>
-            <a:r>
-              <a:rPr lang="nl-NL" sz="1400" dirty="0" err="1">
-                <a:latin typeface="Tahoma" panose="020B0604030504040204" pitchFamily="34" charset="0"/>
-                <a:ea typeface="Tahoma" panose="020B0604030504040204" pitchFamily="34" charset="0"/>
-                <a:cs typeface="Tahoma" panose="020B0604030504040204" pitchFamily="34" charset="0"/>
-              </a:rPr>
-              <a:t>proposed</a:t>
-            </a:r>
-            <a:endParaRPr lang="nl-NL" sz="1400" dirty="0">
-              <a:latin typeface="Tahoma" panose="020B0604030504040204" pitchFamily="34" charset="0"/>
-              <a:ea typeface="Tahoma" panose="020B0604030504040204" pitchFamily="34" charset="0"/>
-              <a:cs typeface="Tahoma" panose="020B0604030504040204" pitchFamily="34" charset="0"/>
-            </a:endParaRPr>
+              <a:t>Asynchronous approach proposed</a:t>
+            </a:r>
           </a:p>
           <a:p>
             <a:br>
-              <a:rPr lang="nl-NL" sz="1600" dirty="0">
+              <a:rPr lang="en-US" sz="1600" dirty="0">
                 <a:latin typeface="Tahoma" panose="020B0604030504040204" pitchFamily="34" charset="0"/>
                 <a:ea typeface="Tahoma" panose="020B0604030504040204" pitchFamily="34" charset="0"/>
                 <a:cs typeface="Tahoma" panose="020B0604030504040204" pitchFamily="34" charset="0"/>
               </a:rPr>
             </a:br>
-            <a:endParaRPr lang="nl-NL" sz="1600" dirty="0">
+            <a:endParaRPr lang="en-US" sz="1600" dirty="0">
               <a:latin typeface="Tahoma" panose="020B0604030504040204" pitchFamily="34" charset="0"/>
               <a:ea typeface="Tahoma" panose="020B0604030504040204" pitchFamily="34" charset="0"/>
               <a:cs typeface="Tahoma" panose="020B0604030504040204" pitchFamily="34" charset="0"/>
             </a:endParaRPr>
-          </a:p>
-        </p:txBody>
-      </p:sp>
-      <p:sp>
-        <p:nvSpPr>
-          <p:cNvPr id="39" name="Tekstvak 38">
-            <a:extLst>
-              <a:ext uri="{FF2B5EF4-FFF2-40B4-BE49-F238E27FC236}">
-                <a16:creationId xmlns:a16="http://schemas.microsoft.com/office/drawing/2014/main" id="{58901D94-DD6B-448E-BB63-1992088B4BB6}"/>
-              </a:ext>
-            </a:extLst>
-          </p:cNvPr>
-          <p:cNvSpPr txBox="1"/>
-          <p:nvPr/>
-        </p:nvSpPr>
-        <p:spPr>
-          <a:xfrm>
-            <a:off x="9384474" y="3052249"/>
-            <a:ext cx="2231862" cy="307777"/>
-          </a:xfrm>
-          <a:prstGeom prst="rect">
-            <a:avLst/>
-          </a:prstGeom>
-          <a:noFill/>
-        </p:spPr>
-        <p:txBody>
-          <a:bodyPr wrap="square" rtlCol="0">
-            <a:spAutoFit/>
-          </a:bodyPr>
-          <a:lstStyle/>
-          <a:p>
-            <a:r>
-              <a:rPr lang="nl-NL" sz="1400" dirty="0" err="1">
-                <a:latin typeface="Tahoma" panose="020B0604030504040204" pitchFamily="34" charset="0"/>
-                <a:ea typeface="Tahoma" panose="020B0604030504040204" pitchFamily="34" charset="0"/>
-                <a:cs typeface="Tahoma" panose="020B0604030504040204" pitchFamily="34" charset="0"/>
-              </a:rPr>
-              <a:t>Defend</a:t>
-            </a:r>
-            <a:r>
-              <a:rPr lang="nl-NL" sz="1400" dirty="0">
-                <a:latin typeface="Tahoma" panose="020B0604030504040204" pitchFamily="34" charset="0"/>
-                <a:ea typeface="Tahoma" panose="020B0604030504040204" pitchFamily="34" charset="0"/>
-                <a:cs typeface="Tahoma" panose="020B0604030504040204" pitchFamily="34" charset="0"/>
-              </a:rPr>
-              <a:t> </a:t>
-            </a:r>
-            <a:r>
-              <a:rPr lang="nl-NL" sz="1400" dirty="0" err="1">
-                <a:latin typeface="Tahoma" panose="020B0604030504040204" pitchFamily="34" charset="0"/>
-                <a:ea typeface="Tahoma" panose="020B0604030504040204" pitchFamily="34" charset="0"/>
-                <a:cs typeface="Tahoma" panose="020B0604030504040204" pitchFamily="34" charset="0"/>
-              </a:rPr>
-              <a:t>the</a:t>
-            </a:r>
-            <a:r>
-              <a:rPr lang="nl-NL" sz="1400" dirty="0">
-                <a:latin typeface="Tahoma" panose="020B0604030504040204" pitchFamily="34" charset="0"/>
-                <a:ea typeface="Tahoma" panose="020B0604030504040204" pitchFamily="34" charset="0"/>
-                <a:cs typeface="Tahoma" panose="020B0604030504040204" pitchFamily="34" charset="0"/>
-              </a:rPr>
-              <a:t> center</a:t>
-            </a:r>
-          </a:p>
-        </p:txBody>
-      </p:sp>
-      <p:sp>
-        <p:nvSpPr>
-          <p:cNvPr id="41" name="Tekstvak 40">
-            <a:extLst>
-              <a:ext uri="{FF2B5EF4-FFF2-40B4-BE49-F238E27FC236}">
-                <a16:creationId xmlns:a16="http://schemas.microsoft.com/office/drawing/2014/main" id="{8F7A41B1-5591-4755-B435-E4219EB20781}"/>
-              </a:ext>
-            </a:extLst>
-          </p:cNvPr>
-          <p:cNvSpPr txBox="1"/>
-          <p:nvPr/>
-        </p:nvSpPr>
-        <p:spPr>
-          <a:xfrm>
-            <a:off x="9403594" y="1066329"/>
-            <a:ext cx="2231862" cy="307777"/>
-          </a:xfrm>
-          <a:prstGeom prst="rect">
-            <a:avLst/>
-          </a:prstGeom>
-          <a:noFill/>
-        </p:spPr>
-        <p:txBody>
-          <a:bodyPr wrap="square" rtlCol="0">
-            <a:spAutoFit/>
-          </a:bodyPr>
-          <a:lstStyle/>
-          <a:p>
-            <a:r>
-              <a:rPr lang="nl-NL" sz="1400" dirty="0" err="1">
-                <a:latin typeface="Tahoma" panose="020B0604030504040204" pitchFamily="34" charset="0"/>
-                <a:ea typeface="Tahoma" panose="020B0604030504040204" pitchFamily="34" charset="0"/>
-                <a:cs typeface="Tahoma" panose="020B0604030504040204" pitchFamily="34" charset="0"/>
-              </a:rPr>
-              <a:t>Defend</a:t>
-            </a:r>
-            <a:r>
-              <a:rPr lang="nl-NL" sz="1400" dirty="0">
-                <a:latin typeface="Tahoma" panose="020B0604030504040204" pitchFamily="34" charset="0"/>
-                <a:ea typeface="Tahoma" panose="020B0604030504040204" pitchFamily="34" charset="0"/>
-                <a:cs typeface="Tahoma" panose="020B0604030504040204" pitchFamily="34" charset="0"/>
-              </a:rPr>
-              <a:t> </a:t>
-            </a:r>
-            <a:r>
-              <a:rPr lang="nl-NL" sz="1400" dirty="0" err="1">
-                <a:latin typeface="Tahoma" panose="020B0604030504040204" pitchFamily="34" charset="0"/>
-                <a:ea typeface="Tahoma" panose="020B0604030504040204" pitchFamily="34" charset="0"/>
-                <a:cs typeface="Tahoma" panose="020B0604030504040204" pitchFamily="34" charset="0"/>
-              </a:rPr>
-              <a:t>the</a:t>
-            </a:r>
-            <a:r>
-              <a:rPr lang="nl-NL" sz="1400" dirty="0">
-                <a:latin typeface="Tahoma" panose="020B0604030504040204" pitchFamily="34" charset="0"/>
-                <a:ea typeface="Tahoma" panose="020B0604030504040204" pitchFamily="34" charset="0"/>
-                <a:cs typeface="Tahoma" panose="020B0604030504040204" pitchFamily="34" charset="0"/>
-              </a:rPr>
-              <a:t> line</a:t>
-            </a:r>
           </a:p>
         </p:txBody>
       </p:sp>
@@ -4471,72 +5409,12 @@
           <a:lstStyle/>
           <a:p>
             <a:r>
-              <a:rPr lang="nl-NL" sz="1400" dirty="0" err="1">
+              <a:rPr lang="en-US" sz="1400">
                 <a:latin typeface="Tahoma" panose="020B0604030504040204" pitchFamily="34" charset="0"/>
                 <a:ea typeface="Tahoma" panose="020B0604030504040204" pitchFamily="34" charset="0"/>
                 <a:cs typeface="Tahoma" panose="020B0604030504040204" pitchFamily="34" charset="0"/>
               </a:rPr>
-              <a:t>Predict</a:t>
-            </a:r>
-            <a:r>
-              <a:rPr lang="nl-NL" sz="1400" dirty="0">
-                <a:latin typeface="Tahoma" panose="020B0604030504040204" pitchFamily="34" charset="0"/>
-                <a:ea typeface="Tahoma" panose="020B0604030504040204" pitchFamily="34" charset="0"/>
-                <a:cs typeface="Tahoma" panose="020B0604030504040204" pitchFamily="34" charset="0"/>
-              </a:rPr>
-              <a:t> </a:t>
-            </a:r>
-            <a:r>
-              <a:rPr lang="nl-NL" sz="1400" dirty="0" err="1">
-                <a:latin typeface="Tahoma" panose="020B0604030504040204" pitchFamily="34" charset="0"/>
-                <a:ea typeface="Tahoma" panose="020B0604030504040204" pitchFamily="34" charset="0"/>
-                <a:cs typeface="Tahoma" panose="020B0604030504040204" pitchFamily="34" charset="0"/>
-              </a:rPr>
-              <a:t>Position</a:t>
-            </a:r>
-            <a:endParaRPr lang="nl-NL" sz="1400" dirty="0">
-              <a:latin typeface="Tahoma" panose="020B0604030504040204" pitchFamily="34" charset="0"/>
-              <a:ea typeface="Tahoma" panose="020B0604030504040204" pitchFamily="34" charset="0"/>
-              <a:cs typeface="Tahoma" panose="020B0604030504040204" pitchFamily="34" charset="0"/>
-            </a:endParaRPr>
-          </a:p>
-        </p:txBody>
-      </p:sp>
-      <p:sp>
-        <p:nvSpPr>
-          <p:cNvPr id="45" name="Tekstvak 44">
-            <a:extLst>
-              <a:ext uri="{FF2B5EF4-FFF2-40B4-BE49-F238E27FC236}">
-                <a16:creationId xmlns:a16="http://schemas.microsoft.com/office/drawing/2014/main" id="{B53D755B-4DF3-4FB3-9942-C36A7B7D54F6}"/>
-              </a:ext>
-            </a:extLst>
-          </p:cNvPr>
-          <p:cNvSpPr txBox="1"/>
-          <p:nvPr/>
-        </p:nvSpPr>
-        <p:spPr>
-          <a:xfrm>
-            <a:off x="6744539" y="1066329"/>
-            <a:ext cx="2231862" cy="307777"/>
-          </a:xfrm>
-          <a:prstGeom prst="rect">
-            <a:avLst/>
-          </a:prstGeom>
-          <a:noFill/>
-        </p:spPr>
-        <p:txBody>
-          <a:bodyPr wrap="square" rtlCol="0">
-            <a:spAutoFit/>
-          </a:bodyPr>
-          <a:lstStyle/>
-          <a:p>
-            <a:r>
-              <a:rPr lang="nl-NL" sz="1400" dirty="0">
-                <a:latin typeface="Tahoma" panose="020B0604030504040204" pitchFamily="34" charset="0"/>
-                <a:ea typeface="Tahoma" panose="020B0604030504040204" pitchFamily="34" charset="0"/>
-                <a:cs typeface="Tahoma" panose="020B0604030504040204" pitchFamily="34" charset="0"/>
-              </a:rPr>
-              <a:t>Basic</a:t>
+              <a:t>Predict Position</a:t>
             </a:r>
           </a:p>
         </p:txBody>
@@ -4571,7 +5449,7 @@
           <a:p>
             <a:pPr algn="ctr"/>
             <a:r>
-              <a:rPr lang="nl-NL" sz="1200" dirty="0" err="1">
+              <a:rPr lang="en-US" sz="1200">
                 <a:solidFill>
                   <a:schemeClr val="bg1"/>
                 </a:solidFill>
@@ -4579,84 +5457,7 @@
                 <a:ea typeface="Tahoma" panose="020B0604030504040204" pitchFamily="34" charset="0"/>
                 <a:cs typeface="Tahoma" panose="020B0604030504040204" pitchFamily="34" charset="0"/>
               </a:rPr>
-              <a:t>Aksel</a:t>
-            </a:r>
-            <a:r>
-              <a:rPr lang="nl-NL" sz="1200" dirty="0">
-                <a:solidFill>
-                  <a:schemeClr val="bg1"/>
-                </a:solidFill>
-                <a:latin typeface="Tahoma" panose="020B0604030504040204" pitchFamily="34" charset="0"/>
-                <a:ea typeface="Tahoma" panose="020B0604030504040204" pitchFamily="34" charset="0"/>
-                <a:cs typeface="Tahoma" panose="020B0604030504040204" pitchFamily="34" charset="0"/>
-              </a:rPr>
-              <a:t> </a:t>
-            </a:r>
-            <a:r>
-              <a:rPr lang="nl-NL" sz="1200" dirty="0" err="1">
-                <a:solidFill>
-                  <a:schemeClr val="bg1"/>
-                </a:solidFill>
-                <a:latin typeface="Tahoma" panose="020B0604030504040204" pitchFamily="34" charset="0"/>
-                <a:ea typeface="Tahoma" panose="020B0604030504040204" pitchFamily="34" charset="0"/>
-                <a:cs typeface="Tahoma" panose="020B0604030504040204" pitchFamily="34" charset="0"/>
-              </a:rPr>
-              <a:t>Obdrup</a:t>
-            </a:r>
-            <a:r>
-              <a:rPr lang="nl-NL" sz="1200" dirty="0">
-                <a:solidFill>
-                  <a:schemeClr val="bg1"/>
-                </a:solidFill>
-                <a:latin typeface="Tahoma" panose="020B0604030504040204" pitchFamily="34" charset="0"/>
-                <a:ea typeface="Tahoma" panose="020B0604030504040204" pitchFamily="34" charset="0"/>
-                <a:cs typeface="Tahoma" panose="020B0604030504040204" pitchFamily="34" charset="0"/>
-              </a:rPr>
-              <a:t> (s144089), Elin Dijkstra (s182774), Louis Hein (s181573) &amp; Tobias </a:t>
-            </a:r>
-            <a:r>
-              <a:rPr lang="nl-NL" sz="1200" dirty="0" err="1">
-                <a:solidFill>
-                  <a:schemeClr val="bg1"/>
-                </a:solidFill>
-                <a:latin typeface="Tahoma" panose="020B0604030504040204" pitchFamily="34" charset="0"/>
-                <a:ea typeface="Tahoma" panose="020B0604030504040204" pitchFamily="34" charset="0"/>
-                <a:cs typeface="Tahoma" panose="020B0604030504040204" pitchFamily="34" charset="0"/>
-              </a:rPr>
-              <a:t>Konradsen</a:t>
-            </a:r>
-            <a:r>
-              <a:rPr lang="nl-NL" sz="1200" dirty="0">
-                <a:solidFill>
-                  <a:schemeClr val="bg1"/>
-                </a:solidFill>
-                <a:latin typeface="Tahoma" panose="020B0604030504040204" pitchFamily="34" charset="0"/>
-                <a:ea typeface="Tahoma" panose="020B0604030504040204" pitchFamily="34" charset="0"/>
-                <a:cs typeface="Tahoma" panose="020B0604030504040204" pitchFamily="34" charset="0"/>
-              </a:rPr>
-              <a:t> (s144077) – DTU </a:t>
-            </a:r>
-            <a:r>
-              <a:rPr lang="nl-NL" sz="1200" dirty="0" err="1">
-                <a:solidFill>
-                  <a:schemeClr val="bg1"/>
-                </a:solidFill>
-                <a:latin typeface="Tahoma" panose="020B0604030504040204" pitchFamily="34" charset="0"/>
-                <a:ea typeface="Tahoma" panose="020B0604030504040204" pitchFamily="34" charset="0"/>
-                <a:cs typeface="Tahoma" panose="020B0604030504040204" pitchFamily="34" charset="0"/>
-              </a:rPr>
-              <a:t>Compute</a:t>
-            </a:r>
-            <a:r>
-              <a:rPr lang="nl-NL" sz="1200" dirty="0">
-                <a:solidFill>
-                  <a:schemeClr val="bg1"/>
-                </a:solidFill>
-                <a:latin typeface="Tahoma" panose="020B0604030504040204" pitchFamily="34" charset="0"/>
-                <a:ea typeface="Tahoma" panose="020B0604030504040204" pitchFamily="34" charset="0"/>
-                <a:cs typeface="Tahoma" panose="020B0604030504040204" pitchFamily="34" charset="0"/>
-              </a:rPr>
-              <a:t> – 02460 Advanced Machine Learning</a:t>
+              <a:t>Aksel Obdrup (s144089), Elin Dijkstra (s182774), Louis Hein (s181573) &amp; Tobias Konradsen (s144077) – DTU Compute – 02460 Advanced Machine Learning</a:t>
             </a:r>
           </a:p>
         </p:txBody>
@@ -4677,8 +5478,8 @@
             </p:nvSpPr>
             <p:spPr>
               <a:xfrm>
-                <a:off x="6655402" y="5210387"/>
-                <a:ext cx="5079245" cy="1954381"/>
+                <a:off x="6534102" y="5154401"/>
+                <a:ext cx="5504957" cy="2077492"/>
               </a:xfrm>
               <a:prstGeom prst="rect">
                 <a:avLst/>
@@ -4697,44 +5498,12 @@
                   </a:lnSpc>
                 </a:pPr>
                 <a:r>
-                  <a:rPr lang="nl-NL" sz="1400" dirty="0">
+                  <a:rPr lang="en-US" sz="1400" dirty="0">
                     <a:latin typeface="Tahoma" panose="020B0604030504040204" pitchFamily="34" charset="0"/>
                     <a:ea typeface="Tahoma" panose="020B0604030504040204" pitchFamily="34" charset="0"/>
                     <a:cs typeface="Tahoma" panose="020B0604030504040204" pitchFamily="34" charset="0"/>
                   </a:rPr>
-                  <a:t>Learning is </a:t>
-                </a:r>
-                <a:r>
-                  <a:rPr lang="nl-NL" sz="1400" dirty="0" err="1">
-                    <a:latin typeface="Tahoma" panose="020B0604030504040204" pitchFamily="34" charset="0"/>
-                    <a:ea typeface="Tahoma" panose="020B0604030504040204" pitchFamily="34" charset="0"/>
-                    <a:cs typeface="Tahoma" panose="020B0604030504040204" pitchFamily="34" charset="0"/>
-                  </a:rPr>
-                  <a:t>sensitive</a:t>
-                </a:r>
-                <a:r>
-                  <a:rPr lang="nl-NL" sz="1400" dirty="0">
-                    <a:latin typeface="Tahoma" panose="020B0604030504040204" pitchFamily="34" charset="0"/>
-                    <a:ea typeface="Tahoma" panose="020B0604030504040204" pitchFamily="34" charset="0"/>
-                    <a:cs typeface="Tahoma" panose="020B0604030504040204" pitchFamily="34" charset="0"/>
-                  </a:rPr>
-                  <a:t> </a:t>
-                </a:r>
-                <a:r>
-                  <a:rPr lang="nl-NL" sz="1400" dirty="0" err="1">
-                    <a:latin typeface="Tahoma" panose="020B0604030504040204" pitchFamily="34" charset="0"/>
-                    <a:ea typeface="Tahoma" panose="020B0604030504040204" pitchFamily="34" charset="0"/>
-                    <a:cs typeface="Tahoma" panose="020B0604030504040204" pitchFamily="34" charset="0"/>
-                  </a:rPr>
-                  <a:t>to</a:t>
-                </a:r>
-                <a:r>
-                  <a:rPr lang="nl-NL" sz="1400" dirty="0">
-                    <a:latin typeface="Tahoma" panose="020B0604030504040204" pitchFamily="34" charset="0"/>
-                    <a:ea typeface="Tahoma" panose="020B0604030504040204" pitchFamily="34" charset="0"/>
-                    <a:cs typeface="Tahoma" panose="020B0604030504040204" pitchFamily="34" charset="0"/>
-                  </a:rPr>
-                  <a:t> hyperparameters</a:t>
+                  <a:t>Learning is sensitive to experiment settings</a:t>
                 </a:r>
               </a:p>
               <a:p>
@@ -4743,58 +5512,26 @@
                   <a:buChar char="•"/>
                 </a:pPr>
                 <a:r>
-                  <a:rPr lang="nl-NL" sz="1200" dirty="0">
+                  <a:rPr lang="en-US" sz="1200" dirty="0">
                     <a:latin typeface="Tahoma" panose="020B0604030504040204" pitchFamily="34" charset="0"/>
                     <a:ea typeface="Tahoma" panose="020B0604030504040204" pitchFamily="34" charset="0"/>
                     <a:cs typeface="Tahoma" panose="020B0604030504040204" pitchFamily="34" charset="0"/>
                   </a:rPr>
-                  <a:t>Learning </a:t>
-                </a:r>
-                <a:r>
-                  <a:rPr lang="nl-NL" sz="1200" dirty="0" err="1">
-                    <a:latin typeface="Tahoma" panose="020B0604030504040204" pitchFamily="34" charset="0"/>
-                    <a:ea typeface="Tahoma" panose="020B0604030504040204" pitchFamily="34" charset="0"/>
-                    <a:cs typeface="Tahoma" panose="020B0604030504040204" pitchFamily="34" charset="0"/>
-                  </a:rPr>
-                  <a:t>rate</a:t>
-                </a:r>
-                <a:r>
-                  <a:rPr lang="nl-NL" sz="1200" dirty="0">
-                    <a:latin typeface="Tahoma" panose="020B0604030504040204" pitchFamily="34" charset="0"/>
-                    <a:ea typeface="Tahoma" panose="020B0604030504040204" pitchFamily="34" charset="0"/>
-                    <a:cs typeface="Tahoma" panose="020B0604030504040204" pitchFamily="34" charset="0"/>
-                  </a:rPr>
-                  <a:t>: 	</a:t>
-                </a:r>
-                <a:r>
-                  <a:rPr lang="nl-NL" sz="1200" dirty="0" err="1">
-                    <a:latin typeface="Tahoma" panose="020B0604030504040204" pitchFamily="34" charset="0"/>
-                    <a:ea typeface="Tahoma" panose="020B0604030504040204" pitchFamily="34" charset="0"/>
-                    <a:cs typeface="Tahoma" panose="020B0604030504040204" pitchFamily="34" charset="0"/>
-                  </a:rPr>
-                  <a:t>Optimal</a:t>
-                </a:r>
-                <a:r>
-                  <a:rPr lang="nl-NL" sz="1200" dirty="0">
-                    <a:latin typeface="Tahoma" panose="020B0604030504040204" pitchFamily="34" charset="0"/>
-                    <a:ea typeface="Tahoma" panose="020B0604030504040204" pitchFamily="34" charset="0"/>
-                    <a:cs typeface="Tahoma" panose="020B0604030504040204" pitchFamily="34" charset="0"/>
-                  </a:rPr>
-                  <a:t> found </a:t>
+                  <a:t>Learning rate: 	Optimal found </a:t>
                 </a:r>
                 <a14:m>
                   <m:oMath xmlns:m="http://schemas.openxmlformats.org/officeDocument/2006/math">
                     <m:sSup>
                       <m:sSupPr>
                         <m:ctrlPr>
-                          <a:rPr lang="pt-BR" sz="1200" i="1" smtClean="0">
+                          <a:rPr lang="en-US" sz="1200" i="1" smtClean="0">
                             <a:latin typeface="Cambria Math" panose="02040503050406030204" pitchFamily="18" charset="0"/>
                           </a:rPr>
                         </m:ctrlPr>
                       </m:sSupPr>
                       <m:e>
                         <m:r>
-                          <a:rPr lang="nl-NL" sz="1200" i="1" smtClean="0">
+                          <a:rPr lang="en-US" sz="1200" i="1" smtClean="0">
                             <a:latin typeface="Cambria Math" panose="02040503050406030204" pitchFamily="18" charset="0"/>
                           </a:rPr>
                           <m:t>10</m:t>
@@ -4802,7 +5539,7 @@
                       </m:e>
                       <m:sup>
                         <m:r>
-                          <a:rPr lang="nl-NL" sz="1200" i="1" smtClean="0">
+                          <a:rPr lang="en-US" sz="1200" i="1" smtClean="0">
                             <a:latin typeface="Cambria Math" panose="02040503050406030204" pitchFamily="18" charset="0"/>
                           </a:rPr>
                           <m:t>−4</m:t>
@@ -4811,7 +5548,7 @@
                     </m:sSup>
                   </m:oMath>
                 </a14:m>
-                <a:endParaRPr lang="nl-NL" sz="1200" dirty="0">
+                <a:endParaRPr lang="en-US" sz="1200" dirty="0">
                   <a:latin typeface="Tahoma" panose="020B0604030504040204" pitchFamily="34" charset="0"/>
                   <a:ea typeface="Tahoma" panose="020B0604030504040204" pitchFamily="34" charset="0"/>
                   <a:cs typeface="Tahoma" panose="020B0604030504040204" pitchFamily="34" charset="0"/>
@@ -4823,68 +5560,12 @@
                   <a:buChar char="•"/>
                 </a:pPr>
                 <a:r>
-                  <a:rPr lang="nl-NL" sz="1200" dirty="0" err="1">
+                  <a:rPr lang="en-US" sz="1200" dirty="0">
                     <a:latin typeface="Tahoma" panose="020B0604030504040204" pitchFamily="34" charset="0"/>
                     <a:ea typeface="Tahoma" panose="020B0604030504040204" pitchFamily="34" charset="0"/>
                     <a:cs typeface="Tahoma" panose="020B0604030504040204" pitchFamily="34" charset="0"/>
                   </a:rPr>
-                  <a:t>Batchsize</a:t>
-                </a:r>
-                <a:r>
-                  <a:rPr lang="nl-NL" sz="1200" dirty="0">
-                    <a:latin typeface="Tahoma" panose="020B0604030504040204" pitchFamily="34" charset="0"/>
-                    <a:ea typeface="Tahoma" panose="020B0604030504040204" pitchFamily="34" charset="0"/>
-                    <a:cs typeface="Tahoma" panose="020B0604030504040204" pitchFamily="34" charset="0"/>
-                  </a:rPr>
-                  <a:t>: 	Scenario </a:t>
-                </a:r>
-                <a:r>
-                  <a:rPr lang="nl-NL" sz="1200" dirty="0" err="1">
-                    <a:latin typeface="Tahoma" panose="020B0604030504040204" pitchFamily="34" charset="0"/>
-                    <a:ea typeface="Tahoma" panose="020B0604030504040204" pitchFamily="34" charset="0"/>
-                    <a:cs typeface="Tahoma" panose="020B0604030504040204" pitchFamily="34" charset="0"/>
-                  </a:rPr>
-                  <a:t>dependent</a:t>
-                </a:r>
-                <a:r>
-                  <a:rPr lang="nl-NL" sz="1200" dirty="0">
-                    <a:latin typeface="Tahoma" panose="020B0604030504040204" pitchFamily="34" charset="0"/>
-                    <a:ea typeface="Tahoma" panose="020B0604030504040204" pitchFamily="34" charset="0"/>
-                    <a:cs typeface="Tahoma" panose="020B0604030504040204" pitchFamily="34" charset="0"/>
-                  </a:rPr>
-                  <a:t>, </a:t>
-                </a:r>
-                <a:r>
-                  <a:rPr lang="nl-NL" sz="1200" dirty="0" err="1">
-                    <a:latin typeface="Tahoma" panose="020B0604030504040204" pitchFamily="34" charset="0"/>
-                    <a:ea typeface="Tahoma" panose="020B0604030504040204" pitchFamily="34" charset="0"/>
-                    <a:cs typeface="Tahoma" panose="020B0604030504040204" pitchFamily="34" charset="0"/>
-                  </a:rPr>
-                  <a:t>larger</a:t>
-                </a:r>
-                <a:r>
-                  <a:rPr lang="nl-NL" sz="1200" dirty="0">
-                    <a:latin typeface="Tahoma" panose="020B0604030504040204" pitchFamily="34" charset="0"/>
-                    <a:ea typeface="Tahoma" panose="020B0604030504040204" pitchFamily="34" charset="0"/>
-                    <a:cs typeface="Tahoma" panose="020B0604030504040204" pitchFamily="34" charset="0"/>
-                  </a:rPr>
-                  <a:t> </a:t>
-                </a:r>
-                <a:r>
-                  <a:rPr lang="nl-NL" sz="1200" dirty="0" err="1">
-                    <a:latin typeface="Tahoma" panose="020B0604030504040204" pitchFamily="34" charset="0"/>
-                    <a:ea typeface="Tahoma" panose="020B0604030504040204" pitchFamily="34" charset="0"/>
-                    <a:cs typeface="Tahoma" panose="020B0604030504040204" pitchFamily="34" charset="0"/>
-                  </a:rPr>
-                  <a:t>than</a:t>
-                </a:r>
-                <a:r>
-                  <a:rPr lang="nl-NL" sz="1200" dirty="0">
-                    <a:latin typeface="Tahoma" panose="020B0604030504040204" pitchFamily="34" charset="0"/>
-                    <a:ea typeface="Tahoma" panose="020B0604030504040204" pitchFamily="34" charset="0"/>
-                    <a:cs typeface="Tahoma" panose="020B0604030504040204" pitchFamily="34" charset="0"/>
-                  </a:rPr>
-                  <a:t> 10</a:t>
+                  <a:t>Batch size: 	Scenario dependent, larger than 10</a:t>
                 </a:r>
               </a:p>
               <a:p>
@@ -4893,39 +5574,15 @@
                   <a:buChar char="•"/>
                 </a:pPr>
                 <a:r>
-                  <a:rPr lang="nl-NL" sz="1200" dirty="0" err="1">
+                  <a:rPr lang="en-US" sz="1200" dirty="0">
                     <a:latin typeface="Tahoma" panose="020B0604030504040204" pitchFamily="34" charset="0"/>
                     <a:ea typeface="Tahoma" panose="020B0604030504040204" pitchFamily="34" charset="0"/>
                     <a:cs typeface="Tahoma" panose="020B0604030504040204" pitchFamily="34" charset="0"/>
                   </a:rPr>
-                  <a:t>Optimizers</a:t>
+                  <a:t>Optimizers: 	Adam outperforms </a:t>
                 </a:r>
                 <a:r>
-                  <a:rPr lang="nl-NL" sz="1200" dirty="0">
-                    <a:latin typeface="Tahoma" panose="020B0604030504040204" pitchFamily="34" charset="0"/>
-                    <a:ea typeface="Tahoma" panose="020B0604030504040204" pitchFamily="34" charset="0"/>
-                    <a:cs typeface="Tahoma" panose="020B0604030504040204" pitchFamily="34" charset="0"/>
-                  </a:rPr>
-                  <a:t>: 	Adam </a:t>
-                </a:r>
-                <a:r>
-                  <a:rPr lang="nl-NL" sz="1200" dirty="0" err="1">
-                    <a:latin typeface="Tahoma" panose="020B0604030504040204" pitchFamily="34" charset="0"/>
-                    <a:ea typeface="Tahoma" panose="020B0604030504040204" pitchFamily="34" charset="0"/>
-                    <a:cs typeface="Tahoma" panose="020B0604030504040204" pitchFamily="34" charset="0"/>
-                  </a:rPr>
-                  <a:t>outperformes</a:t>
-                </a:r>
-                <a:r>
-                  <a:rPr lang="nl-NL" sz="1200" dirty="0">
-                    <a:latin typeface="Tahoma" panose="020B0604030504040204" pitchFamily="34" charset="0"/>
-                    <a:ea typeface="Tahoma" panose="020B0604030504040204" pitchFamily="34" charset="0"/>
-                    <a:cs typeface="Tahoma" panose="020B0604030504040204" pitchFamily="34" charset="0"/>
-                  </a:rPr>
-                  <a:t> </a:t>
-                </a:r>
-                <a:r>
-                  <a:rPr lang="nl-NL" sz="1200" dirty="0" err="1">
+                  <a:rPr lang="en-US" sz="1200" dirty="0" err="1">
                     <a:latin typeface="Tahoma" panose="020B0604030504040204" pitchFamily="34" charset="0"/>
                     <a:ea typeface="Tahoma" panose="020B0604030504040204" pitchFamily="34" charset="0"/>
                     <a:cs typeface="Tahoma" panose="020B0604030504040204" pitchFamily="34" charset="0"/>
@@ -4933,32 +5590,50 @@
                   <a:t>RMSProp</a:t>
                 </a:r>
                 <a:r>
-                  <a:rPr lang="nl-NL" sz="1200" dirty="0">
+                  <a:rPr lang="en-US" sz="1200" dirty="0">
                     <a:latin typeface="Tahoma" panose="020B0604030504040204" pitchFamily="34" charset="0"/>
                     <a:ea typeface="Tahoma" panose="020B0604030504040204" pitchFamily="34" charset="0"/>
                     <a:cs typeface="Tahoma" panose="020B0604030504040204" pitchFamily="34" charset="0"/>
                   </a:rPr>
-                  <a:t> </a:t>
+                  <a:t> and SGD</a:t>
                 </a:r>
+              </a:p>
+              <a:p>
+                <a:pPr marL="285750" indent="-285750">
+                  <a:buFont typeface="Arial" panose="020B0604020202020204" pitchFamily="34" charset="0"/>
+                  <a:buChar char="•"/>
+                </a:pPr>
                 <a:r>
-                  <a:rPr lang="nl-NL" sz="1200" dirty="0" err="1">
+                  <a:rPr lang="en-US" sz="1200" dirty="0">
                     <a:latin typeface="Tahoma" panose="020B0604030504040204" pitchFamily="34" charset="0"/>
                     <a:ea typeface="Tahoma" panose="020B0604030504040204" pitchFamily="34" charset="0"/>
                     <a:cs typeface="Tahoma" panose="020B0604030504040204" pitchFamily="34" charset="0"/>
                   </a:rPr>
-                  <a:t>and</a:t>
+                  <a:t>A2C/A3C:	Similar learning curve</a:t>
                 </a:r>
+                <a:endParaRPr lang="en-US" sz="1600" dirty="0">
+                  <a:latin typeface="Tahoma" panose="020B0604030504040204" pitchFamily="34" charset="0"/>
+                  <a:ea typeface="Tahoma" panose="020B0604030504040204" pitchFamily="34" charset="0"/>
+                  <a:cs typeface="Tahoma" panose="020B0604030504040204" pitchFamily="34" charset="0"/>
+                </a:endParaRPr>
+              </a:p>
+              <a:p>
+                <a:pPr>
+                  <a:lnSpc>
+                    <a:spcPct val="200000"/>
+                  </a:lnSpc>
+                </a:pPr>
                 <a:r>
-                  <a:rPr lang="nl-NL" sz="1200" dirty="0">
+                  <a:rPr lang="en-US" sz="1400" dirty="0">
                     <a:latin typeface="Tahoma" panose="020B0604030504040204" pitchFamily="34" charset="0"/>
                     <a:ea typeface="Tahoma" panose="020B0604030504040204" pitchFamily="34" charset="0"/>
                     <a:cs typeface="Tahoma" panose="020B0604030504040204" pitchFamily="34" charset="0"/>
                   </a:rPr>
-                  <a:t> SGD</a:t>
+                  <a:t>Non trivial behavior on all presented scenarios</a:t>
                 </a:r>
               </a:p>
               <a:p>
-                <a:endParaRPr lang="nl-NL" sz="1600" dirty="0">
+                <a:endParaRPr lang="en-US" sz="1600" dirty="0">
                   <a:latin typeface="Tahoma" panose="020B0604030504040204" pitchFamily="34" charset="0"/>
                   <a:ea typeface="Tahoma" panose="020B0604030504040204" pitchFamily="34" charset="0"/>
                   <a:cs typeface="Tahoma" panose="020B0604030504040204" pitchFamily="34" charset="0"/>
@@ -4966,101 +5641,7 @@
               </a:p>
               <a:p>
                 <a:r>
-                  <a:rPr lang="nl-NL" sz="1400" dirty="0">
-                    <a:latin typeface="Tahoma" panose="020B0604030504040204" pitchFamily="34" charset="0"/>
-                    <a:ea typeface="Tahoma" panose="020B0604030504040204" pitchFamily="34" charset="0"/>
-                    <a:cs typeface="Tahoma" panose="020B0604030504040204" pitchFamily="34" charset="0"/>
-                  </a:rPr>
-                  <a:t>Non </a:t>
-                </a:r>
-                <a:r>
-                  <a:rPr lang="nl-NL" sz="1400" dirty="0" err="1">
-                    <a:latin typeface="Tahoma" panose="020B0604030504040204" pitchFamily="34" charset="0"/>
-                    <a:ea typeface="Tahoma" panose="020B0604030504040204" pitchFamily="34" charset="0"/>
-                    <a:cs typeface="Tahoma" panose="020B0604030504040204" pitchFamily="34" charset="0"/>
-                  </a:rPr>
-                  <a:t>trivial</a:t>
-                </a:r>
-                <a:r>
-                  <a:rPr lang="nl-NL" sz="1400" dirty="0">
-                    <a:latin typeface="Tahoma" panose="020B0604030504040204" pitchFamily="34" charset="0"/>
-                    <a:ea typeface="Tahoma" panose="020B0604030504040204" pitchFamily="34" charset="0"/>
-                    <a:cs typeface="Tahoma" panose="020B0604030504040204" pitchFamily="34" charset="0"/>
-                  </a:rPr>
-                  <a:t> </a:t>
-                </a:r>
-                <a:r>
-                  <a:rPr lang="nl-NL" sz="1400" dirty="0" err="1">
-                    <a:latin typeface="Tahoma" panose="020B0604030504040204" pitchFamily="34" charset="0"/>
-                    <a:ea typeface="Tahoma" panose="020B0604030504040204" pitchFamily="34" charset="0"/>
-                    <a:cs typeface="Tahoma" panose="020B0604030504040204" pitchFamily="34" charset="0"/>
-                  </a:rPr>
-                  <a:t>behavior</a:t>
-                </a:r>
-                <a:r>
-                  <a:rPr lang="nl-NL" sz="1400" dirty="0">
-                    <a:latin typeface="Tahoma" panose="020B0604030504040204" pitchFamily="34" charset="0"/>
-                    <a:ea typeface="Tahoma" panose="020B0604030504040204" pitchFamily="34" charset="0"/>
-                    <a:cs typeface="Tahoma" panose="020B0604030504040204" pitchFamily="34" charset="0"/>
-                  </a:rPr>
-                  <a:t> on </a:t>
-                </a:r>
-                <a:r>
-                  <a:rPr lang="nl-NL" sz="1400" dirty="0" err="1">
-                    <a:latin typeface="Tahoma" panose="020B0604030504040204" pitchFamily="34" charset="0"/>
-                    <a:ea typeface="Tahoma" panose="020B0604030504040204" pitchFamily="34" charset="0"/>
-                    <a:cs typeface="Tahoma" panose="020B0604030504040204" pitchFamily="34" charset="0"/>
-                  </a:rPr>
-                  <a:t>all</a:t>
-                </a:r>
-                <a:r>
-                  <a:rPr lang="nl-NL" sz="1400" dirty="0">
-                    <a:latin typeface="Tahoma" panose="020B0604030504040204" pitchFamily="34" charset="0"/>
-                    <a:ea typeface="Tahoma" panose="020B0604030504040204" pitchFamily="34" charset="0"/>
-                    <a:cs typeface="Tahoma" panose="020B0604030504040204" pitchFamily="34" charset="0"/>
-                  </a:rPr>
-                  <a:t> </a:t>
-                </a:r>
-                <a:r>
-                  <a:rPr lang="nl-NL" sz="1400" dirty="0" err="1">
-                    <a:latin typeface="Tahoma" panose="020B0604030504040204" pitchFamily="34" charset="0"/>
-                    <a:ea typeface="Tahoma" panose="020B0604030504040204" pitchFamily="34" charset="0"/>
-                    <a:cs typeface="Tahoma" panose="020B0604030504040204" pitchFamily="34" charset="0"/>
-                  </a:rPr>
-                  <a:t>presented</a:t>
-                </a:r>
-                <a:r>
-                  <a:rPr lang="nl-NL" sz="1400" dirty="0">
-                    <a:latin typeface="Tahoma" panose="020B0604030504040204" pitchFamily="34" charset="0"/>
-                    <a:ea typeface="Tahoma" panose="020B0604030504040204" pitchFamily="34" charset="0"/>
-                    <a:cs typeface="Tahoma" panose="020B0604030504040204" pitchFamily="34" charset="0"/>
-                  </a:rPr>
-                  <a:t> </a:t>
-                </a:r>
-                <a:r>
-                  <a:rPr lang="nl-NL" sz="1400" dirty="0" err="1">
-                    <a:latin typeface="Tahoma" panose="020B0604030504040204" pitchFamily="34" charset="0"/>
-                    <a:ea typeface="Tahoma" panose="020B0604030504040204" pitchFamily="34" charset="0"/>
-                    <a:cs typeface="Tahoma" panose="020B0604030504040204" pitchFamily="34" charset="0"/>
-                  </a:rPr>
-                  <a:t>scenarios</a:t>
-                </a:r>
-                <a:endParaRPr lang="nl-NL" sz="1400" dirty="0">
-                  <a:latin typeface="Tahoma" panose="020B0604030504040204" pitchFamily="34" charset="0"/>
-                  <a:ea typeface="Tahoma" panose="020B0604030504040204" pitchFamily="34" charset="0"/>
-                  <a:cs typeface="Tahoma" panose="020B0604030504040204" pitchFamily="34" charset="0"/>
-                </a:endParaRPr>
-              </a:p>
-              <a:p>
-                <a:endParaRPr lang="nl-NL" sz="1600" dirty="0">
-                  <a:latin typeface="Tahoma" panose="020B0604030504040204" pitchFamily="34" charset="0"/>
-                  <a:ea typeface="Tahoma" panose="020B0604030504040204" pitchFamily="34" charset="0"/>
-                  <a:cs typeface="Tahoma" panose="020B0604030504040204" pitchFamily="34" charset="0"/>
-                </a:endParaRPr>
-              </a:p>
-              <a:p>
-                <a:r>
-                  <a:rPr lang="nl-NL" sz="1600" dirty="0">
+                  <a:rPr lang="en-US" sz="1600" dirty="0">
                     <a:latin typeface="Tahoma" panose="020B0604030504040204" pitchFamily="34" charset="0"/>
                     <a:ea typeface="Tahoma" panose="020B0604030504040204" pitchFamily="34" charset="0"/>
                     <a:cs typeface="Tahoma" panose="020B0604030504040204" pitchFamily="34" charset="0"/>
@@ -5088,16 +5669,16 @@
             </p:nvSpPr>
             <p:spPr>
               <a:xfrm>
-                <a:off x="6655402" y="5210387"/>
-                <a:ext cx="5079245" cy="1954381"/>
+                <a:off x="6534102" y="5154401"/>
+                <a:ext cx="5504957" cy="2077492"/>
               </a:xfrm>
               <a:prstGeom prst="rect">
                 <a:avLst/>
               </a:prstGeom>
               <a:blipFill>
-                <a:blip r:embed="rId12"/>
+                <a:blip r:embed="rId13"/>
                 <a:stretch>
-                  <a:fillRect l="-360"/>
+                  <a:fillRect l="-332"/>
                 </a:stretch>
               </a:blipFill>
             </p:spPr>
@@ -5130,12 +5711,17 @@
         </p:nvCxnSpPr>
         <p:spPr>
           <a:xfrm>
-            <a:off x="790112" y="3373237"/>
+            <a:off x="764513" y="3368626"/>
             <a:ext cx="4651899" cy="0"/>
           </a:xfrm>
           <a:prstGeom prst="line">
             <a:avLst/>
           </a:prstGeom>
+          <a:ln w="12700">
+            <a:solidFill>
+              <a:srgbClr val="2F7F81"/>
+            </a:solidFill>
+          </a:ln>
         </p:spPr>
         <p:style>
           <a:lnRef idx="1">
@@ -5166,12 +5752,17 @@
         </p:nvCxnSpPr>
         <p:spPr>
           <a:xfrm>
-            <a:off x="6826929" y="5114562"/>
+            <a:off x="6826929" y="5194464"/>
             <a:ext cx="4651899" cy="0"/>
           </a:xfrm>
           <a:prstGeom prst="line">
             <a:avLst/>
           </a:prstGeom>
+          <a:ln w="12700">
+            <a:solidFill>
+              <a:srgbClr val="2F7F81"/>
+            </a:solidFill>
+          </a:ln>
         </p:spPr>
         <p:style>
           <a:lnRef idx="1">
@@ -5188,6 +5779,100 @@
           </a:fontRef>
         </p:style>
       </p:cxnSp>
+      <p:pic>
+        <p:nvPicPr>
+          <p:cNvPr id="1026" name="Picture 2" descr="Afbeeldingsresultaat voor dtu logo">
+            <a:extLst>
+              <a:ext uri="{FF2B5EF4-FFF2-40B4-BE49-F238E27FC236}">
+                <a16:creationId xmlns:a16="http://schemas.microsoft.com/office/drawing/2014/main" id="{8A41E61F-1EBE-4496-A72E-DEFB585C2399}"/>
+              </a:ext>
+            </a:extLst>
+          </p:cNvPr>
+          <p:cNvPicPr>
+            <a:picLocks noChangeAspect="1" noChangeArrowheads="1"/>
+          </p:cNvPicPr>
+          <p:nvPr/>
+        </p:nvPicPr>
+        <p:blipFill>
+          <a:blip r:embed="rId14">
+            <a:extLst>
+              <a:ext uri="{28A0092B-C50C-407E-A947-70E740481C1C}">
+                <a14:useLocalDpi xmlns:a14="http://schemas.microsoft.com/office/drawing/2010/main" val="0"/>
+              </a:ext>
+            </a:extLst>
+          </a:blip>
+          <a:srcRect/>
+          <a:stretch>
+            <a:fillRect/>
+          </a:stretch>
+        </p:blipFill>
+        <p:spPr bwMode="auto">
+          <a:xfrm>
+            <a:off x="11516801" y="6105525"/>
+            <a:ext cx="372890" cy="543850"/>
+          </a:xfrm>
+          <a:prstGeom prst="rect">
+            <a:avLst/>
+          </a:prstGeom>
+          <a:noFill/>
+          <a:extLst>
+            <a:ext uri="{909E8E84-426E-40DD-AFC4-6F175D3DCCD1}">
+              <a14:hiddenFill xmlns:a14="http://schemas.microsoft.com/office/drawing/2010/main">
+                <a:solidFill>
+                  <a:srgbClr val="FFFFFF"/>
+                </a:solidFill>
+              </a14:hiddenFill>
+            </a:ext>
+          </a:extLst>
+        </p:spPr>
+      </p:pic>
+      <p:pic>
+        <p:nvPicPr>
+          <p:cNvPr id="1028" name="Picture 4" descr="File:ViZDoom logo.png">
+            <a:extLst>
+              <a:ext uri="{FF2B5EF4-FFF2-40B4-BE49-F238E27FC236}">
+                <a16:creationId xmlns:a16="http://schemas.microsoft.com/office/drawing/2014/main" id="{02915AB8-C772-43CC-95F4-BA4289445A18}"/>
+              </a:ext>
+            </a:extLst>
+          </p:cNvPr>
+          <p:cNvPicPr>
+            <a:picLocks noChangeAspect="1" noChangeArrowheads="1"/>
+          </p:cNvPicPr>
+          <p:nvPr/>
+        </p:nvPicPr>
+        <p:blipFill>
+          <a:blip r:embed="rId15">
+            <a:extLst>
+              <a:ext uri="{28A0092B-C50C-407E-A947-70E740481C1C}">
+                <a14:useLocalDpi xmlns:a14="http://schemas.microsoft.com/office/drawing/2010/main" val="0"/>
+              </a:ext>
+            </a:extLst>
+          </a:blip>
+          <a:srcRect/>
+          <a:stretch>
+            <a:fillRect/>
+          </a:stretch>
+        </p:blipFill>
+        <p:spPr bwMode="auto">
+          <a:xfrm>
+            <a:off x="9574389" y="110221"/>
+            <a:ext cx="2128857" cy="417422"/>
+          </a:xfrm>
+          <a:prstGeom prst="rect">
+            <a:avLst/>
+          </a:prstGeom>
+          <a:noFill/>
+          <a:extLst>
+            <a:ext uri="{909E8E84-426E-40DD-AFC4-6F175D3DCCD1}">
+              <a14:hiddenFill xmlns:a14="http://schemas.microsoft.com/office/drawing/2010/main">
+                <a:solidFill>
+                  <a:srgbClr val="FFFFFF"/>
+                </a:solidFill>
+              </a14:hiddenFill>
+            </a:ext>
+          </a:extLst>
+        </p:spPr>
+      </p:pic>
     </p:spTree>
     <p:extLst>
       <p:ext uri="{BB962C8B-B14F-4D97-AF65-F5344CB8AC3E}">
@@ -5494,4 +6179,299 @@
     </a:ext>
   </a:extLst>
 </a:theme>
+</file>
+
+<file path=ppt/theme/theme2.xml><?xml version="1.0" encoding="utf-8"?>
+<a:theme xmlns:a="http://schemas.openxmlformats.org/drawingml/2006/main" name="Kantoorthema">
+  <a:themeElements>
+    <a:clrScheme name="Office">
+      <a:dk1>
+        <a:sysClr val="windowText" lastClr="000000"/>
+      </a:dk1>
+      <a:lt1>
+        <a:sysClr val="window" lastClr="FFFFFF"/>
+      </a:lt1>
+      <a:dk2>
+        <a:srgbClr val="44546A"/>
+      </a:dk2>
+      <a:lt2>
+        <a:srgbClr val="E7E6E6"/>
+      </a:lt2>
+      <a:accent1>
+        <a:srgbClr val="4472C4"/>
+      </a:accent1>
+      <a:accent2>
+        <a:srgbClr val="ED7D31"/>
+      </a:accent2>
+      <a:accent3>
+        <a:srgbClr val="A5A5A5"/>
+      </a:accent3>
+      <a:accent4>
+        <a:srgbClr val="FFC000"/>
+      </a:accent4>
+      <a:accent5>
+        <a:srgbClr val="5B9BD5"/>
+      </a:accent5>
+      <a:accent6>
+        <a:srgbClr val="70AD47"/>
+      </a:accent6>
+      <a:hlink>
+        <a:srgbClr val="0563C1"/>
+      </a:hlink>
+      <a:folHlink>
+        <a:srgbClr val="954F72"/>
+      </a:folHlink>
+    </a:clrScheme>
+    <a:fontScheme name="Office">
+      <a:majorFont>
+        <a:latin typeface="Calibri Light" panose="020F0302020204030204"/>
+        <a:ea typeface=""/>
+        <a:cs typeface=""/>
+        <a:font script="Jpan" typeface="游ゴシック Light"/>
+        <a:font script="Hang" typeface="맑은 고딕"/>
+        <a:font script="Hans" typeface="等线 Light"/>
+        <a:font script="Hant" typeface="新細明體"/>
+        <a:font script="Arab" typeface="Times New Roman"/>
+        <a:font script="Hebr" typeface="Times New Roman"/>
+        <a:font script="Thai" typeface="Angsana New"/>
+        <a:font script="Ethi" typeface="Nyala"/>
+        <a:font script="Beng" typeface="Vrinda"/>
+        <a:font script="Gujr" typeface="Shruti"/>
+        <a:font script="Khmr" typeface="MoolBoran"/>
+        <a:font script="Knda" typeface="Tunga"/>
+        <a:font script="Guru" typeface="Raavi"/>
+        <a:font script="Cans" typeface="Euphemia"/>
+        <a:font script="Cher" typeface="Plantagenet Cherokee"/>
+        <a:font script="Yiii" typeface="Microsoft Yi Baiti"/>
+        <a:font script="Tibt" typeface="Microsoft Himalaya"/>
+        <a:font script="Thaa" typeface="MV Boli"/>
+        <a:font script="Deva" typeface="Mangal"/>
+        <a:font script="Telu" typeface="Gautami"/>
+        <a:font script="Taml" typeface="Latha"/>
+        <a:font script="Syrc" typeface="Estrangelo Edessa"/>
+        <a:font script="Orya" typeface="Kalinga"/>
+        <a:font script="Mlym" typeface="Kartika"/>
+        <a:font script="Laoo" typeface="DokChampa"/>
+        <a:font script="Sinh" typeface="Iskoola Pota"/>
+        <a:font script="Mong" typeface="Mongolian Baiti"/>
+        <a:font script="Viet" typeface="Times New Roman"/>
+        <a:font script="Uigh" typeface="Microsoft Uighur"/>
+        <a:font script="Geor" typeface="Sylfaen"/>
+        <a:font script="Armn" typeface="Arial"/>
+        <a:font script="Bugi" typeface="Leelawadee UI"/>
+        <a:font script="Bopo" typeface="Microsoft JhengHei"/>
+        <a:font script="Java" typeface="Javanese Text"/>
+        <a:font script="Lisu" typeface="Segoe UI"/>
+        <a:font script="Mymr" typeface="Myanmar Text"/>
+        <a:font script="Nkoo" typeface="Ebrima"/>
+        <a:font script="Olck" typeface="Nirmala UI"/>
+        <a:font script="Osma" typeface="Ebrima"/>
+        <a:font script="Phag" typeface="Phagspa"/>
+        <a:font script="Syrn" typeface="Estrangelo Edessa"/>
+        <a:font script="Syrj" typeface="Estrangelo Edessa"/>
+        <a:font script="Syre" typeface="Estrangelo Edessa"/>
+        <a:font script="Sora" typeface="Nirmala UI"/>
+        <a:font script="Tale" typeface="Microsoft Tai Le"/>
+        <a:font script="Talu" typeface="Microsoft New Tai Lue"/>
+        <a:font script="Tfng" typeface="Ebrima"/>
+      </a:majorFont>
+      <a:minorFont>
+        <a:latin typeface="Calibri" panose="020F0502020204030204"/>
+        <a:ea typeface=""/>
+        <a:cs typeface=""/>
+        <a:font script="Jpan" typeface="游ゴシック"/>
+        <a:font script="Hang" typeface="맑은 고딕"/>
+        <a:font script="Hans" typeface="等线"/>
+        <a:font script="Hant" typeface="新細明體"/>
+        <a:font script="Arab" typeface="Arial"/>
+        <a:font script="Hebr" typeface="Arial"/>
+        <a:font script="Thai" typeface="Cordia New"/>
+        <a:font script="Ethi" typeface="Nyala"/>
+        <a:font script="Beng" typeface="Vrinda"/>
+        <a:font script="Gujr" typeface="Shruti"/>
+        <a:font script="Khmr" typeface="DaunPenh"/>
+        <a:font script="Knda" typeface="Tunga"/>
+        <a:font script="Guru" typeface="Raavi"/>
+        <a:font script="Cans" typeface="Euphemia"/>
+        <a:font script="Cher" typeface="Plantagenet Cherokee"/>
+        <a:font script="Yiii" typeface="Microsoft Yi Baiti"/>
+        <a:font script="Tibt" typeface="Microsoft Himalaya"/>
+        <a:font script="Thaa" typeface="MV Boli"/>
+        <a:font script="Deva" typeface="Mangal"/>
+        <a:font script="Telu" typeface="Gautami"/>
+        <a:font script="Taml" typeface="Latha"/>
+        <a:font script="Syrc" typeface="Estrangelo Edessa"/>
+        <a:font script="Orya" typeface="Kalinga"/>
+        <a:font script="Mlym" typeface="Kartika"/>
+        <a:font script="Laoo" typeface="DokChampa"/>
+        <a:font script="Sinh" typeface="Iskoola Pota"/>
+        <a:font script="Mong" typeface="Mongolian Baiti"/>
+        <a:font script="Viet" typeface="Arial"/>
+        <a:font script="Uigh" typeface="Microsoft Uighur"/>
+        <a:font script="Geor" typeface="Sylfaen"/>
+        <a:font script="Armn" typeface="Arial"/>
+        <a:font script="Bugi" typeface="Leelawadee UI"/>
+        <a:font script="Bopo" typeface="Microsoft JhengHei"/>
+        <a:font script="Java" typeface="Javanese Text"/>
+        <a:font script="Lisu" typeface="Segoe UI"/>
+        <a:font script="Mymr" typeface="Myanmar Text"/>
+        <a:font script="Nkoo" typeface="Ebrima"/>
+        <a:font script="Olck" typeface="Nirmala UI"/>
+        <a:font script="Osma" typeface="Ebrima"/>
+        <a:font script="Phag" typeface="Phagspa"/>
+        <a:font script="Syrn" typeface="Estrangelo Edessa"/>
+        <a:font script="Syrj" typeface="Estrangelo Edessa"/>
+        <a:font script="Syre" typeface="Estrangelo Edessa"/>
+        <a:font script="Sora" typeface="Nirmala UI"/>
+        <a:font script="Tale" typeface="Microsoft Tai Le"/>
+        <a:font script="Talu" typeface="Microsoft New Tai Lue"/>
+        <a:font script="Tfng" typeface="Ebrima"/>
+      </a:minorFont>
+    </a:fontScheme>
+    <a:fmtScheme name="Office">
+      <a:fillStyleLst>
+        <a:solidFill>
+          <a:schemeClr val="phClr"/>
+        </a:solidFill>
+        <a:gradFill rotWithShape="1">
+          <a:gsLst>
+            <a:gs pos="0">
+              <a:schemeClr val="phClr">
+                <a:lumMod val="110000"/>
+                <a:satMod val="105000"/>
+                <a:tint val="67000"/>
+              </a:schemeClr>
+            </a:gs>
+            <a:gs pos="50000">
+              <a:schemeClr val="phClr">
+                <a:lumMod val="105000"/>
+                <a:satMod val="103000"/>
+                <a:tint val="73000"/>
+              </a:schemeClr>
+            </a:gs>
+            <a:gs pos="100000">
+              <a:schemeClr val="phClr">
+                <a:lumMod val="105000"/>
+                <a:satMod val="109000"/>
+                <a:tint val="81000"/>
+              </a:schemeClr>
+            </a:gs>
+          </a:gsLst>
+          <a:lin ang="5400000" scaled="0"/>
+        </a:gradFill>
+        <a:gradFill rotWithShape="1">
+          <a:gsLst>
+            <a:gs pos="0">
+              <a:schemeClr val="phClr">
+                <a:satMod val="103000"/>
+                <a:lumMod val="102000"/>
+                <a:tint val="94000"/>
+              </a:schemeClr>
+            </a:gs>
+            <a:gs pos="50000">
+              <a:schemeClr val="phClr">
+                <a:satMod val="110000"/>
+                <a:lumMod val="100000"/>
+                <a:shade val="100000"/>
+              </a:schemeClr>
+            </a:gs>
+            <a:gs pos="100000">
+              <a:schemeClr val="phClr">
+                <a:lumMod val="99000"/>
+                <a:satMod val="120000"/>
+                <a:shade val="78000"/>
+              </a:schemeClr>
+            </a:gs>
+          </a:gsLst>
+          <a:lin ang="5400000" scaled="0"/>
+        </a:gradFill>
+      </a:fillStyleLst>
+      <a:lnStyleLst>
+        <a:ln w="6350" cap="flat" cmpd="sng" algn="ctr">
+          <a:solidFill>
+            <a:schemeClr val="phClr"/>
+          </a:solidFill>
+          <a:prstDash val="solid"/>
+          <a:miter lim="800000"/>
+        </a:ln>
+        <a:ln w="12700" cap="flat" cmpd="sng" algn="ctr">
+          <a:solidFill>
+            <a:schemeClr val="phClr"/>
+          </a:solidFill>
+          <a:prstDash val="solid"/>
+          <a:miter lim="800000"/>
+        </a:ln>
+        <a:ln w="19050" cap="flat" cmpd="sng" algn="ctr">
+          <a:solidFill>
+            <a:schemeClr val="phClr"/>
+          </a:solidFill>
+          <a:prstDash val="solid"/>
+          <a:miter lim="800000"/>
+        </a:ln>
+      </a:lnStyleLst>
+      <a:effectStyleLst>
+        <a:effectStyle>
+          <a:effectLst/>
+        </a:effectStyle>
+        <a:effectStyle>
+          <a:effectLst/>
+        </a:effectStyle>
+        <a:effectStyle>
+          <a:effectLst>
+            <a:outerShdw blurRad="57150" dist="19050" dir="5400000" algn="ctr" rotWithShape="0">
+              <a:srgbClr val="000000">
+                <a:alpha val="63000"/>
+              </a:srgbClr>
+            </a:outerShdw>
+          </a:effectLst>
+        </a:effectStyle>
+      </a:effectStyleLst>
+      <a:bgFillStyleLst>
+        <a:solidFill>
+          <a:schemeClr val="phClr"/>
+        </a:solidFill>
+        <a:solidFill>
+          <a:schemeClr val="phClr">
+            <a:tint val="95000"/>
+            <a:satMod val="170000"/>
+          </a:schemeClr>
+        </a:solidFill>
+        <a:gradFill rotWithShape="1">
+          <a:gsLst>
+            <a:gs pos="0">
+              <a:schemeClr val="phClr">
+                <a:tint val="93000"/>
+                <a:satMod val="150000"/>
+                <a:shade val="98000"/>
+                <a:lumMod val="102000"/>
+              </a:schemeClr>
+            </a:gs>
+            <a:gs pos="50000">
+              <a:schemeClr val="phClr">
+                <a:tint val="98000"/>
+                <a:satMod val="130000"/>
+                <a:shade val="90000"/>
+                <a:lumMod val="103000"/>
+              </a:schemeClr>
+            </a:gs>
+            <a:gs pos="100000">
+              <a:schemeClr val="phClr">
+                <a:shade val="63000"/>
+                <a:satMod val="120000"/>
+              </a:schemeClr>
+            </a:gs>
+          </a:gsLst>
+          <a:lin ang="5400000" scaled="0"/>
+        </a:gradFill>
+      </a:bgFillStyleLst>
+    </a:fmtScheme>
+  </a:themeElements>
+  <a:objectDefaults/>
+  <a:extraClrSchemeLst/>
+  <a:extLst>
+    <a:ext uri="{05A4C25C-085E-4340-85A3-A5531E510DB2}">
+      <thm15:themeFamily xmlns:thm15="http://schemas.microsoft.com/office/thememl/2012/main" name="Office Theme" id="{62F939B6-93AF-4DB8-9C6B-D6C7DFDC589F}" vid="{4A3C46E8-61CC-4603-A589-7422A47A8E4A}"/>
+    </a:ext>
+  </a:extLst>
+</a:theme>
 </file>
--- a/Poster/Poster draft 1.pptx
+++ b/Poster/Poster draft 1.pptx
@@ -1562,7 +1562,6 @@
               <a:rPr lang="nl-NL" b="1" dirty="0"/>
               <a:t>)</a:t>
             </a:r>
-            <a:endParaRPr lang="nl-NL" dirty="0"/>
           </a:p>
           <a:p>
             <a:pPr marL="0" indent="0">
@@ -1570,9 +1569,950 @@
               <a:buNone/>
             </a:pPr>
             <a:r>
-              <a:rPr lang="nl-NL" dirty="0"/>
-              <a:t>-</a:t>
-            </a:r>
+              <a:rPr lang="nl-NL" b="0" dirty="0"/>
+              <a:t>-   </a:t>
+            </a:r>
+            <a:r>
+              <a:rPr lang="nl-NL" b="0" dirty="0" err="1"/>
+              <a:t>What</a:t>
+            </a:r>
+            <a:r>
+              <a:rPr lang="nl-NL" b="0" dirty="0"/>
+              <a:t> is a </a:t>
+            </a:r>
+            <a:r>
+              <a:rPr lang="nl-NL" b="0" dirty="0" err="1"/>
+              <a:t>learning</a:t>
+            </a:r>
+            <a:r>
+              <a:rPr lang="nl-NL" b="0" dirty="0"/>
+              <a:t> </a:t>
+            </a:r>
+            <a:r>
+              <a:rPr lang="nl-NL" b="0" dirty="0" err="1"/>
+              <a:t>rate</a:t>
+            </a:r>
+            <a:r>
+              <a:rPr lang="nl-NL" b="0" dirty="0"/>
+              <a:t>? </a:t>
+            </a:r>
+            <a:r>
+              <a:rPr lang="nl-NL" b="0" dirty="0" err="1"/>
+              <a:t>Why</a:t>
+            </a:r>
+            <a:r>
+              <a:rPr lang="nl-NL" b="0" dirty="0"/>
+              <a:t> important?</a:t>
+            </a:r>
+          </a:p>
+          <a:p>
+            <a:pPr marL="171450" indent="-171450">
+              <a:buFontTx/>
+              <a:buChar char="-"/>
+            </a:pPr>
+            <a:r>
+              <a:rPr lang="nl-NL" dirty="0"/>
+              <a:t>Basic scenario: </a:t>
+            </a:r>
+            <a:r>
+              <a:rPr lang="nl-NL" dirty="0" err="1"/>
+              <a:t>Explanation</a:t>
+            </a:r>
+            <a:r>
+              <a:rPr lang="nl-NL" dirty="0"/>
+              <a:t> </a:t>
+            </a:r>
+            <a:r>
+              <a:rPr lang="nl-NL" dirty="0" err="1"/>
+              <a:t>and</a:t>
+            </a:r>
+            <a:r>
+              <a:rPr lang="nl-NL" dirty="0"/>
+              <a:t> </a:t>
+            </a:r>
+            <a:r>
+              <a:rPr lang="nl-NL" dirty="0" err="1"/>
+              <a:t>motivation</a:t>
+            </a:r>
+            <a:r>
+              <a:rPr lang="nl-NL" dirty="0"/>
+              <a:t> </a:t>
+            </a:r>
+            <a:r>
+              <a:rPr lang="nl-NL" dirty="0" err="1"/>
+              <a:t>for</a:t>
+            </a:r>
+            <a:r>
+              <a:rPr lang="nl-NL" dirty="0"/>
+              <a:t> </a:t>
+            </a:r>
+            <a:r>
+              <a:rPr lang="nl-NL" dirty="0" err="1"/>
+              <a:t>starting</a:t>
+            </a:r>
+            <a:r>
+              <a:rPr lang="nl-NL" dirty="0"/>
+              <a:t> </a:t>
+            </a:r>
+            <a:r>
+              <a:rPr lang="nl-NL" dirty="0" err="1"/>
+              <a:t>with</a:t>
+            </a:r>
+            <a:r>
+              <a:rPr lang="nl-NL" dirty="0"/>
+              <a:t> </a:t>
+            </a:r>
+            <a:r>
+              <a:rPr lang="nl-NL" dirty="0" err="1"/>
+              <a:t>this</a:t>
+            </a:r>
+            <a:endParaRPr lang="nl-NL" dirty="0"/>
+          </a:p>
+          <a:p>
+            <a:pPr marL="171450" indent="-171450">
+              <a:buFontTx/>
+              <a:buChar char="-"/>
+            </a:pPr>
+            <a:r>
+              <a:rPr lang="nl-NL" dirty="0" err="1"/>
+              <a:t>Kill</a:t>
+            </a:r>
+            <a:r>
+              <a:rPr lang="nl-NL" dirty="0"/>
+              <a:t> as </a:t>
+            </a:r>
+            <a:r>
+              <a:rPr lang="nl-NL" dirty="0" err="1"/>
+              <a:t>fast</a:t>
+            </a:r>
+            <a:r>
+              <a:rPr lang="nl-NL" dirty="0"/>
+              <a:t> as </a:t>
+            </a:r>
+            <a:r>
+              <a:rPr lang="nl-NL" dirty="0" err="1"/>
+              <a:t>possible</a:t>
+            </a:r>
+            <a:r>
+              <a:rPr lang="nl-NL" dirty="0"/>
+              <a:t> – </a:t>
+            </a:r>
+            <a:r>
+              <a:rPr lang="nl-NL" dirty="0" err="1"/>
+              <a:t>relate</a:t>
+            </a:r>
+            <a:r>
+              <a:rPr lang="nl-NL" dirty="0"/>
+              <a:t> </a:t>
+            </a:r>
+            <a:r>
+              <a:rPr lang="nl-NL" dirty="0" err="1"/>
+              <a:t>to</a:t>
+            </a:r>
+            <a:r>
+              <a:rPr lang="nl-NL" dirty="0"/>
+              <a:t> </a:t>
+            </a:r>
+            <a:r>
+              <a:rPr lang="nl-NL" dirty="0" err="1"/>
+              <a:t>learning</a:t>
+            </a:r>
+            <a:r>
+              <a:rPr lang="nl-NL" dirty="0"/>
+              <a:t> curve</a:t>
+            </a:r>
+          </a:p>
+          <a:p>
+            <a:pPr marL="171450" indent="-171450">
+              <a:buFontTx/>
+              <a:buChar char="-"/>
+            </a:pPr>
+            <a:r>
+              <a:rPr lang="nl-NL" dirty="0"/>
+              <a:t>Small </a:t>
+            </a:r>
+            <a:r>
+              <a:rPr lang="nl-NL" dirty="0" err="1"/>
+              <a:t>sd</a:t>
+            </a:r>
+            <a:r>
+              <a:rPr lang="nl-NL" dirty="0"/>
+              <a:t> </a:t>
+            </a:r>
+            <a:r>
+              <a:rPr lang="nl-NL" dirty="0" err="1"/>
+              <a:t>for</a:t>
+            </a:r>
+            <a:r>
+              <a:rPr lang="nl-NL" dirty="0"/>
+              <a:t> best </a:t>
+            </a:r>
+            <a:r>
+              <a:rPr lang="nl-NL" dirty="0" err="1"/>
+              <a:t>learning</a:t>
+            </a:r>
+            <a:r>
+              <a:rPr lang="nl-NL" dirty="0"/>
+              <a:t> </a:t>
+            </a:r>
+            <a:r>
+              <a:rPr lang="nl-NL" dirty="0" err="1"/>
+              <a:t>rate</a:t>
+            </a:r>
+            <a:endParaRPr lang="nl-NL" dirty="0"/>
+          </a:p>
+          <a:p>
+            <a:pPr marL="171450" indent="-171450">
+              <a:buFontTx/>
+              <a:buChar char="-"/>
+            </a:pPr>
+            <a:endParaRPr lang="nl-NL" dirty="0"/>
+          </a:p>
+          <a:p>
+            <a:pPr marL="171450" indent="-171450">
+              <a:buFontTx/>
+              <a:buChar char="-"/>
+            </a:pPr>
+            <a:r>
+              <a:rPr lang="nl-NL" dirty="0" err="1"/>
+              <a:t>To</a:t>
+            </a:r>
+            <a:r>
+              <a:rPr lang="nl-NL" dirty="0"/>
+              <a:t> </a:t>
+            </a:r>
+            <a:r>
+              <a:rPr lang="nl-NL" dirty="0" err="1"/>
+              <a:t>confirm</a:t>
+            </a:r>
+            <a:r>
+              <a:rPr lang="nl-NL" dirty="0"/>
+              <a:t>: more </a:t>
+            </a:r>
+            <a:r>
+              <a:rPr lang="nl-NL" dirty="0" err="1"/>
+              <a:t>challenging</a:t>
+            </a:r>
+            <a:r>
+              <a:rPr lang="nl-NL" dirty="0"/>
+              <a:t> scenario &gt; </a:t>
+            </a:r>
+            <a:r>
+              <a:rPr lang="nl-NL" dirty="0" err="1"/>
+              <a:t>rendered</a:t>
+            </a:r>
+            <a:r>
+              <a:rPr lang="nl-NL" dirty="0"/>
+              <a:t> frame</a:t>
+            </a:r>
+          </a:p>
+          <a:p>
+            <a:pPr marL="171450" indent="-171450">
+              <a:buFontTx/>
+              <a:buChar char="-"/>
+            </a:pPr>
+            <a:r>
+              <a:rPr lang="nl-NL" dirty="0"/>
+              <a:t>Intro: </a:t>
+            </a:r>
+            <a:r>
+              <a:rPr lang="nl-NL" dirty="0" err="1"/>
+              <a:t>defend</a:t>
+            </a:r>
+            <a:r>
+              <a:rPr lang="nl-NL" dirty="0"/>
+              <a:t> </a:t>
+            </a:r>
+            <a:r>
+              <a:rPr lang="nl-NL" dirty="0" err="1"/>
+              <a:t>the</a:t>
+            </a:r>
+            <a:r>
+              <a:rPr lang="nl-NL" dirty="0"/>
+              <a:t> line</a:t>
+            </a:r>
+          </a:p>
+          <a:p>
+            <a:pPr marL="171450" indent="-171450">
+              <a:buFontTx/>
+              <a:buChar char="-"/>
+            </a:pPr>
+            <a:r>
+              <a:rPr lang="nl-NL" dirty="0" err="1"/>
+              <a:t>Tendency</a:t>
+            </a:r>
+            <a:r>
+              <a:rPr lang="nl-NL" dirty="0"/>
+              <a:t> </a:t>
+            </a:r>
+            <a:r>
+              <a:rPr lang="nl-NL" dirty="0" err="1"/>
+              <a:t>to</a:t>
+            </a:r>
+            <a:r>
+              <a:rPr lang="nl-NL" dirty="0"/>
+              <a:t> </a:t>
+            </a:r>
+            <a:r>
+              <a:rPr lang="nl-NL" dirty="0" err="1"/>
+              <a:t>shoot</a:t>
+            </a:r>
+            <a:r>
+              <a:rPr lang="nl-NL" dirty="0"/>
+              <a:t> </a:t>
+            </a:r>
+            <a:r>
+              <a:rPr lang="nl-NL" dirty="0" err="1"/>
+              <a:t>wildly</a:t>
+            </a:r>
+            <a:r>
+              <a:rPr lang="nl-NL" dirty="0"/>
+              <a:t> </a:t>
+            </a:r>
+            <a:r>
+              <a:rPr lang="nl-NL" dirty="0" err="1"/>
+              <a:t>and</a:t>
+            </a:r>
+            <a:r>
+              <a:rPr lang="nl-NL" dirty="0"/>
+              <a:t> </a:t>
+            </a:r>
+            <a:r>
+              <a:rPr lang="nl-NL" dirty="0" err="1"/>
+              <a:t>reward</a:t>
+            </a:r>
+            <a:r>
+              <a:rPr lang="nl-NL" dirty="0"/>
+              <a:t> </a:t>
+            </a:r>
+            <a:r>
+              <a:rPr lang="nl-NL" dirty="0" err="1"/>
+              <a:t>shape</a:t>
+            </a:r>
+            <a:endParaRPr lang="nl-NL" dirty="0"/>
+          </a:p>
+          <a:p>
+            <a:pPr marL="171450" indent="-171450">
+              <a:buFontTx/>
+              <a:buChar char="-"/>
+            </a:pPr>
+            <a:endParaRPr lang="nl-NL" dirty="0"/>
+          </a:p>
+          <a:p>
+            <a:pPr marL="171450" indent="-171450">
+              <a:buFontTx/>
+              <a:buChar char="-"/>
+            </a:pPr>
+            <a:r>
+              <a:rPr lang="nl-NL" dirty="0"/>
+              <a:t>A2C </a:t>
+            </a:r>
+            <a:r>
+              <a:rPr lang="nl-NL" dirty="0" err="1"/>
+              <a:t>vs</a:t>
+            </a:r>
+            <a:r>
+              <a:rPr lang="nl-NL" dirty="0"/>
+              <a:t> A3C</a:t>
+            </a:r>
+          </a:p>
+          <a:p>
+            <a:pPr marL="171450" indent="-171450">
+              <a:buFontTx/>
+              <a:buChar char="-"/>
+            </a:pPr>
+            <a:r>
+              <a:rPr lang="nl-NL" dirty="0" err="1"/>
+              <a:t>Similair</a:t>
+            </a:r>
+            <a:r>
+              <a:rPr lang="nl-NL" dirty="0"/>
+              <a:t> curves, long </a:t>
+            </a:r>
+            <a:r>
+              <a:rPr lang="nl-NL" dirty="0" err="1"/>
+              <a:t>wallclock</a:t>
+            </a:r>
+            <a:r>
+              <a:rPr lang="nl-NL" dirty="0"/>
+              <a:t> </a:t>
+            </a:r>
+            <a:r>
+              <a:rPr lang="nl-NL" dirty="0" err="1"/>
+              <a:t>for</a:t>
+            </a:r>
+            <a:r>
+              <a:rPr lang="nl-NL" dirty="0"/>
+              <a:t> A2C</a:t>
+            </a:r>
+          </a:p>
+          <a:p>
+            <a:pPr marL="0" indent="0">
+              <a:buFontTx/>
+              <a:buNone/>
+            </a:pPr>
+            <a:endParaRPr lang="nl-NL" b="1" dirty="0"/>
+          </a:p>
+          <a:p>
+            <a:pPr marL="0" indent="0">
+              <a:buFontTx/>
+              <a:buNone/>
+            </a:pPr>
+            <a:r>
+              <a:rPr lang="nl-NL" b="1" dirty="0"/>
+              <a:t>Batch </a:t>
+            </a:r>
+            <a:r>
+              <a:rPr lang="nl-NL" b="1" dirty="0" err="1"/>
+              <a:t>size</a:t>
+            </a:r>
+            <a:r>
+              <a:rPr lang="nl-NL" b="1" dirty="0"/>
+              <a:t> </a:t>
+            </a:r>
+            <a:r>
+              <a:rPr lang="nl-NL" b="1" dirty="0" err="1"/>
+              <a:t>and</a:t>
+            </a:r>
+            <a:r>
+              <a:rPr lang="nl-NL" b="1" dirty="0"/>
+              <a:t> </a:t>
+            </a:r>
+            <a:r>
+              <a:rPr lang="nl-NL" b="1" dirty="0" err="1"/>
+              <a:t>Optimizers</a:t>
+            </a:r>
+            <a:r>
+              <a:rPr lang="nl-NL" b="1" dirty="0"/>
+              <a:t> </a:t>
+            </a:r>
+            <a:r>
+              <a:rPr lang="nl-NL" b="1" dirty="0" err="1"/>
+              <a:t>and</a:t>
+            </a:r>
+            <a:r>
+              <a:rPr lang="nl-NL" b="1" dirty="0"/>
+              <a:t> </a:t>
+            </a:r>
+            <a:r>
+              <a:rPr lang="nl-NL" b="1" dirty="0" err="1"/>
+              <a:t>conclusions</a:t>
+            </a:r>
+            <a:r>
+              <a:rPr lang="nl-NL" b="1" dirty="0"/>
+              <a:t>/</a:t>
+            </a:r>
+            <a:r>
+              <a:rPr lang="nl-NL" b="1" dirty="0" err="1"/>
+              <a:t>outro</a:t>
+            </a:r>
+            <a:r>
+              <a:rPr lang="nl-NL" b="1" dirty="0"/>
+              <a:t> (Elin)</a:t>
+            </a:r>
+          </a:p>
+          <a:p>
+            <a:pPr marL="171450" indent="-171450">
+              <a:buFontTx/>
+              <a:buChar char="-"/>
+            </a:pPr>
+            <a:r>
+              <a:rPr lang="nl-NL" dirty="0"/>
+              <a:t>Intro batch </a:t>
+            </a:r>
+            <a:r>
+              <a:rPr lang="nl-NL" dirty="0" err="1"/>
+              <a:t>size</a:t>
+            </a:r>
+            <a:endParaRPr lang="nl-NL" dirty="0"/>
+          </a:p>
+          <a:p>
+            <a:pPr marL="171450" indent="-171450">
+              <a:buFontTx/>
+              <a:buChar char="-"/>
+            </a:pPr>
+            <a:r>
+              <a:rPr lang="nl-NL" dirty="0"/>
+              <a:t>Intro scenario -&gt; </a:t>
+            </a:r>
+            <a:r>
+              <a:rPr lang="nl-NL" dirty="0" err="1"/>
+              <a:t>delayed</a:t>
+            </a:r>
+            <a:r>
+              <a:rPr lang="nl-NL" dirty="0"/>
+              <a:t> </a:t>
+            </a:r>
+            <a:r>
+              <a:rPr lang="nl-NL" dirty="0" err="1"/>
+              <a:t>and</a:t>
+            </a:r>
+            <a:r>
+              <a:rPr lang="nl-NL" dirty="0"/>
+              <a:t> </a:t>
+            </a:r>
+            <a:r>
+              <a:rPr lang="nl-NL" dirty="0" err="1"/>
+              <a:t>sparse</a:t>
+            </a:r>
+            <a:r>
+              <a:rPr lang="nl-NL" dirty="0"/>
+              <a:t> </a:t>
+            </a:r>
+            <a:r>
+              <a:rPr lang="nl-NL" dirty="0" err="1"/>
+              <a:t>reward</a:t>
+            </a:r>
+            <a:r>
+              <a:rPr lang="nl-NL" dirty="0"/>
+              <a:t>, </a:t>
+            </a:r>
+            <a:r>
+              <a:rPr lang="nl-NL" dirty="0" err="1"/>
+              <a:t>estimate</a:t>
+            </a:r>
+            <a:r>
+              <a:rPr lang="nl-NL" dirty="0"/>
+              <a:t> </a:t>
+            </a:r>
+            <a:r>
+              <a:rPr lang="nl-NL" dirty="0" err="1"/>
+              <a:t>position</a:t>
+            </a:r>
+            <a:endParaRPr lang="nl-NL" dirty="0"/>
+          </a:p>
+          <a:p>
+            <a:pPr marL="171450" indent="-171450">
+              <a:buFontTx/>
+              <a:buChar char="-"/>
+            </a:pPr>
+            <a:r>
+              <a:rPr lang="nl-NL" dirty="0"/>
+              <a:t>In </a:t>
+            </a:r>
+            <a:r>
+              <a:rPr lang="nl-NL" dirty="0" err="1"/>
+              <a:t>other</a:t>
+            </a:r>
+            <a:r>
+              <a:rPr lang="nl-NL" dirty="0"/>
+              <a:t> </a:t>
+            </a:r>
+            <a:r>
+              <a:rPr lang="nl-NL" dirty="0" err="1"/>
+              <a:t>scenarios</a:t>
+            </a:r>
+            <a:r>
+              <a:rPr lang="nl-NL" dirty="0"/>
+              <a:t>, standard batch </a:t>
+            </a:r>
+            <a:r>
+              <a:rPr lang="nl-NL" dirty="0" err="1"/>
+              <a:t>size</a:t>
+            </a:r>
+            <a:r>
+              <a:rPr lang="nl-NL" dirty="0"/>
+              <a:t> 10</a:t>
+            </a:r>
+          </a:p>
+          <a:p>
+            <a:pPr marL="171450" indent="-171450">
+              <a:buFontTx/>
+              <a:buChar char="-"/>
+            </a:pPr>
+            <a:r>
+              <a:rPr lang="nl-NL" dirty="0" err="1"/>
+              <a:t>Since</a:t>
+            </a:r>
+            <a:r>
+              <a:rPr lang="nl-NL" dirty="0"/>
+              <a:t> </a:t>
+            </a:r>
+            <a:r>
+              <a:rPr lang="nl-NL" dirty="0" err="1"/>
+              <a:t>sparse</a:t>
+            </a:r>
+            <a:r>
+              <a:rPr lang="nl-NL" dirty="0"/>
+              <a:t> </a:t>
+            </a:r>
+            <a:r>
+              <a:rPr lang="nl-NL" dirty="0" err="1"/>
+              <a:t>reward</a:t>
+            </a:r>
+            <a:r>
+              <a:rPr lang="nl-NL" dirty="0"/>
+              <a:t> </a:t>
+            </a:r>
+            <a:r>
+              <a:rPr lang="nl-NL" dirty="0" err="1"/>
+              <a:t>so</a:t>
+            </a:r>
+            <a:r>
+              <a:rPr lang="nl-NL" dirty="0"/>
+              <a:t> </a:t>
+            </a:r>
+            <a:r>
+              <a:rPr lang="nl-NL" dirty="0" err="1"/>
+              <a:t>sometimes</a:t>
+            </a:r>
+            <a:r>
+              <a:rPr lang="nl-NL" dirty="0"/>
+              <a:t> no </a:t>
+            </a:r>
+            <a:r>
+              <a:rPr lang="nl-NL" dirty="0" err="1"/>
+              <a:t>reward</a:t>
+            </a:r>
+            <a:r>
+              <a:rPr lang="nl-NL" dirty="0"/>
+              <a:t>, </a:t>
+            </a:r>
+            <a:r>
+              <a:rPr lang="nl-NL" dirty="0" err="1"/>
+              <a:t>larger</a:t>
+            </a:r>
+            <a:r>
+              <a:rPr lang="nl-NL" dirty="0"/>
+              <a:t> </a:t>
+            </a:r>
+            <a:r>
+              <a:rPr lang="nl-NL" dirty="0" err="1"/>
+              <a:t>batchsize</a:t>
+            </a:r>
+            <a:r>
+              <a:rPr lang="nl-NL" dirty="0"/>
+              <a:t> </a:t>
+            </a:r>
+            <a:r>
+              <a:rPr lang="nl-NL" dirty="0" err="1"/>
+              <a:t>needed</a:t>
+            </a:r>
+            <a:endParaRPr lang="nl-NL" dirty="0"/>
+          </a:p>
+          <a:p>
+            <a:pPr marL="171450" indent="-171450">
+              <a:buFontTx/>
+              <a:buChar char="-"/>
+            </a:pPr>
+            <a:endParaRPr lang="nl-NL" dirty="0"/>
+          </a:p>
+          <a:p>
+            <a:pPr marL="171450" indent="-171450">
+              <a:buFontTx/>
+              <a:buChar char="-"/>
+            </a:pPr>
+            <a:r>
+              <a:rPr lang="nl-NL" dirty="0" err="1"/>
+              <a:t>So</a:t>
+            </a:r>
+            <a:r>
+              <a:rPr lang="nl-NL" dirty="0"/>
+              <a:t> far: </a:t>
+            </a:r>
+            <a:r>
+              <a:rPr lang="nl-NL" dirty="0" err="1"/>
+              <a:t>all</a:t>
+            </a:r>
+            <a:r>
+              <a:rPr lang="nl-NL" dirty="0"/>
+              <a:t> Adam </a:t>
+            </a:r>
+            <a:r>
+              <a:rPr lang="nl-NL" dirty="0" err="1"/>
+              <a:t>because</a:t>
+            </a:r>
+            <a:r>
+              <a:rPr lang="nl-NL" dirty="0"/>
+              <a:t> </a:t>
+            </a:r>
+            <a:r>
+              <a:rPr lang="nl-NL" dirty="0" err="1"/>
+              <a:t>recommended</a:t>
+            </a:r>
+            <a:endParaRPr lang="nl-NL" dirty="0"/>
+          </a:p>
+          <a:p>
+            <a:pPr marL="171450" indent="-171450">
+              <a:buFontTx/>
+              <a:buChar char="-"/>
+            </a:pPr>
+            <a:r>
+              <a:rPr lang="nl-NL" dirty="0"/>
+              <a:t>Intro </a:t>
+            </a:r>
+            <a:r>
+              <a:rPr lang="nl-NL" dirty="0" err="1"/>
+              <a:t>Optimizers</a:t>
+            </a:r>
+            <a:r>
+              <a:rPr lang="nl-NL" dirty="0"/>
+              <a:t>, momentum </a:t>
+            </a:r>
+            <a:r>
+              <a:rPr lang="nl-NL" dirty="0" err="1"/>
+              <a:t>and</a:t>
+            </a:r>
+            <a:r>
+              <a:rPr lang="nl-NL" dirty="0"/>
+              <a:t> </a:t>
+            </a:r>
+            <a:r>
+              <a:rPr lang="nl-NL" dirty="0" err="1"/>
+              <a:t>decay</a:t>
+            </a:r>
+            <a:endParaRPr lang="nl-NL" dirty="0"/>
+          </a:p>
+          <a:p>
+            <a:pPr marL="171450" indent="-171450">
+              <a:buFontTx/>
+              <a:buChar char="-"/>
+            </a:pPr>
+            <a:r>
+              <a:rPr lang="nl-NL" dirty="0"/>
+              <a:t>Intro </a:t>
+            </a:r>
+            <a:r>
+              <a:rPr lang="nl-NL" dirty="0" err="1"/>
+              <a:t>Defend</a:t>
+            </a:r>
+            <a:r>
+              <a:rPr lang="nl-NL" dirty="0"/>
+              <a:t> </a:t>
+            </a:r>
+            <a:r>
+              <a:rPr lang="nl-NL" dirty="0" err="1"/>
+              <a:t>the</a:t>
+            </a:r>
+            <a:r>
+              <a:rPr lang="nl-NL" dirty="0"/>
+              <a:t> center</a:t>
+            </a:r>
+          </a:p>
+          <a:p>
+            <a:pPr marL="171450" indent="-171450">
+              <a:buFontTx/>
+              <a:buChar char="-"/>
+            </a:pPr>
+            <a:r>
+              <a:rPr lang="nl-NL" dirty="0"/>
+              <a:t>Adam </a:t>
+            </a:r>
+            <a:r>
+              <a:rPr lang="nl-NL" dirty="0" err="1"/>
+              <a:t>outperforms</a:t>
+            </a:r>
+            <a:r>
+              <a:rPr lang="nl-NL" dirty="0"/>
+              <a:t>, </a:t>
+            </a:r>
+            <a:r>
+              <a:rPr lang="nl-NL" dirty="0" err="1"/>
+              <a:t>so</a:t>
+            </a:r>
+            <a:r>
+              <a:rPr lang="nl-NL" dirty="0"/>
+              <a:t> </a:t>
+            </a:r>
+            <a:r>
+              <a:rPr lang="nl-NL" dirty="0" err="1"/>
+              <a:t>good</a:t>
+            </a:r>
+            <a:r>
+              <a:rPr lang="nl-NL" dirty="0"/>
+              <a:t> </a:t>
+            </a:r>
+            <a:r>
+              <a:rPr lang="nl-NL" dirty="0" err="1"/>
+              <a:t>inital</a:t>
+            </a:r>
+            <a:r>
+              <a:rPr lang="nl-NL" dirty="0"/>
+              <a:t> </a:t>
+            </a:r>
+            <a:r>
+              <a:rPr lang="nl-NL" dirty="0" err="1"/>
+              <a:t>choice</a:t>
+            </a:r>
+            <a:endParaRPr lang="nl-NL" dirty="0"/>
+          </a:p>
+          <a:p>
+            <a:pPr marL="171450" indent="-171450">
+              <a:buFontTx/>
+              <a:buChar char="-"/>
+            </a:pPr>
+            <a:endParaRPr lang="nl-NL" dirty="0"/>
+          </a:p>
+          <a:p>
+            <a:pPr marL="171450" indent="-171450">
+              <a:buFontTx/>
+              <a:buChar char="-"/>
+            </a:pPr>
+            <a:r>
+              <a:rPr lang="nl-NL" dirty="0" err="1"/>
+              <a:t>Good</a:t>
+            </a:r>
+            <a:r>
+              <a:rPr lang="nl-NL" dirty="0"/>
+              <a:t> performance on </a:t>
+            </a:r>
+            <a:r>
+              <a:rPr lang="nl-NL" dirty="0" err="1"/>
+              <a:t>all</a:t>
+            </a:r>
+            <a:r>
+              <a:rPr lang="nl-NL" dirty="0"/>
+              <a:t> </a:t>
+            </a:r>
+            <a:r>
+              <a:rPr lang="nl-NL" dirty="0" err="1"/>
+              <a:t>scenarios</a:t>
+            </a:r>
+            <a:endParaRPr lang="nl-NL" dirty="0"/>
+          </a:p>
+          <a:p>
+            <a:pPr marL="171450" indent="-171450">
+              <a:buFontTx/>
+              <a:buChar char="-"/>
+            </a:pPr>
+            <a:r>
+              <a:rPr lang="nl-NL" dirty="0" err="1"/>
+              <a:t>Learned</a:t>
+            </a:r>
+            <a:r>
+              <a:rPr lang="nl-NL" dirty="0"/>
+              <a:t> a lot </a:t>
+            </a:r>
+            <a:r>
+              <a:rPr lang="nl-NL" dirty="0" err="1"/>
+              <a:t>about</a:t>
+            </a:r>
+            <a:r>
+              <a:rPr lang="nl-NL" dirty="0"/>
+              <a:t> </a:t>
+            </a:r>
+            <a:r>
+              <a:rPr lang="nl-NL" dirty="0" err="1"/>
+              <a:t>learning</a:t>
+            </a:r>
+            <a:r>
+              <a:rPr lang="nl-NL" dirty="0"/>
+              <a:t> </a:t>
+            </a:r>
+            <a:r>
+              <a:rPr lang="nl-NL" dirty="0" err="1"/>
+              <a:t>and</a:t>
+            </a:r>
+            <a:r>
+              <a:rPr lang="nl-NL" dirty="0"/>
+              <a:t> </a:t>
+            </a:r>
+            <a:r>
+              <a:rPr lang="nl-NL" dirty="0" err="1"/>
+              <a:t>ideas</a:t>
+            </a:r>
+            <a:r>
+              <a:rPr lang="nl-NL" dirty="0"/>
+              <a:t> </a:t>
+            </a:r>
+            <a:r>
+              <a:rPr lang="nl-NL" dirty="0" err="1"/>
+              <a:t>how</a:t>
+            </a:r>
+            <a:r>
+              <a:rPr lang="nl-NL" dirty="0"/>
+              <a:t> </a:t>
+            </a:r>
+            <a:r>
+              <a:rPr lang="nl-NL" dirty="0" err="1"/>
+              <a:t>to</a:t>
+            </a:r>
+            <a:r>
+              <a:rPr lang="nl-NL" dirty="0"/>
+              <a:t> </a:t>
+            </a:r>
+            <a:r>
+              <a:rPr lang="nl-NL" dirty="0" err="1"/>
+              <a:t>procede</a:t>
+            </a:r>
+            <a:r>
+              <a:rPr lang="nl-NL" dirty="0"/>
+              <a:t>.</a:t>
+            </a:r>
+          </a:p>
+          <a:p>
+            <a:pPr marL="171450" indent="-171450">
+              <a:buFontTx/>
+              <a:buChar char="-"/>
+            </a:pPr>
+            <a:r>
+              <a:rPr lang="nl-NL" dirty="0"/>
+              <a:t>Hope </a:t>
+            </a:r>
+            <a:r>
+              <a:rPr lang="nl-NL" dirty="0" err="1"/>
+              <a:t>to</a:t>
+            </a:r>
+            <a:r>
+              <a:rPr lang="nl-NL" dirty="0"/>
+              <a:t> </a:t>
+            </a:r>
+            <a:r>
+              <a:rPr lang="nl-NL" dirty="0" err="1"/>
+              <a:t>use</a:t>
+            </a:r>
+            <a:r>
+              <a:rPr lang="nl-NL" dirty="0"/>
+              <a:t> in </a:t>
+            </a:r>
+            <a:r>
+              <a:rPr lang="nl-NL" dirty="0" err="1"/>
+              <a:t>the</a:t>
+            </a:r>
+            <a:r>
+              <a:rPr lang="nl-NL" dirty="0"/>
+              <a:t> </a:t>
+            </a:r>
+            <a:r>
+              <a:rPr lang="nl-NL" dirty="0" err="1"/>
+              <a:t>future</a:t>
+            </a:r>
+            <a:endParaRPr lang="nl-NL" dirty="0"/>
+          </a:p>
+          <a:p>
+            <a:pPr marL="171450" indent="-171450">
+              <a:buFontTx/>
+              <a:buChar char="-"/>
+            </a:pPr>
+            <a:endParaRPr lang="nl-NL" dirty="0"/>
+          </a:p>
+          <a:p>
+            <a:pPr marL="171450" indent="-171450">
+              <a:buFontTx/>
+              <a:buChar char="-"/>
+            </a:pPr>
+            <a:endParaRPr lang="nl-NL" dirty="0"/>
+          </a:p>
+          <a:p>
+            <a:pPr marL="171450" indent="-171450">
+              <a:buFontTx/>
+              <a:buChar char="-"/>
+            </a:pPr>
+            <a:endParaRPr lang="nl-NL" dirty="0"/>
+          </a:p>
+          <a:p>
+            <a:pPr marL="171450" indent="-171450">
+              <a:buFontTx/>
+              <a:buChar char="-"/>
+            </a:pPr>
+            <a:endParaRPr lang="nl-NL" dirty="0"/>
+          </a:p>
+          <a:p>
+            <a:pPr marL="171450" indent="-171450">
+              <a:buFontTx/>
+              <a:buChar char="-"/>
+            </a:pPr>
+            <a:endParaRPr lang="nl-NL" dirty="0"/>
           </a:p>
           <a:p>
             <a:pPr marL="0" indent="0">
@@ -5565,6 +6505,25 @@
                     <a:ea typeface="Tahoma" panose="020B0604030504040204" pitchFamily="34" charset="0"/>
                     <a:cs typeface="Tahoma" panose="020B0604030504040204" pitchFamily="34" charset="0"/>
                   </a:rPr>
+                  <a:t>A2C/A3C:	Similar learning curve</a:t>
+                </a:r>
+                <a:endParaRPr lang="en-US" sz="1600" dirty="0">
+                  <a:latin typeface="Tahoma" panose="020B0604030504040204" pitchFamily="34" charset="0"/>
+                  <a:ea typeface="Tahoma" panose="020B0604030504040204" pitchFamily="34" charset="0"/>
+                  <a:cs typeface="Tahoma" panose="020B0604030504040204" pitchFamily="34" charset="0"/>
+                </a:endParaRPr>
+              </a:p>
+              <a:p>
+                <a:pPr marL="285750" indent="-285750">
+                  <a:buFont typeface="Arial" panose="020B0604020202020204" pitchFamily="34" charset="0"/>
+                  <a:buChar char="•"/>
+                </a:pPr>
+                <a:r>
+                  <a:rPr lang="en-US" sz="1200" dirty="0">
+                    <a:latin typeface="Tahoma" panose="020B0604030504040204" pitchFamily="34" charset="0"/>
+                    <a:ea typeface="Tahoma" panose="020B0604030504040204" pitchFamily="34" charset="0"/>
+                    <a:cs typeface="Tahoma" panose="020B0604030504040204" pitchFamily="34" charset="0"/>
+                  </a:rPr>
                   <a:t>Batch size: 	Scenario dependent, larger than 10</a:t>
                 </a:r>
               </a:p>
@@ -5597,25 +6556,6 @@
                   </a:rPr>
                   <a:t> and SGD</a:t>
                 </a:r>
-              </a:p>
-              <a:p>
-                <a:pPr marL="285750" indent="-285750">
-                  <a:buFont typeface="Arial" panose="020B0604020202020204" pitchFamily="34" charset="0"/>
-                  <a:buChar char="•"/>
-                </a:pPr>
-                <a:r>
-                  <a:rPr lang="en-US" sz="1200" dirty="0">
-                    <a:latin typeface="Tahoma" panose="020B0604030504040204" pitchFamily="34" charset="0"/>
-                    <a:ea typeface="Tahoma" panose="020B0604030504040204" pitchFamily="34" charset="0"/>
-                    <a:cs typeface="Tahoma" panose="020B0604030504040204" pitchFamily="34" charset="0"/>
-                  </a:rPr>
-                  <a:t>A2C/A3C:	Similar learning curve</a:t>
-                </a:r>
-                <a:endParaRPr lang="en-US" sz="1600" dirty="0">
-                  <a:latin typeface="Tahoma" panose="020B0604030504040204" pitchFamily="34" charset="0"/>
-                  <a:ea typeface="Tahoma" panose="020B0604030504040204" pitchFamily="34" charset="0"/>
-                  <a:cs typeface="Tahoma" panose="020B0604030504040204" pitchFamily="34" charset="0"/>
-                </a:endParaRPr>
               </a:p>
               <a:p>
                 <a:pPr>

--- a/Poster/Poster draft 1.pptx
+++ b/Poster/Poster draft 1.pptx
@@ -220,7 +220,7 @@
           <a:p>
             <a:fld id="{C1349A2E-81A5-4D98-9D5E-DF4A1B97BBE5}" type="datetimeFigureOut">
               <a:rPr lang="nl-NL" smtClean="0"/>
-              <a:t>22-5-2019</a:t>
+              <a:t>23-5-2019</a:t>
             </a:fld>
             <a:endParaRPr lang="nl-NL"/>
           </a:p>
@@ -2713,7 +2713,7 @@
           <a:p>
             <a:fld id="{162E404A-F3AE-42F6-AA50-DA9044FED422}" type="datetimeFigureOut">
               <a:rPr lang="nl-NL" smtClean="0"/>
-              <a:t>22-5-2019</a:t>
+              <a:t>23-5-2019</a:t>
             </a:fld>
             <a:endParaRPr lang="nl-NL"/>
           </a:p>
@@ -2911,7 +2911,7 @@
           <a:p>
             <a:fld id="{162E404A-F3AE-42F6-AA50-DA9044FED422}" type="datetimeFigureOut">
               <a:rPr lang="nl-NL" smtClean="0"/>
-              <a:t>22-5-2019</a:t>
+              <a:t>23-5-2019</a:t>
             </a:fld>
             <a:endParaRPr lang="nl-NL"/>
           </a:p>
@@ -3119,7 +3119,7 @@
           <a:p>
             <a:fld id="{162E404A-F3AE-42F6-AA50-DA9044FED422}" type="datetimeFigureOut">
               <a:rPr lang="nl-NL" smtClean="0"/>
-              <a:t>22-5-2019</a:t>
+              <a:t>23-5-2019</a:t>
             </a:fld>
             <a:endParaRPr lang="nl-NL"/>
           </a:p>
@@ -3317,7 +3317,7 @@
           <a:p>
             <a:fld id="{162E404A-F3AE-42F6-AA50-DA9044FED422}" type="datetimeFigureOut">
               <a:rPr lang="nl-NL" smtClean="0"/>
-              <a:t>22-5-2019</a:t>
+              <a:t>23-5-2019</a:t>
             </a:fld>
             <a:endParaRPr lang="nl-NL"/>
           </a:p>
@@ -3592,7 +3592,7 @@
           <a:p>
             <a:fld id="{162E404A-F3AE-42F6-AA50-DA9044FED422}" type="datetimeFigureOut">
               <a:rPr lang="nl-NL" smtClean="0"/>
-              <a:t>22-5-2019</a:t>
+              <a:t>23-5-2019</a:t>
             </a:fld>
             <a:endParaRPr lang="nl-NL"/>
           </a:p>
@@ -3857,7 +3857,7 @@
           <a:p>
             <a:fld id="{162E404A-F3AE-42F6-AA50-DA9044FED422}" type="datetimeFigureOut">
               <a:rPr lang="nl-NL" smtClean="0"/>
-              <a:t>22-5-2019</a:t>
+              <a:t>23-5-2019</a:t>
             </a:fld>
             <a:endParaRPr lang="nl-NL"/>
           </a:p>
@@ -4269,7 +4269,7 @@
           <a:p>
             <a:fld id="{162E404A-F3AE-42F6-AA50-DA9044FED422}" type="datetimeFigureOut">
               <a:rPr lang="nl-NL" smtClean="0"/>
-              <a:t>22-5-2019</a:t>
+              <a:t>23-5-2019</a:t>
             </a:fld>
             <a:endParaRPr lang="nl-NL"/>
           </a:p>
@@ -4410,7 +4410,7 @@
           <a:p>
             <a:fld id="{162E404A-F3AE-42F6-AA50-DA9044FED422}" type="datetimeFigureOut">
               <a:rPr lang="nl-NL" smtClean="0"/>
-              <a:t>22-5-2019</a:t>
+              <a:t>23-5-2019</a:t>
             </a:fld>
             <a:endParaRPr lang="nl-NL"/>
           </a:p>
@@ -4523,7 +4523,7 @@
           <a:p>
             <a:fld id="{162E404A-F3AE-42F6-AA50-DA9044FED422}" type="datetimeFigureOut">
               <a:rPr lang="nl-NL" smtClean="0"/>
-              <a:t>22-5-2019</a:t>
+              <a:t>23-5-2019</a:t>
             </a:fld>
             <a:endParaRPr lang="nl-NL"/>
           </a:p>
@@ -4834,7 +4834,7 @@
           <a:p>
             <a:fld id="{162E404A-F3AE-42F6-AA50-DA9044FED422}" type="datetimeFigureOut">
               <a:rPr lang="nl-NL" smtClean="0"/>
-              <a:t>22-5-2019</a:t>
+              <a:t>23-5-2019</a:t>
             </a:fld>
             <a:endParaRPr lang="nl-NL"/>
           </a:p>
@@ -5122,7 +5122,7 @@
           <a:p>
             <a:fld id="{162E404A-F3AE-42F6-AA50-DA9044FED422}" type="datetimeFigureOut">
               <a:rPr lang="nl-NL" smtClean="0"/>
-              <a:t>22-5-2019</a:t>
+              <a:t>23-5-2019</a:t>
             </a:fld>
             <a:endParaRPr lang="nl-NL"/>
           </a:p>
@@ -5363,7 +5363,7 @@
           <a:p>
             <a:fld id="{162E404A-F3AE-42F6-AA50-DA9044FED422}" type="datetimeFigureOut">
               <a:rPr lang="nl-NL" smtClean="0"/>
-              <a:t>22-5-2019</a:t>
+              <a:t>23-5-2019</a:t>
             </a:fld>
             <a:endParaRPr lang="nl-NL"/>
           </a:p>
@@ -6045,10 +6045,10 @@
       </p:sp>
       <p:pic>
         <p:nvPicPr>
-          <p:cNvPr id="9" name="Graphic 8">
-            <a:extLst>
-              <a:ext uri="{FF2B5EF4-FFF2-40B4-BE49-F238E27FC236}">
-                <a16:creationId xmlns:a16="http://schemas.microsoft.com/office/drawing/2014/main" id="{B192816C-D983-4732-A403-8B9FFC80B7BC}"/>
+          <p:cNvPr id="11" name="Graphic 10">
+            <a:extLst>
+              <a:ext uri="{FF2B5EF4-FFF2-40B4-BE49-F238E27FC236}">
+                <a16:creationId xmlns:a16="http://schemas.microsoft.com/office/drawing/2014/main" id="{C320EB7F-3697-4E61-95EB-FD6F77616DD6}"/>
               </a:ext>
             </a:extLst>
           </p:cNvPr>
@@ -6065,45 +6065,6 @@
               </a:ext>
               <a:ext uri="{96DAC541-7B7A-43D3-8B79-37D633B846F1}">
                 <asvg:svgBlip xmlns:asvg="http://schemas.microsoft.com/office/drawing/2016/SVG/main" r:embed="rId6"/>
-              </a:ext>
-            </a:extLst>
-          </a:blip>
-          <a:stretch>
-            <a:fillRect/>
-          </a:stretch>
-        </p:blipFill>
-        <p:spPr>
-          <a:xfrm>
-            <a:off x="6476457" y="3326615"/>
-            <a:ext cx="2480824" cy="1692123"/>
-          </a:xfrm>
-          <a:prstGeom prst="rect">
-            <a:avLst/>
-          </a:prstGeom>
-        </p:spPr>
-      </p:pic>
-      <p:pic>
-        <p:nvPicPr>
-          <p:cNvPr id="11" name="Graphic 10">
-            <a:extLst>
-              <a:ext uri="{FF2B5EF4-FFF2-40B4-BE49-F238E27FC236}">
-                <a16:creationId xmlns:a16="http://schemas.microsoft.com/office/drawing/2014/main" id="{C320EB7F-3697-4E61-95EB-FD6F77616DD6}"/>
-              </a:ext>
-            </a:extLst>
-          </p:cNvPr>
-          <p:cNvPicPr>
-            <a:picLocks noChangeAspect="1"/>
-          </p:cNvPicPr>
-          <p:nvPr/>
-        </p:nvPicPr>
-        <p:blipFill>
-          <a:blip r:embed="rId7">
-            <a:extLst>
-              <a:ext uri="{28A0092B-C50C-407E-A947-70E740481C1C}">
-                <a14:useLocalDpi xmlns:a14="http://schemas.microsoft.com/office/drawing/2010/main" val="0"/>
-              </a:ext>
-              <a:ext uri="{96DAC541-7B7A-43D3-8B79-37D633B846F1}">
-                <asvg:svgBlip xmlns:asvg="http://schemas.microsoft.com/office/drawing/2016/SVG/main" r:embed="rId8"/>
               </a:ext>
             </a:extLst>
           </a:blip>
@@ -6136,13 +6097,13 @@
           <p:nvPr/>
         </p:nvPicPr>
         <p:blipFill>
-          <a:blip r:embed="rId9">
+          <a:blip r:embed="rId7">
             <a:extLst>
               <a:ext uri="{28A0092B-C50C-407E-A947-70E740481C1C}">
                 <a14:useLocalDpi xmlns:a14="http://schemas.microsoft.com/office/drawing/2010/main" val="0"/>
               </a:ext>
               <a:ext uri="{96DAC541-7B7A-43D3-8B79-37D633B846F1}">
-                <asvg:svgBlip xmlns:asvg="http://schemas.microsoft.com/office/drawing/2016/SVG/main" r:embed="rId10"/>
+                <asvg:svgBlip xmlns:asvg="http://schemas.microsoft.com/office/drawing/2016/SVG/main" r:embed="rId8"/>
               </a:ext>
             </a:extLst>
           </a:blip>
@@ -6175,13 +6136,13 @@
           <p:nvPr/>
         </p:nvPicPr>
         <p:blipFill>
-          <a:blip r:embed="rId11">
+          <a:blip r:embed="rId9">
             <a:extLst>
               <a:ext uri="{28A0092B-C50C-407E-A947-70E740481C1C}">
                 <a14:useLocalDpi xmlns:a14="http://schemas.microsoft.com/office/drawing/2010/main" val="0"/>
               </a:ext>
               <a:ext uri="{96DAC541-7B7A-43D3-8B79-37D633B846F1}">
-                <asvg:svgBlip xmlns:asvg="http://schemas.microsoft.com/office/drawing/2016/SVG/main" r:embed="rId12"/>
+                <asvg:svgBlip xmlns:asvg="http://schemas.microsoft.com/office/drawing/2016/SVG/main" r:embed="rId10"/>
               </a:ext>
             </a:extLst>
           </a:blip>
@@ -6191,7 +6152,7 @@
         </p:blipFill>
         <p:spPr>
           <a:xfrm>
-            <a:off x="6241866" y="1032733"/>
+            <a:off x="6245885" y="1032733"/>
             <a:ext cx="2772000" cy="2016000"/>
           </a:xfrm>
           <a:prstGeom prst="rect">
@@ -6322,45 +6283,6 @@
       </p:sp>
       <p:sp>
         <p:nvSpPr>
-          <p:cNvPr id="43" name="Tekstvak 42">
-            <a:extLst>
-              <a:ext uri="{FF2B5EF4-FFF2-40B4-BE49-F238E27FC236}">
-                <a16:creationId xmlns:a16="http://schemas.microsoft.com/office/drawing/2014/main" id="{67445A3D-98FB-48AE-9028-95C297FDDD37}"/>
-              </a:ext>
-            </a:extLst>
-          </p:cNvPr>
-          <p:cNvSpPr txBox="1"/>
-          <p:nvPr/>
-        </p:nvSpPr>
-        <p:spPr>
-          <a:xfrm>
-            <a:off x="6723529" y="3052249"/>
-            <a:ext cx="2231862" cy="307777"/>
-          </a:xfrm>
-          <a:prstGeom prst="rect">
-            <a:avLst/>
-          </a:prstGeom>
-          <a:noFill/>
-        </p:spPr>
-        <p:txBody>
-          <a:bodyPr wrap="square" rtlCol="0">
-            <a:spAutoFit/>
-          </a:bodyPr>
-          <a:lstStyle/>
-          <a:p>
-            <a:r>
-              <a:rPr lang="en-US" sz="1400">
-                <a:latin typeface="Tahoma" panose="020B0604030504040204" pitchFamily="34" charset="0"/>
-                <a:ea typeface="Tahoma" panose="020B0604030504040204" pitchFamily="34" charset="0"/>
-                <a:cs typeface="Tahoma" panose="020B0604030504040204" pitchFamily="34" charset="0"/>
-              </a:rPr>
-              <a:t>Predict Position</a:t>
-            </a:r>
-          </a:p>
-        </p:txBody>
-      </p:sp>
-      <p:sp>
-        <p:nvSpPr>
           <p:cNvPr id="3" name="Tekstvak 2">
             <a:extLst>
               <a:ext uri="{FF2B5EF4-FFF2-40B4-BE49-F238E27FC236}">
@@ -6402,8 +6324,8 @@
           </a:p>
         </p:txBody>
       </p:sp>
-      <mc:AlternateContent xmlns:mc="http://schemas.openxmlformats.org/markup-compatibility/2006">
-        <mc:Choice xmlns:a14="http://schemas.microsoft.com/office/drawing/2010/main" Requires="a14">
+      <mc:AlternateContent xmlns:mc="http://schemas.openxmlformats.org/markup-compatibility/2006" xmlns:a14="http://schemas.microsoft.com/office/drawing/2010/main">
+        <mc:Choice Requires="a14">
           <p:sp>
             <p:nvSpPr>
               <p:cNvPr id="6" name="Tekstvak 5">
@@ -6592,7 +6514,7 @@
             </p:txBody>
           </p:sp>
         </mc:Choice>
-        <mc:Fallback>
+        <mc:Fallback xmlns="">
           <p:sp>
             <p:nvSpPr>
               <p:cNvPr id="6" name="Tekstvak 5">
@@ -6811,6 +6733,45 @@
               </a14:hiddenFill>
             </a:ext>
           </a:extLst>
+        </p:spPr>
+      </p:pic>
+      <p:pic>
+        <p:nvPicPr>
+          <p:cNvPr id="19" name="Graphic 18">
+            <a:extLst>
+              <a:ext uri="{FF2B5EF4-FFF2-40B4-BE49-F238E27FC236}">
+                <a16:creationId xmlns:a16="http://schemas.microsoft.com/office/drawing/2014/main" id="{296D25F0-2FA9-400A-98E1-213BAA726037}"/>
+              </a:ext>
+            </a:extLst>
+          </p:cNvPr>
+          <p:cNvPicPr>
+            <a:picLocks noChangeAspect="1"/>
+          </p:cNvPicPr>
+          <p:nvPr/>
+        </p:nvPicPr>
+        <p:blipFill>
+          <a:blip r:embed="rId16">
+            <a:extLst>
+              <a:ext uri="{28A0092B-C50C-407E-A947-70E740481C1C}">
+                <a14:useLocalDpi xmlns:a14="http://schemas.microsoft.com/office/drawing/2010/main" val="0"/>
+              </a:ext>
+              <a:ext uri="{96DAC541-7B7A-43D3-8B79-37D633B846F1}">
+                <asvg:svgBlip xmlns:asvg="http://schemas.microsoft.com/office/drawing/2016/SVG/main" r:embed="rId17"/>
+              </a:ext>
+            </a:extLst>
+          </a:blip>
+          <a:stretch>
+            <a:fillRect/>
+          </a:stretch>
+        </p:blipFill>
+        <p:spPr>
+          <a:xfrm>
+            <a:off x="6266885" y="3162785"/>
+            <a:ext cx="2751000" cy="2016000"/>
+          </a:xfrm>
+          <a:prstGeom prst="rect">
+            <a:avLst/>
+          </a:prstGeom>
         </p:spPr>
       </p:pic>
     </p:spTree>
